--- a/발표 최종.pptx
+++ b/발표 최종.pptx
@@ -12,8 +12,8 @@
   </p:handoutMasterIdLst>
   <p:sldIdLst>
     <p:sldId id="256" r:id="rId2"/>
-    <p:sldId id="257" r:id="rId3"/>
-    <p:sldId id="273" r:id="rId4"/>
+    <p:sldId id="273" r:id="rId3"/>
+    <p:sldId id="257" r:id="rId4"/>
     <p:sldId id="274" r:id="rId5"/>
     <p:sldId id="284" r:id="rId6"/>
     <p:sldId id="275" r:id="rId7"/>
@@ -4574,7 +4574,7 @@
           <p:spPr>
             <a:xfrm>
               <a:off x="709468" y="692696"/>
-              <a:ext cx="1992853" cy="276999"/>
+              <a:ext cx="2093843" cy="276999"/>
             </a:xfrm>
             <a:prstGeom prst="rect">
               <a:avLst/>
@@ -4599,8 +4599,8 @@
                   <a:solidFill>
                     <a:schemeClr val="bg1"/>
                   </a:solidFill>
-                  <a:latin typeface="배달의민족 주아" panose="02020603020101020101" pitchFamily="18" charset="-127"/>
-                  <a:ea typeface="배달의민족 주아" panose="02020603020101020101" pitchFamily="18" charset="-127"/>
+                  <a:latin typeface="타이포_쌍문동 B" panose="02020803020101020101" pitchFamily="18" charset="-127"/>
+                  <a:ea typeface="타이포_쌍문동 B" panose="02020803020101020101" pitchFamily="18" charset="-127"/>
                 </a:rPr>
                 <a:t>여행지 만족도 분석</a:t>
               </a:r>
@@ -4616,13 +4616,13 @@
                   <a:solidFill>
                     <a:schemeClr val="bg1"/>
                   </a:solidFill>
-                  <a:latin typeface="배달의민족 주아" panose="02020603020101020101" pitchFamily="18" charset="-127"/>
-                  <a:ea typeface="배달의민족 주아" panose="02020603020101020101" pitchFamily="18" charset="-127"/>
+                  <a:latin typeface="타이포_쌍문동 B" panose="02020803020101020101" pitchFamily="18" charset="-127"/>
+                  <a:ea typeface="타이포_쌍문동 B" panose="02020803020101020101" pitchFamily="18" charset="-127"/>
                 </a:rPr>
                 <a:t>  - </a:t>
               </a:r>
               <a:r>
-                <a:rPr lang="ko-KR" altLang="en-US" sz="1200" dirty="0" err="1">
+                <a:rPr lang="ko-KR" altLang="en-US" sz="1200" dirty="0">
                   <a:ln>
                     <a:solidFill>
                       <a:schemeClr val="bg1">
@@ -4633,27 +4633,10 @@
                   <a:solidFill>
                     <a:schemeClr val="bg1"/>
                   </a:solidFill>
-                  <a:latin typeface="배달의민족 주아" panose="02020603020101020101" pitchFamily="18" charset="-127"/>
-                  <a:ea typeface="배달의민족 주아" panose="02020603020101020101" pitchFamily="18" charset="-127"/>
-                </a:rPr>
-                <a:t>개인여행</a:t>
-              </a:r>
-              <a:r>
-                <a:rPr lang="ko-KR" altLang="en-US" sz="1200" dirty="0">
-                  <a:ln>
-                    <a:solidFill>
-                      <a:schemeClr val="bg1">
-                        <a:alpha val="20000"/>
-                      </a:schemeClr>
-                    </a:solidFill>
-                  </a:ln>
-                  <a:solidFill>
-                    <a:schemeClr val="bg1"/>
-                  </a:solidFill>
-                  <a:latin typeface="배달의민족 주아" panose="02020603020101020101" pitchFamily="18" charset="-127"/>
-                  <a:ea typeface="배달의민족 주아" panose="02020603020101020101" pitchFamily="18" charset="-127"/>
-                </a:rPr>
-                <a:t> </a:t>
+                  <a:latin typeface="타이포_쌍문동 B" panose="02020803020101020101" pitchFamily="18" charset="-127"/>
+                  <a:ea typeface="타이포_쌍문동 B" panose="02020803020101020101" pitchFamily="18" charset="-127"/>
+                </a:rPr>
+                <a:t>개인 </a:t>
               </a:r>
               <a:endParaRPr lang="en-US" altLang="ko-KR" sz="1200" dirty="0">
                 <a:ln>
@@ -4666,8 +4649,8 @@
                 <a:solidFill>
                   <a:schemeClr val="bg1"/>
                 </a:solidFill>
-                <a:latin typeface="배달의민족 주아" panose="02020603020101020101" pitchFamily="18" charset="-127"/>
-                <a:ea typeface="배달의민족 주아" panose="02020603020101020101" pitchFamily="18" charset="-127"/>
+                <a:latin typeface="타이포_쌍문동 B" panose="02020803020101020101" pitchFamily="18" charset="-127"/>
+                <a:ea typeface="타이포_쌍문동 B" panose="02020803020101020101" pitchFamily="18" charset="-127"/>
               </a:endParaRPr>
             </a:p>
           </p:txBody>
@@ -6195,7 +6178,7 @@
         </p:nvGrpSpPr>
         <p:grpSpPr>
           <a:xfrm>
-            <a:off x="709468" y="346724"/>
+            <a:off x="709468" y="188640"/>
             <a:ext cx="2467342" cy="622971"/>
             <a:chOff x="709468" y="346724"/>
             <a:chExt cx="2467342" cy="622971"/>
@@ -6252,7 +6235,7 @@
           <p:spPr>
             <a:xfrm>
               <a:off x="709468" y="692696"/>
-              <a:ext cx="1295547" cy="276999"/>
+              <a:ext cx="1846980" cy="276999"/>
             </a:xfrm>
             <a:prstGeom prst="rect">
               <a:avLst/>
@@ -6277,10 +6260,44 @@
                   <a:solidFill>
                     <a:schemeClr val="bg1"/>
                   </a:solidFill>
-                  <a:latin typeface="배달의민족 주아" panose="02020603020101020101" pitchFamily="18" charset="-127"/>
-                  <a:ea typeface="배달의민족 주아" panose="02020603020101020101" pitchFamily="18" charset="-127"/>
-                </a:rPr>
-                <a:t>여행지 만족도 분석 </a:t>
+                  <a:latin typeface="타이포_쌍문동 B" panose="02020803020101020101" pitchFamily="18" charset="-127"/>
+                  <a:ea typeface="타이포_쌍문동 B" panose="02020803020101020101" pitchFamily="18" charset="-127"/>
+                </a:rPr>
+                <a:t>여행 만족도 분석 </a:t>
+              </a:r>
+              <a:r>
+                <a:rPr lang="en-US" altLang="ko-KR" sz="1200" dirty="0">
+                  <a:ln>
+                    <a:solidFill>
+                      <a:schemeClr val="bg1">
+                        <a:alpha val="20000"/>
+                      </a:schemeClr>
+                    </a:solidFill>
+                  </a:ln>
+                  <a:solidFill>
+                    <a:schemeClr val="bg1"/>
+                  </a:solidFill>
+                  <a:latin typeface="타이포_쌍문동 B" panose="02020803020101020101" pitchFamily="18" charset="-127"/>
+                  <a:ea typeface="타이포_쌍문동 B" panose="02020803020101020101" pitchFamily="18" charset="-127"/>
+                </a:rPr>
+                <a:t>- </a:t>
+              </a:r>
+              <a:r>
+                <a:rPr lang="ko-KR" altLang="en-US" sz="1200" dirty="0">
+                  <a:ln>
+                    <a:solidFill>
+                      <a:schemeClr val="bg1">
+                        <a:alpha val="20000"/>
+                      </a:schemeClr>
+                    </a:solidFill>
+                  </a:ln>
+                  <a:solidFill>
+                    <a:schemeClr val="bg1"/>
+                  </a:solidFill>
+                  <a:latin typeface="타이포_쌍문동 B" panose="02020803020101020101" pitchFamily="18" charset="-127"/>
+                  <a:ea typeface="타이포_쌍문동 B" panose="02020803020101020101" pitchFamily="18" charset="-127"/>
+                </a:rPr>
+                <a:t>개인</a:t>
               </a:r>
               <a:endParaRPr lang="en-US" altLang="ko-KR" sz="1200" dirty="0">
                 <a:ln>
@@ -6293,8 +6310,8 @@
                 <a:solidFill>
                   <a:schemeClr val="bg1"/>
                 </a:solidFill>
-                <a:latin typeface="배달의민족 주아" panose="02020603020101020101" pitchFamily="18" charset="-127"/>
-                <a:ea typeface="배달의민족 주아" panose="02020603020101020101" pitchFamily="18" charset="-127"/>
+                <a:latin typeface="타이포_쌍문동 B" panose="02020803020101020101" pitchFamily="18" charset="-127"/>
+                <a:ea typeface="타이포_쌍문동 B" panose="02020803020101020101" pitchFamily="18" charset="-127"/>
               </a:endParaRPr>
             </a:p>
           </p:txBody>
@@ -7845,7 +7862,7 @@
           <p:spPr>
             <a:xfrm>
               <a:off x="709468" y="692696"/>
-              <a:ext cx="1954381" cy="276999"/>
+              <a:ext cx="2047355" cy="276999"/>
             </a:xfrm>
             <a:prstGeom prst="rect">
               <a:avLst/>
@@ -7870,8 +7887,8 @@
                   <a:solidFill>
                     <a:schemeClr val="bg1"/>
                   </a:solidFill>
-                  <a:latin typeface="배달의민족 주아" panose="02020603020101020101" pitchFamily="18" charset="-127"/>
-                  <a:ea typeface="배달의민족 주아" panose="02020603020101020101" pitchFamily="18" charset="-127"/>
+                  <a:latin typeface="타이포_쌍문동 B" panose="02020803020101020101" pitchFamily="18" charset="-127"/>
+                  <a:ea typeface="타이포_쌍문동 B" panose="02020803020101020101" pitchFamily="18" charset="-127"/>
                 </a:rPr>
                 <a:t>여행지 만족도 분석 </a:t>
               </a:r>
@@ -7887,13 +7904,13 @@
                   <a:solidFill>
                     <a:schemeClr val="bg1"/>
                   </a:solidFill>
-                  <a:latin typeface="배달의민족 주아" panose="02020603020101020101" pitchFamily="18" charset="-127"/>
-                  <a:ea typeface="배달의민족 주아" panose="02020603020101020101" pitchFamily="18" charset="-127"/>
+                  <a:latin typeface="타이포_쌍문동 B" panose="02020803020101020101" pitchFamily="18" charset="-127"/>
+                  <a:ea typeface="타이포_쌍문동 B" panose="02020803020101020101" pitchFamily="18" charset="-127"/>
                 </a:rPr>
                 <a:t> - </a:t>
               </a:r>
               <a:r>
-                <a:rPr lang="ko-KR" altLang="en-US" sz="1200" dirty="0" err="1">
+                <a:rPr lang="ko-KR" altLang="en-US" sz="1200" dirty="0">
                   <a:ln>
                     <a:solidFill>
                       <a:schemeClr val="bg1">
@@ -7904,10 +7921,10 @@
                   <a:solidFill>
                     <a:schemeClr val="bg1"/>
                   </a:solidFill>
-                  <a:latin typeface="배달의민족 주아" panose="02020603020101020101" pitchFamily="18" charset="-127"/>
-                  <a:ea typeface="배달의민족 주아" panose="02020603020101020101" pitchFamily="18" charset="-127"/>
-                </a:rPr>
-                <a:t>개인여행</a:t>
+                  <a:latin typeface="타이포_쌍문동 B" panose="02020803020101020101" pitchFamily="18" charset="-127"/>
+                  <a:ea typeface="타이포_쌍문동 B" panose="02020803020101020101" pitchFamily="18" charset="-127"/>
+                </a:rPr>
+                <a:t>개인</a:t>
               </a:r>
               <a:endParaRPr lang="en-US" altLang="ko-KR" sz="1200" dirty="0">
                 <a:ln>
@@ -7920,8 +7937,8 @@
                 <a:solidFill>
                   <a:schemeClr val="bg1"/>
                 </a:solidFill>
-                <a:latin typeface="배달의민족 주아" panose="02020603020101020101" pitchFamily="18" charset="-127"/>
-                <a:ea typeface="배달의민족 주아" panose="02020603020101020101" pitchFamily="18" charset="-127"/>
+                <a:latin typeface="타이포_쌍문동 B" panose="02020803020101020101" pitchFamily="18" charset="-127"/>
+                <a:ea typeface="타이포_쌍문동 B" panose="02020803020101020101" pitchFamily="18" charset="-127"/>
               </a:endParaRPr>
             </a:p>
           </p:txBody>
@@ -9106,9 +9123,9 @@
         <p:grpSpPr>
           <a:xfrm>
             <a:off x="709468" y="346724"/>
-            <a:ext cx="2390398" cy="622971"/>
+            <a:ext cx="2467342" cy="622971"/>
             <a:chOff x="709468" y="346724"/>
-            <a:chExt cx="2390398" cy="622971"/>
+            <a:chExt cx="2467342" cy="622971"/>
           </a:xfrm>
         </p:grpSpPr>
         <p:sp>
@@ -9120,7 +9137,7 @@
           <p:spPr>
             <a:xfrm>
               <a:off x="709468" y="346724"/>
-              <a:ext cx="2390398" cy="400110"/>
+              <a:ext cx="2467342" cy="400110"/>
             </a:xfrm>
             <a:prstGeom prst="rect">
               <a:avLst/>
@@ -9148,7 +9165,7 @@
                   <a:latin typeface="타이포_쌍문동 B" panose="02020803020101020101" pitchFamily="18" charset="-127"/>
                   <a:ea typeface="타이포_쌍문동 B" panose="02020803020101020101" pitchFamily="18" charset="-127"/>
                 </a:rPr>
-                <a:t>여행지 선호도 분석</a:t>
+                <a:t>여행지 선호도 분석 </a:t>
               </a:r>
             </a:p>
           </p:txBody>
@@ -17518,725 +17535,106 @@
           <a:chExt cx="0" cy="0"/>
         </a:xfrm>
       </p:grpSpPr>
+      <p:sp>
+        <p:nvSpPr>
+          <p:cNvPr id="6" name="직사각형 5"/>
+          <p:cNvSpPr/>
+          <p:nvPr/>
+        </p:nvSpPr>
+        <p:spPr>
+          <a:xfrm>
+            <a:off x="0" y="0"/>
+            <a:ext cx="12192000" cy="1268760"/>
+          </a:xfrm>
+          <a:prstGeom prst="rect">
+            <a:avLst/>
+          </a:prstGeom>
+          <a:solidFill>
+            <a:srgbClr val="00547A"/>
+          </a:solidFill>
+          <a:ln>
+            <a:noFill/>
+          </a:ln>
+        </p:spPr>
+        <p:style>
+          <a:lnRef idx="2">
+            <a:schemeClr val="accent1">
+              <a:shade val="50000"/>
+            </a:schemeClr>
+          </a:lnRef>
+          <a:fillRef idx="1">
+            <a:schemeClr val="accent1"/>
+          </a:fillRef>
+          <a:effectRef idx="0">
+            <a:schemeClr val="accent1"/>
+          </a:effectRef>
+          <a:fontRef idx="minor">
+            <a:schemeClr val="lt1"/>
+          </a:fontRef>
+        </p:style>
+        <p:txBody>
+          <a:bodyPr rtlCol="0" anchor="ctr"/>
+          <a:lstStyle/>
+          <a:p>
+            <a:pPr algn="ctr"/>
+            <a:endParaRPr lang="ko-KR" altLang="en-US"/>
+          </a:p>
+        </p:txBody>
+      </p:sp>
+      <p:pic>
+        <p:nvPicPr>
+          <p:cNvPr id="7" name="그림 6"/>
+          <p:cNvPicPr>
+            <a:picLocks noChangeAspect="1"/>
+          </p:cNvPicPr>
+          <p:nvPr/>
+        </p:nvPicPr>
+        <p:blipFill>
+          <a:blip r:embed="rId2" cstate="print">
+            <a:extLst>
+              <a:ext uri="{28A0092B-C50C-407E-A947-70E740481C1C}">
+                <a14:useLocalDpi xmlns:a14="http://schemas.microsoft.com/office/drawing/2010/main" val="0"/>
+              </a:ext>
+            </a:extLst>
+          </a:blip>
+          <a:stretch>
+            <a:fillRect/>
+          </a:stretch>
+        </p:blipFill>
+        <p:spPr>
+          <a:xfrm>
+            <a:off x="10366299" y="201623"/>
+            <a:ext cx="893661" cy="865515"/>
+          </a:xfrm>
+          <a:prstGeom prst="rect">
+            <a:avLst/>
+          </a:prstGeom>
+        </p:spPr>
+      </p:pic>
       <p:grpSp>
         <p:nvGrpSpPr>
-          <p:cNvPr id="4" name="그룹 3"/>
+          <p:cNvPr id="10" name="그룹 9"/>
           <p:cNvGrpSpPr/>
           <p:nvPr/>
         </p:nvGrpSpPr>
         <p:grpSpPr>
           <a:xfrm>
-            <a:off x="0" y="0"/>
-            <a:ext cx="9816615" cy="6858000"/>
-            <a:chOff x="0" y="0"/>
-            <a:chExt cx="9816615" cy="6858000"/>
+            <a:off x="709468" y="346724"/>
+            <a:ext cx="1639103" cy="622971"/>
+            <a:chOff x="709468" y="346724"/>
+            <a:chExt cx="1639103" cy="622971"/>
           </a:xfrm>
         </p:grpSpPr>
-        <p:grpSp>
-          <p:nvGrpSpPr>
-            <p:cNvPr id="36" name="그룹 35"/>
-            <p:cNvGrpSpPr/>
-            <p:nvPr/>
-          </p:nvGrpSpPr>
-          <p:grpSpPr>
-            <a:xfrm>
-              <a:off x="0" y="0"/>
-              <a:ext cx="6096000" cy="6858000"/>
-              <a:chOff x="0" y="0"/>
-              <a:chExt cx="6096000" cy="6858000"/>
-            </a:xfrm>
-          </p:grpSpPr>
-          <p:sp>
-            <p:nvSpPr>
-              <p:cNvPr id="20" name="직사각형 19"/>
-              <p:cNvSpPr/>
-              <p:nvPr/>
-            </p:nvSpPr>
-            <p:spPr>
-              <a:xfrm>
-                <a:off x="0" y="0"/>
-                <a:ext cx="6096000" cy="6858000"/>
-              </a:xfrm>
-              <a:prstGeom prst="rect">
-                <a:avLst/>
-              </a:prstGeom>
-              <a:solidFill>
-                <a:srgbClr val="B0D2D3"/>
-              </a:solidFill>
-              <a:ln>
-                <a:noFill/>
-              </a:ln>
-            </p:spPr>
-            <p:style>
-              <a:lnRef idx="2">
-                <a:schemeClr val="accent1">
-                  <a:shade val="50000"/>
-                </a:schemeClr>
-              </a:lnRef>
-              <a:fillRef idx="1">
-                <a:schemeClr val="accent1"/>
-              </a:fillRef>
-              <a:effectRef idx="0">
-                <a:schemeClr val="accent1"/>
-              </a:effectRef>
-              <a:fontRef idx="minor">
-                <a:schemeClr val="lt1"/>
-              </a:fontRef>
-            </p:style>
-            <p:txBody>
-              <a:bodyPr rtlCol="0" anchor="ctr"/>
-              <a:lstStyle/>
-              <a:p>
-                <a:pPr algn="ctr"/>
-                <a:endParaRPr lang="ko-KR" altLang="en-US"/>
-              </a:p>
-            </p:txBody>
-          </p:sp>
-          <p:pic>
-            <p:nvPicPr>
-              <p:cNvPr id="21" name="그림 20"/>
-              <p:cNvPicPr>
-                <a:picLocks noChangeAspect="1"/>
-              </p:cNvPicPr>
-              <p:nvPr/>
-            </p:nvPicPr>
-            <p:blipFill>
-              <a:blip r:embed="rId2" cstate="print">
-                <a:extLst>
-                  <a:ext uri="{28A0092B-C50C-407E-A947-70E740481C1C}">
-                    <a14:useLocalDpi xmlns:a14="http://schemas.microsoft.com/office/drawing/2010/main" val="0"/>
-                  </a:ext>
-                </a:extLst>
-              </a:blip>
-              <a:stretch>
-                <a:fillRect/>
-              </a:stretch>
-            </p:blipFill>
-            <p:spPr>
-              <a:xfrm>
-                <a:off x="1741267" y="2475084"/>
-                <a:ext cx="2613467" cy="1907832"/>
-              </a:xfrm>
-              <a:prstGeom prst="rect">
-                <a:avLst/>
-              </a:prstGeom>
-            </p:spPr>
-          </p:pic>
-        </p:grpSp>
-        <p:grpSp>
-          <p:nvGrpSpPr>
-            <p:cNvPr id="3" name="그룹 2"/>
-            <p:cNvGrpSpPr/>
-            <p:nvPr/>
-          </p:nvGrpSpPr>
-          <p:grpSpPr>
-            <a:xfrm>
-              <a:off x="6816080" y="1605246"/>
-              <a:ext cx="2925801" cy="3859723"/>
-              <a:chOff x="6816080" y="1605246"/>
-              <a:chExt cx="2925801" cy="3859723"/>
-            </a:xfrm>
-          </p:grpSpPr>
-          <p:sp>
-            <p:nvSpPr>
-              <p:cNvPr id="23" name="TextBox 22"/>
-              <p:cNvSpPr txBox="1"/>
-              <p:nvPr/>
-            </p:nvSpPr>
-            <p:spPr>
-              <a:xfrm>
-                <a:off x="6816080" y="1605246"/>
-                <a:ext cx="1935466" cy="830997"/>
-              </a:xfrm>
-              <a:prstGeom prst="rect">
-                <a:avLst/>
-              </a:prstGeom>
-              <a:noFill/>
-            </p:spPr>
-            <p:txBody>
-              <a:bodyPr wrap="none" rtlCol="0">
-                <a:spAutoFit/>
-              </a:bodyPr>
-              <a:lstStyle/>
-              <a:p>
-                <a:r>
-                  <a:rPr lang="en-US" altLang="ko-KR" sz="2400" dirty="0">
-                    <a:ln>
-                      <a:solidFill>
-                        <a:srgbClr val="B0D2D3">
-                          <a:alpha val="20000"/>
-                        </a:srgbClr>
-                      </a:solidFill>
-                    </a:ln>
-                    <a:solidFill>
-                      <a:srgbClr val="B0D2D3"/>
-                    </a:solidFill>
-                    <a:latin typeface="타이포_쌍문동 B" panose="02020803020101020101" pitchFamily="18" charset="-127"/>
-                    <a:ea typeface="타이포_쌍문동 B" panose="02020803020101020101" pitchFamily="18" charset="-127"/>
-                  </a:rPr>
-                  <a:t>Trip Inside</a:t>
-                </a:r>
-              </a:p>
-              <a:p>
-                <a:endParaRPr lang="ko-KR" altLang="en-US" sz="2400" dirty="0">
-                  <a:ln>
-                    <a:solidFill>
-                      <a:srgbClr val="B0D2D3">
-                        <a:alpha val="20000"/>
-                      </a:srgbClr>
-                    </a:solidFill>
-                  </a:ln>
-                  <a:solidFill>
-                    <a:srgbClr val="B0D2D3"/>
-                  </a:solidFill>
-                  <a:latin typeface="타이포_쌍문동 B" panose="02020803020101020101" pitchFamily="18" charset="-127"/>
-                  <a:ea typeface="타이포_쌍문동 B" panose="02020803020101020101" pitchFamily="18" charset="-127"/>
-                </a:endParaRPr>
-              </a:p>
-            </p:txBody>
-          </p:sp>
-          <p:sp>
-            <p:nvSpPr>
-              <p:cNvPr id="24" name="TextBox 23"/>
-              <p:cNvSpPr txBox="1"/>
-              <p:nvPr/>
-            </p:nvSpPr>
-            <p:spPr>
-              <a:xfrm>
-                <a:off x="6859810" y="2148214"/>
-                <a:ext cx="1334020" cy="738664"/>
-              </a:xfrm>
-              <a:prstGeom prst="rect">
-                <a:avLst/>
-              </a:prstGeom>
-              <a:noFill/>
-            </p:spPr>
-            <p:txBody>
-              <a:bodyPr wrap="none" rtlCol="0">
-                <a:spAutoFit/>
-              </a:bodyPr>
-              <a:lstStyle/>
-              <a:p>
-                <a:r>
-                  <a:rPr lang="ko-KR" altLang="en-US" sz="1400" dirty="0">
-                    <a:ln>
-                      <a:solidFill>
-                        <a:schemeClr val="tx1">
-                          <a:lumMod val="75000"/>
-                          <a:lumOff val="25000"/>
-                          <a:alpha val="20000"/>
-                        </a:schemeClr>
-                      </a:solidFill>
-                    </a:ln>
-                    <a:solidFill>
-                      <a:srgbClr val="174F78"/>
-                    </a:solidFill>
-                    <a:latin typeface="배달의민족 주아" panose="02020603020101020101" pitchFamily="18" charset="-127"/>
-                    <a:ea typeface="배달의민족 주아" panose="02020603020101020101" pitchFamily="18" charset="-127"/>
-                  </a:rPr>
-                  <a:t>주제 선정 배경 </a:t>
-                </a:r>
-                <a:endParaRPr lang="en-US" altLang="ko-KR" sz="1400" dirty="0">
-                  <a:ln>
-                    <a:solidFill>
-                      <a:schemeClr val="tx1">
-                        <a:lumMod val="75000"/>
-                        <a:lumOff val="25000"/>
-                        <a:alpha val="20000"/>
-                      </a:schemeClr>
-                    </a:solidFill>
-                  </a:ln>
-                  <a:solidFill>
-                    <a:srgbClr val="174F78"/>
-                  </a:solidFill>
-                  <a:latin typeface="배달의민족 주아" panose="02020603020101020101" pitchFamily="18" charset="-127"/>
-                  <a:ea typeface="배달의민족 주아" panose="02020603020101020101" pitchFamily="18" charset="-127"/>
-                </a:endParaRPr>
-              </a:p>
-              <a:p>
-                <a:r>
-                  <a:rPr lang="ko-KR" altLang="en-US" sz="1400" dirty="0">
-                    <a:ln>
-                      <a:solidFill>
-                        <a:schemeClr val="tx1">
-                          <a:lumMod val="75000"/>
-                          <a:lumOff val="25000"/>
-                          <a:alpha val="20000"/>
-                        </a:schemeClr>
-                      </a:solidFill>
-                    </a:ln>
-                    <a:solidFill>
-                      <a:srgbClr val="174F78"/>
-                    </a:solidFill>
-                    <a:latin typeface="배달의민족 주아" panose="02020603020101020101" pitchFamily="18" charset="-127"/>
-                    <a:ea typeface="배달의민족 주아" panose="02020603020101020101" pitchFamily="18" charset="-127"/>
-                  </a:rPr>
-                  <a:t>데이터 선정 배경 </a:t>
-                </a:r>
-                <a:endParaRPr lang="en-US" altLang="ko-KR" sz="1400" dirty="0">
-                  <a:ln>
-                    <a:solidFill>
-                      <a:schemeClr val="tx1">
-                        <a:lumMod val="75000"/>
-                        <a:lumOff val="25000"/>
-                        <a:alpha val="20000"/>
-                      </a:schemeClr>
-                    </a:solidFill>
-                  </a:ln>
-                  <a:solidFill>
-                    <a:srgbClr val="174F78"/>
-                  </a:solidFill>
-                  <a:latin typeface="배달의민족 주아" panose="02020603020101020101" pitchFamily="18" charset="-127"/>
-                  <a:ea typeface="배달의민족 주아" panose="02020603020101020101" pitchFamily="18" charset="-127"/>
-                </a:endParaRPr>
-              </a:p>
-              <a:p>
-                <a:r>
-                  <a:rPr lang="ko-KR" altLang="en-US" sz="1400" dirty="0">
-                    <a:ln>
-                      <a:solidFill>
-                        <a:schemeClr val="tx1">
-                          <a:lumMod val="75000"/>
-                          <a:lumOff val="25000"/>
-                          <a:alpha val="20000"/>
-                        </a:schemeClr>
-                      </a:solidFill>
-                    </a:ln>
-                    <a:solidFill>
-                      <a:srgbClr val="174F78"/>
-                    </a:solidFill>
-                    <a:latin typeface="배달의민족 주아" panose="02020603020101020101" pitchFamily="18" charset="-127"/>
-                    <a:ea typeface="배달의민족 주아" panose="02020603020101020101" pitchFamily="18" charset="-127"/>
-                  </a:rPr>
-                  <a:t>데이터 분석 계획 </a:t>
-                </a:r>
-                <a:endParaRPr lang="en-US" altLang="ko-KR" sz="1400" dirty="0">
-                  <a:ln>
-                    <a:solidFill>
-                      <a:schemeClr val="tx1">
-                        <a:lumMod val="75000"/>
-                        <a:lumOff val="25000"/>
-                        <a:alpha val="20000"/>
-                      </a:schemeClr>
-                    </a:solidFill>
-                  </a:ln>
-                  <a:solidFill>
-                    <a:srgbClr val="174F78"/>
-                  </a:solidFill>
-                  <a:latin typeface="배달의민족 주아" panose="02020603020101020101" pitchFamily="18" charset="-127"/>
-                  <a:ea typeface="배달의민족 주아" panose="02020603020101020101" pitchFamily="18" charset="-127"/>
-                </a:endParaRPr>
-              </a:p>
-            </p:txBody>
-          </p:sp>
-          <p:sp>
-            <p:nvSpPr>
-              <p:cNvPr id="30" name="TextBox 29"/>
-              <p:cNvSpPr txBox="1"/>
-              <p:nvPr/>
-            </p:nvSpPr>
-            <p:spPr>
-              <a:xfrm>
-                <a:off x="6859810" y="4663362"/>
-                <a:ext cx="1293944" cy="461665"/>
-              </a:xfrm>
-              <a:prstGeom prst="rect">
-                <a:avLst/>
-              </a:prstGeom>
-              <a:noFill/>
-            </p:spPr>
-            <p:txBody>
-              <a:bodyPr wrap="none" rtlCol="0">
-                <a:spAutoFit/>
-              </a:bodyPr>
-              <a:lstStyle/>
-              <a:p>
-                <a:r>
-                  <a:rPr lang="ko-KR" altLang="en-US" sz="2400" dirty="0">
-                    <a:ln>
-                      <a:solidFill>
-                        <a:srgbClr val="B0D2D3">
-                          <a:alpha val="20000"/>
-                        </a:srgbClr>
-                      </a:solidFill>
-                    </a:ln>
-                    <a:solidFill>
-                      <a:srgbClr val="B0D2D3"/>
-                    </a:solidFill>
-                    <a:latin typeface="타이포_쌍문동 B" panose="02020803020101020101" pitchFamily="18" charset="-127"/>
-                    <a:ea typeface="타이포_쌍문동 B" panose="02020803020101020101" pitchFamily="18" charset="-127"/>
-                  </a:rPr>
-                  <a:t>웹 구현 </a:t>
-                </a:r>
-              </a:p>
-            </p:txBody>
-          </p:sp>
-          <p:sp>
-            <p:nvSpPr>
-              <p:cNvPr id="31" name="TextBox 30"/>
-              <p:cNvSpPr txBox="1"/>
-              <p:nvPr/>
-            </p:nvSpPr>
-            <p:spPr>
-              <a:xfrm>
-                <a:off x="6888088" y="5157192"/>
-                <a:ext cx="655949" cy="307777"/>
-              </a:xfrm>
-              <a:prstGeom prst="rect">
-                <a:avLst/>
-              </a:prstGeom>
-              <a:noFill/>
-            </p:spPr>
-            <p:txBody>
-              <a:bodyPr wrap="none" rtlCol="0">
-                <a:spAutoFit/>
-              </a:bodyPr>
-              <a:lstStyle/>
-              <a:p>
-                <a:r>
-                  <a:rPr lang="ko-KR" altLang="en-US" sz="1400" dirty="0">
-                    <a:ln>
-                      <a:solidFill>
-                        <a:schemeClr val="tx1">
-                          <a:lumMod val="75000"/>
-                          <a:lumOff val="25000"/>
-                          <a:alpha val="20000"/>
-                        </a:schemeClr>
-                      </a:solidFill>
-                    </a:ln>
-                    <a:solidFill>
-                      <a:srgbClr val="174F78"/>
-                    </a:solidFill>
-                    <a:latin typeface="배달의민족 주아" panose="02020603020101020101" pitchFamily="18" charset="-127"/>
-                    <a:ea typeface="배달의민족 주아" panose="02020603020101020101" pitchFamily="18" charset="-127"/>
-                  </a:rPr>
-                  <a:t>웹 구성</a:t>
-                </a:r>
-              </a:p>
-            </p:txBody>
-          </p:sp>
-          <p:sp>
-            <p:nvSpPr>
-              <p:cNvPr id="34" name="TextBox 33"/>
-              <p:cNvSpPr txBox="1"/>
-              <p:nvPr/>
-            </p:nvSpPr>
-            <p:spPr>
-              <a:xfrm>
-                <a:off x="6816080" y="3014661"/>
-                <a:ext cx="2925801" cy="461665"/>
-              </a:xfrm>
-              <a:prstGeom prst="rect">
-                <a:avLst/>
-              </a:prstGeom>
-              <a:noFill/>
-            </p:spPr>
-            <p:txBody>
-              <a:bodyPr wrap="none" rtlCol="0">
-                <a:spAutoFit/>
-              </a:bodyPr>
-              <a:lstStyle/>
-              <a:p>
-                <a:r>
-                  <a:rPr lang="ko-KR" altLang="en-US" sz="2400" dirty="0">
-                    <a:ln>
-                      <a:solidFill>
-                        <a:srgbClr val="B0D2D3">
-                          <a:alpha val="20000"/>
-                        </a:srgbClr>
-                      </a:solidFill>
-                    </a:ln>
-                    <a:solidFill>
-                      <a:srgbClr val="B0D2D3"/>
-                    </a:solidFill>
-                    <a:latin typeface="타이포_쌍문동 B" panose="02020803020101020101" pitchFamily="18" charset="-127"/>
-                    <a:ea typeface="타이포_쌍문동 B" panose="02020803020101020101" pitchFamily="18" charset="-127"/>
-                  </a:rPr>
-                  <a:t>여행지 선호도 분석 </a:t>
-                </a:r>
-              </a:p>
-            </p:txBody>
-          </p:sp>
-          <p:sp>
-            <p:nvSpPr>
-              <p:cNvPr id="35" name="TextBox 34"/>
-              <p:cNvSpPr txBox="1"/>
-              <p:nvPr/>
-            </p:nvSpPr>
-            <p:spPr>
-              <a:xfrm>
-                <a:off x="6863565" y="3569093"/>
-                <a:ext cx="2284600" cy="954107"/>
-              </a:xfrm>
-              <a:prstGeom prst="rect">
-                <a:avLst/>
-              </a:prstGeom>
-              <a:noFill/>
-            </p:spPr>
-            <p:txBody>
-              <a:bodyPr wrap="none" rtlCol="0">
-                <a:spAutoFit/>
-              </a:bodyPr>
-              <a:lstStyle/>
-              <a:p>
-                <a:r>
-                  <a:rPr lang="ko-KR" altLang="en-US" sz="1400" dirty="0">
-                    <a:ln>
-                      <a:solidFill>
-                        <a:schemeClr val="tx1">
-                          <a:lumMod val="75000"/>
-                          <a:lumOff val="25000"/>
-                          <a:alpha val="20000"/>
-                        </a:schemeClr>
-                      </a:solidFill>
-                    </a:ln>
-                    <a:solidFill>
-                      <a:srgbClr val="174F78"/>
-                    </a:solidFill>
-                    <a:latin typeface="배달의민족 주아" panose="02020603020101020101" pitchFamily="18" charset="-127"/>
-                    <a:ea typeface="배달의민족 주아" panose="02020603020101020101" pitchFamily="18" charset="-127"/>
-                  </a:rPr>
-                  <a:t>여행지 만족도 분석 </a:t>
-                </a:r>
-                <a:r>
-                  <a:rPr lang="en-US" altLang="ko-KR" sz="1400" dirty="0">
-                    <a:ln>
-                      <a:solidFill>
-                        <a:schemeClr val="tx1">
-                          <a:lumMod val="75000"/>
-                          <a:lumOff val="25000"/>
-                          <a:alpha val="20000"/>
-                        </a:schemeClr>
-                      </a:solidFill>
-                    </a:ln>
-                    <a:solidFill>
-                      <a:srgbClr val="174F78"/>
-                    </a:solidFill>
-                    <a:latin typeface="배달의민족 주아" panose="02020603020101020101" pitchFamily="18" charset="-127"/>
-                    <a:ea typeface="배달의민족 주아" panose="02020603020101020101" pitchFamily="18" charset="-127"/>
-                  </a:rPr>
-                  <a:t>(</a:t>
-                </a:r>
-                <a:r>
-                  <a:rPr lang="ko-KR" altLang="en-US" sz="1400" dirty="0">
-                    <a:ln>
-                      <a:solidFill>
-                        <a:schemeClr val="tx1">
-                          <a:lumMod val="75000"/>
-                          <a:lumOff val="25000"/>
-                          <a:alpha val="20000"/>
-                        </a:schemeClr>
-                      </a:solidFill>
-                    </a:ln>
-                    <a:solidFill>
-                      <a:srgbClr val="174F78"/>
-                    </a:solidFill>
-                    <a:latin typeface="배달의민족 주아" panose="02020603020101020101" pitchFamily="18" charset="-127"/>
-                    <a:ea typeface="배달의민족 주아" panose="02020603020101020101" pitchFamily="18" charset="-127"/>
-                  </a:rPr>
-                  <a:t>개인</a:t>
-                </a:r>
-                <a:r>
-                  <a:rPr lang="en-US" altLang="ko-KR" sz="1400" dirty="0">
-                    <a:ln>
-                      <a:solidFill>
-                        <a:schemeClr val="tx1">
-                          <a:lumMod val="75000"/>
-                          <a:lumOff val="25000"/>
-                          <a:alpha val="20000"/>
-                        </a:schemeClr>
-                      </a:solidFill>
-                    </a:ln>
-                    <a:solidFill>
-                      <a:srgbClr val="174F78"/>
-                    </a:solidFill>
-                    <a:latin typeface="배달의민족 주아" panose="02020603020101020101" pitchFamily="18" charset="-127"/>
-                    <a:ea typeface="배달의민족 주아" panose="02020603020101020101" pitchFamily="18" charset="-127"/>
-                  </a:rPr>
-                  <a:t>/</a:t>
-                </a:r>
-                <a:r>
-                  <a:rPr lang="ko-KR" altLang="en-US" sz="1400" dirty="0">
-                    <a:ln>
-                      <a:solidFill>
-                        <a:schemeClr val="tx1">
-                          <a:lumMod val="75000"/>
-                          <a:lumOff val="25000"/>
-                          <a:alpha val="20000"/>
-                        </a:schemeClr>
-                      </a:solidFill>
-                    </a:ln>
-                    <a:solidFill>
-                      <a:srgbClr val="174F78"/>
-                    </a:solidFill>
-                    <a:latin typeface="배달의민족 주아" panose="02020603020101020101" pitchFamily="18" charset="-127"/>
-                    <a:ea typeface="배달의민족 주아" panose="02020603020101020101" pitchFamily="18" charset="-127"/>
-                  </a:rPr>
-                  <a:t>단체</a:t>
-                </a:r>
-                <a:r>
-                  <a:rPr lang="en-US" altLang="ko-KR" sz="1400" dirty="0">
-                    <a:ln>
-                      <a:solidFill>
-                        <a:schemeClr val="tx1">
-                          <a:lumMod val="75000"/>
-                          <a:lumOff val="25000"/>
-                          <a:alpha val="20000"/>
-                        </a:schemeClr>
-                      </a:solidFill>
-                    </a:ln>
-                    <a:solidFill>
-                      <a:srgbClr val="174F78"/>
-                    </a:solidFill>
-                    <a:latin typeface="배달의민족 주아" panose="02020603020101020101" pitchFamily="18" charset="-127"/>
-                    <a:ea typeface="배달의민족 주아" panose="02020603020101020101" pitchFamily="18" charset="-127"/>
-                  </a:rPr>
-                  <a:t>)</a:t>
-                </a:r>
-              </a:p>
-              <a:p>
-                <a:r>
-                  <a:rPr lang="ko-KR" altLang="en-US" sz="1400" dirty="0">
-                    <a:ln>
-                      <a:solidFill>
-                        <a:schemeClr val="tx1">
-                          <a:lumMod val="75000"/>
-                          <a:lumOff val="25000"/>
-                          <a:alpha val="20000"/>
-                        </a:schemeClr>
-                      </a:solidFill>
-                    </a:ln>
-                    <a:solidFill>
-                      <a:srgbClr val="174F78"/>
-                    </a:solidFill>
-                    <a:latin typeface="배달의민족 주아" panose="02020603020101020101" pitchFamily="18" charset="-127"/>
-                    <a:ea typeface="배달의민족 주아" panose="02020603020101020101" pitchFamily="18" charset="-127"/>
-                  </a:rPr>
-                  <a:t>여행지 방문객 수 분석 </a:t>
-                </a:r>
-                <a:endParaRPr lang="en-US" altLang="ko-KR" sz="1400" dirty="0">
-                  <a:ln>
-                    <a:solidFill>
-                      <a:schemeClr val="tx1">
-                        <a:lumMod val="75000"/>
-                        <a:lumOff val="25000"/>
-                        <a:alpha val="20000"/>
-                      </a:schemeClr>
-                    </a:solidFill>
-                  </a:ln>
-                  <a:solidFill>
-                    <a:srgbClr val="174F78"/>
-                  </a:solidFill>
-                  <a:latin typeface="배달의민족 주아" panose="02020603020101020101" pitchFamily="18" charset="-127"/>
-                  <a:ea typeface="배달의민족 주아" panose="02020603020101020101" pitchFamily="18" charset="-127"/>
-                </a:endParaRPr>
-              </a:p>
-              <a:p>
-                <a:r>
-                  <a:rPr lang="ko-KR" altLang="en-US" sz="1400" dirty="0">
-                    <a:ln>
-                      <a:solidFill>
-                        <a:schemeClr val="tx1">
-                          <a:lumMod val="75000"/>
-                          <a:lumOff val="25000"/>
-                          <a:alpha val="20000"/>
-                        </a:schemeClr>
-                      </a:solidFill>
-                    </a:ln>
-                    <a:solidFill>
-                      <a:srgbClr val="174F78"/>
-                    </a:solidFill>
-                    <a:latin typeface="배달의민족 주아" panose="02020603020101020101" pitchFamily="18" charset="-127"/>
-                    <a:ea typeface="배달의민족 주아" panose="02020603020101020101" pitchFamily="18" charset="-127"/>
-                  </a:rPr>
-                  <a:t>여행지 선호도 분석 </a:t>
-                </a:r>
-                <a:endParaRPr lang="en-US" altLang="ko-KR" sz="1400" dirty="0">
-                  <a:ln>
-                    <a:solidFill>
-                      <a:schemeClr val="tx1">
-                        <a:lumMod val="75000"/>
-                        <a:lumOff val="25000"/>
-                        <a:alpha val="20000"/>
-                      </a:schemeClr>
-                    </a:solidFill>
-                  </a:ln>
-                  <a:solidFill>
-                    <a:srgbClr val="174F78"/>
-                  </a:solidFill>
-                  <a:latin typeface="배달의민족 주아" panose="02020603020101020101" pitchFamily="18" charset="-127"/>
-                  <a:ea typeface="배달의민족 주아" panose="02020603020101020101" pitchFamily="18" charset="-127"/>
-                </a:endParaRPr>
-              </a:p>
-              <a:p>
-                <a:r>
-                  <a:rPr lang="ko-KR" altLang="en-US" sz="1400" dirty="0">
-                    <a:ln>
-                      <a:solidFill>
-                        <a:schemeClr val="tx1">
-                          <a:lumMod val="75000"/>
-                          <a:lumOff val="25000"/>
-                          <a:alpha val="20000"/>
-                        </a:schemeClr>
-                      </a:solidFill>
-                    </a:ln>
-                    <a:solidFill>
-                      <a:srgbClr val="174F78"/>
-                    </a:solidFill>
-                    <a:latin typeface="배달의민족 주아" panose="02020603020101020101" pitchFamily="18" charset="-127"/>
-                    <a:ea typeface="배달의민족 주아" panose="02020603020101020101" pitchFamily="18" charset="-127"/>
-                  </a:rPr>
-                  <a:t>분석결과와 실제 비교 </a:t>
-                </a:r>
-              </a:p>
-            </p:txBody>
-          </p:sp>
-        </p:grpSp>
-        <p:cxnSp>
-          <p:nvCxnSpPr>
-            <p:cNvPr id="41" name="직선 연결선 40"/>
-            <p:cNvCxnSpPr/>
-            <p:nvPr/>
-          </p:nvCxnSpPr>
-          <p:spPr>
-            <a:xfrm>
-              <a:off x="6816080" y="1268760"/>
-              <a:ext cx="2880000" cy="0"/>
-            </a:xfrm>
-            <a:prstGeom prst="line">
-              <a:avLst/>
-            </a:prstGeom>
-            <a:ln w="12700">
-              <a:solidFill>
-                <a:srgbClr val="B0D2D3"/>
-              </a:solidFill>
-            </a:ln>
-          </p:spPr>
-          <p:style>
-            <a:lnRef idx="1">
-              <a:schemeClr val="accent1"/>
-            </a:lnRef>
-            <a:fillRef idx="0">
-              <a:schemeClr val="accent1"/>
-            </a:fillRef>
-            <a:effectRef idx="0">
-              <a:schemeClr val="accent1"/>
-            </a:effectRef>
-            <a:fontRef idx="minor">
-              <a:schemeClr val="tx1"/>
-            </a:fontRef>
-          </p:style>
-        </p:cxnSp>
         <p:sp>
           <p:nvSpPr>
-            <p:cNvPr id="42" name="TextBox 41"/>
+            <p:cNvPr id="8" name="TextBox 7"/>
             <p:cNvSpPr txBox="1"/>
             <p:nvPr/>
           </p:nvSpPr>
           <p:spPr>
             <a:xfrm>
-              <a:off x="8157185" y="991761"/>
-              <a:ext cx="1659430" cy="276999"/>
+              <a:off x="709468" y="346724"/>
+              <a:ext cx="1639103" cy="400110"/>
             </a:xfrm>
             <a:prstGeom prst="rect">
               <a:avLst/>
@@ -18249,23 +17647,78 @@
             </a:bodyPr>
             <a:lstStyle/>
             <a:p>
-              <a:pPr algn="r"/>
-              <a:r>
-                <a:rPr lang="ko-KR" altLang="en-US" sz="1200" dirty="0">
-                  <a:ln>
-                    <a:solidFill>
-                      <a:srgbClr val="B0D2D3">
-                        <a:alpha val="20000"/>
-                      </a:srgbClr>
-                    </a:solidFill>
-                  </a:ln>
-                  <a:solidFill>
-                    <a:srgbClr val="B0D2D3"/>
-                  </a:solidFill>
-                  <a:latin typeface="배달의민족 주아" panose="02020603020101020101" pitchFamily="18" charset="-127"/>
-                  <a:ea typeface="배달의민족 주아" panose="02020603020101020101" pitchFamily="18" charset="-127"/>
-                </a:rPr>
-                <a:t>멀티캠퍼스 교육 프로그램 </a:t>
+              <a:r>
+                <a:rPr lang="en-US" altLang="ko-KR" sz="2000" dirty="0">
+                  <a:ln>
+                    <a:solidFill>
+                      <a:schemeClr val="bg1">
+                        <a:alpha val="20000"/>
+                      </a:schemeClr>
+                    </a:solidFill>
+                  </a:ln>
+                  <a:solidFill>
+                    <a:schemeClr val="bg1"/>
+                  </a:solidFill>
+                  <a:latin typeface="타이포_쌍문동 B" panose="02020803020101020101" pitchFamily="18" charset="-127"/>
+                  <a:ea typeface="타이포_쌍문동 B" panose="02020803020101020101" pitchFamily="18" charset="-127"/>
+                </a:rPr>
+                <a:t>Trip Inside</a:t>
+              </a:r>
+              <a:endParaRPr lang="ko-KR" altLang="en-US" sz="2000" dirty="0">
+                <a:ln>
+                  <a:solidFill>
+                    <a:schemeClr val="bg1">
+                      <a:alpha val="20000"/>
+                    </a:schemeClr>
+                  </a:solidFill>
+                </a:ln>
+                <a:solidFill>
+                  <a:schemeClr val="bg1"/>
+                </a:solidFill>
+                <a:latin typeface="타이포_쌍문동 B" panose="02020803020101020101" pitchFamily="18" charset="-127"/>
+                <a:ea typeface="타이포_쌍문동 B" panose="02020803020101020101" pitchFamily="18" charset="-127"/>
+              </a:endParaRPr>
+            </a:p>
+          </p:txBody>
+        </p:sp>
+        <p:sp>
+          <p:nvSpPr>
+            <p:cNvPr id="9" name="TextBox 8"/>
+            <p:cNvSpPr txBox="1"/>
+            <p:nvPr/>
+          </p:nvSpPr>
+          <p:spPr>
+            <a:xfrm>
+              <a:off x="709468" y="692696"/>
+              <a:ext cx="1247457" cy="276999"/>
+            </a:xfrm>
+            <a:prstGeom prst="rect">
+              <a:avLst/>
+            </a:prstGeom>
+            <a:noFill/>
+          </p:spPr>
+          <p:txBody>
+            <a:bodyPr wrap="none" rtlCol="0">
+              <a:spAutoFit/>
+            </a:bodyPr>
+            <a:lstStyle/>
+            <a:p>
+              <a:r>
+                <a:rPr lang="ko-KR" altLang="en-US" sz="1200" b="1" dirty="0">
+                  <a:ln>
+                    <a:solidFill>
+                      <a:schemeClr val="bg1">
+                        <a:alpha val="20000"/>
+                      </a:schemeClr>
+                    </a:solidFill>
+                  </a:ln>
+                  <a:solidFill>
+                    <a:schemeClr val="bg1"/>
+                  </a:solidFill>
+                  <a:latin typeface="타이포_쌍문동 B" panose="02020803020101020101" pitchFamily="18" charset="-127"/>
+                  <a:ea typeface="타이포_쌍문동 B" panose="02020803020101020101" pitchFamily="18" charset="-127"/>
+                </a:rPr>
+                <a:t>주제 선정 배경 </a:t>
               </a:r>
             </a:p>
           </p:txBody>
@@ -18273,10 +17726,866 @@
       </p:grpSp>
       <p:sp>
         <p:nvSpPr>
+          <p:cNvPr id="20" name="TextBox 19"/>
+          <p:cNvSpPr txBox="1"/>
+          <p:nvPr/>
+        </p:nvSpPr>
+        <p:spPr>
+          <a:xfrm>
+            <a:off x="2541180" y="1412776"/>
+            <a:ext cx="7109639" cy="1138773"/>
+          </a:xfrm>
+          <a:prstGeom prst="rect">
+            <a:avLst/>
+          </a:prstGeom>
+          <a:noFill/>
+        </p:spPr>
+        <p:txBody>
+          <a:bodyPr wrap="none" rtlCol="0">
+            <a:spAutoFit/>
+          </a:bodyPr>
+          <a:lstStyle/>
+          <a:p>
+            <a:pPr algn="ctr"/>
+            <a:r>
+              <a:rPr lang="ko-KR" altLang="en-US" sz="2400" dirty="0">
+                <a:ln>
+                  <a:solidFill>
+                    <a:srgbClr val="00547A">
+                      <a:alpha val="20000"/>
+                    </a:srgbClr>
+                  </a:solidFill>
+                </a:ln>
+                <a:solidFill>
+                  <a:srgbClr val="00547A"/>
+                </a:solidFill>
+                <a:latin typeface="타이포_쌍문동 B" panose="02020803020101020101" pitchFamily="18" charset="-127"/>
+                <a:ea typeface="타이포_쌍문동 B" panose="02020803020101020101" pitchFamily="18" charset="-127"/>
+              </a:rPr>
+              <a:t>주제 선정 배경 </a:t>
+            </a:r>
+            <a:endParaRPr lang="en-US" altLang="ko-KR" sz="2400" dirty="0">
+              <a:ln>
+                <a:solidFill>
+                  <a:srgbClr val="00547A">
+                    <a:alpha val="20000"/>
+                  </a:srgbClr>
+                </a:solidFill>
+              </a:ln>
+              <a:solidFill>
+                <a:srgbClr val="00547A"/>
+              </a:solidFill>
+              <a:latin typeface="타이포_쌍문동 B" panose="02020803020101020101" pitchFamily="18" charset="-127"/>
+              <a:ea typeface="타이포_쌍문동 B" panose="02020803020101020101" pitchFamily="18" charset="-127"/>
+            </a:endParaRPr>
+          </a:p>
+          <a:p>
+            <a:pPr algn="ctr"/>
+            <a:endParaRPr lang="en-US" altLang="ko-KR" sz="2400" dirty="0">
+              <a:ln>
+                <a:solidFill>
+                  <a:srgbClr val="00547A">
+                    <a:alpha val="20000"/>
+                  </a:srgbClr>
+                </a:solidFill>
+              </a:ln>
+              <a:solidFill>
+                <a:srgbClr val="00547A"/>
+              </a:solidFill>
+              <a:latin typeface="타이포_쌍문동 B" panose="02020803020101020101" pitchFamily="18" charset="-127"/>
+              <a:ea typeface="타이포_쌍문동 B" panose="02020803020101020101" pitchFamily="18" charset="-127"/>
+            </a:endParaRPr>
+          </a:p>
+          <a:p>
+            <a:pPr algn="ctr"/>
+            <a:r>
+              <a:rPr lang="en-US" altLang="ko-KR" sz="2000" dirty="0">
+                <a:ln>
+                  <a:solidFill>
+                    <a:srgbClr val="00547A">
+                      <a:alpha val="20000"/>
+                    </a:srgbClr>
+                  </a:solidFill>
+                </a:ln>
+                <a:solidFill>
+                  <a:srgbClr val="00547A"/>
+                </a:solidFill>
+                <a:latin typeface="타이포_쌍문동 B" panose="02020803020101020101" pitchFamily="18" charset="-127"/>
+                <a:ea typeface="타이포_쌍문동 B" panose="02020803020101020101" pitchFamily="18" charset="-127"/>
+              </a:rPr>
+              <a:t> </a:t>
+            </a:r>
+            <a:r>
+              <a:rPr lang="ko-KR" altLang="en-US" sz="2000" dirty="0">
+                <a:ln>
+                  <a:solidFill>
+                    <a:srgbClr val="00547A">
+                      <a:alpha val="20000"/>
+                    </a:srgbClr>
+                  </a:solidFill>
+                </a:ln>
+                <a:solidFill>
+                  <a:srgbClr val="00547A"/>
+                </a:solidFill>
+                <a:latin typeface="타이포_쌍문동 B" panose="02020803020101020101" pitchFamily="18" charset="-127"/>
+                <a:ea typeface="타이포_쌍문동 B" panose="02020803020101020101" pitchFamily="18" charset="-127"/>
+              </a:rPr>
+              <a:t>일본 불매 운동의 여파로 여행객들을 위한 국내 여행지 추천 </a:t>
+            </a:r>
+          </a:p>
+        </p:txBody>
+      </p:sp>
+      <p:sp>
+        <p:nvSpPr>
+          <p:cNvPr id="21" name="TextBox 20"/>
+          <p:cNvSpPr txBox="1"/>
+          <p:nvPr/>
+        </p:nvSpPr>
+        <p:spPr>
+          <a:xfrm>
+            <a:off x="6078217" y="3125552"/>
+            <a:ext cx="5472608" cy="3046988"/>
+          </a:xfrm>
+          <a:prstGeom prst="rect">
+            <a:avLst/>
+          </a:prstGeom>
+          <a:noFill/>
+        </p:spPr>
+        <p:txBody>
+          <a:bodyPr wrap="square" rtlCol="0">
+            <a:spAutoFit/>
+          </a:bodyPr>
+          <a:lstStyle/>
+          <a:p>
+            <a:pPr algn="just"/>
+            <a:r>
+              <a:rPr lang="en-US" altLang="ko-KR" sz="1600" dirty="0">
+                <a:ln>
+                  <a:solidFill>
+                    <a:schemeClr val="tx1">
+                      <a:lumMod val="75000"/>
+                      <a:lumOff val="25000"/>
+                      <a:alpha val="20000"/>
+                    </a:schemeClr>
+                  </a:solidFill>
+                </a:ln>
+                <a:solidFill>
+                  <a:schemeClr val="tx1">
+                    <a:lumMod val="75000"/>
+                    <a:lumOff val="25000"/>
+                  </a:schemeClr>
+                </a:solidFill>
+                <a:latin typeface="배달의민족 주아" panose="02020603020101020101" pitchFamily="18" charset="-127"/>
+                <a:ea typeface="배달의민족 주아" panose="02020603020101020101" pitchFamily="18" charset="-127"/>
+              </a:rPr>
+              <a:t>2019</a:t>
+            </a:r>
+            <a:r>
+              <a:rPr lang="ko-KR" altLang="en-US" sz="1600" dirty="0">
+                <a:ln>
+                  <a:solidFill>
+                    <a:schemeClr val="tx1">
+                      <a:lumMod val="75000"/>
+                      <a:lumOff val="25000"/>
+                      <a:alpha val="20000"/>
+                    </a:schemeClr>
+                  </a:solidFill>
+                </a:ln>
+                <a:solidFill>
+                  <a:schemeClr val="tx1">
+                    <a:lumMod val="75000"/>
+                    <a:lumOff val="25000"/>
+                  </a:schemeClr>
+                </a:solidFill>
+                <a:latin typeface="배달의민족 주아" panose="02020603020101020101" pitchFamily="18" charset="-127"/>
+                <a:ea typeface="배달의민족 주아" panose="02020603020101020101" pitchFamily="18" charset="-127"/>
+              </a:rPr>
+              <a:t>년 </a:t>
+            </a:r>
+            <a:r>
+              <a:rPr lang="en-US" altLang="ko-KR" sz="1600" dirty="0">
+                <a:ln>
+                  <a:solidFill>
+                    <a:schemeClr val="tx1">
+                      <a:lumMod val="75000"/>
+                      <a:lumOff val="25000"/>
+                      <a:alpha val="20000"/>
+                    </a:schemeClr>
+                  </a:solidFill>
+                </a:ln>
+                <a:solidFill>
+                  <a:schemeClr val="tx1">
+                    <a:lumMod val="75000"/>
+                    <a:lumOff val="25000"/>
+                  </a:schemeClr>
+                </a:solidFill>
+                <a:latin typeface="배달의민족 주아" panose="02020603020101020101" pitchFamily="18" charset="-127"/>
+                <a:ea typeface="배달의민족 주아" panose="02020603020101020101" pitchFamily="18" charset="-127"/>
+              </a:rPr>
+              <a:t>7</a:t>
+            </a:r>
+            <a:r>
+              <a:rPr lang="ko-KR" altLang="en-US" sz="1600" dirty="0">
+                <a:ln>
+                  <a:solidFill>
+                    <a:schemeClr val="tx1">
+                      <a:lumMod val="75000"/>
+                      <a:lumOff val="25000"/>
+                      <a:alpha val="20000"/>
+                    </a:schemeClr>
+                  </a:solidFill>
+                </a:ln>
+                <a:solidFill>
+                  <a:schemeClr val="tx1">
+                    <a:lumMod val="75000"/>
+                    <a:lumOff val="25000"/>
+                  </a:schemeClr>
+                </a:solidFill>
+                <a:latin typeface="배달의민족 주아" panose="02020603020101020101" pitchFamily="18" charset="-127"/>
+                <a:ea typeface="배달의민족 주아" panose="02020603020101020101" pitchFamily="18" charset="-127"/>
+              </a:rPr>
+              <a:t>월</a:t>
+            </a:r>
+            <a:r>
+              <a:rPr lang="en-US" altLang="ko-KR" sz="1600" dirty="0">
+                <a:ln>
+                  <a:solidFill>
+                    <a:schemeClr val="tx1">
+                      <a:lumMod val="75000"/>
+                      <a:lumOff val="25000"/>
+                      <a:alpha val="20000"/>
+                    </a:schemeClr>
+                  </a:solidFill>
+                </a:ln>
+                <a:solidFill>
+                  <a:schemeClr val="tx1">
+                    <a:lumMod val="75000"/>
+                    <a:lumOff val="25000"/>
+                  </a:schemeClr>
+                </a:solidFill>
+                <a:latin typeface="배달의민족 주아" panose="02020603020101020101" pitchFamily="18" charset="-127"/>
+                <a:ea typeface="배달의민족 주아" panose="02020603020101020101" pitchFamily="18" charset="-127"/>
+              </a:rPr>
+              <a:t>, </a:t>
+            </a:r>
+            <a:r>
+              <a:rPr lang="ko-KR" altLang="en-US" sz="1600" dirty="0">
+                <a:ln>
+                  <a:solidFill>
+                    <a:schemeClr val="tx1">
+                      <a:lumMod val="75000"/>
+                      <a:lumOff val="25000"/>
+                      <a:alpha val="20000"/>
+                    </a:schemeClr>
+                  </a:solidFill>
+                </a:ln>
+                <a:solidFill>
+                  <a:schemeClr val="tx1">
+                    <a:lumMod val="75000"/>
+                    <a:lumOff val="25000"/>
+                  </a:schemeClr>
+                </a:solidFill>
+                <a:latin typeface="배달의민족 주아" panose="02020603020101020101" pitchFamily="18" charset="-127"/>
+                <a:ea typeface="배달의민족 주아" panose="02020603020101020101" pitchFamily="18" charset="-127"/>
+              </a:rPr>
+              <a:t>일본이 반도체 수출 규제를 실시하였습니다</a:t>
+            </a:r>
+            <a:r>
+              <a:rPr lang="en-US" altLang="ko-KR" sz="1600" dirty="0">
+                <a:ln>
+                  <a:solidFill>
+                    <a:schemeClr val="tx1">
+                      <a:lumMod val="75000"/>
+                      <a:lumOff val="25000"/>
+                      <a:alpha val="20000"/>
+                    </a:schemeClr>
+                  </a:solidFill>
+                </a:ln>
+                <a:solidFill>
+                  <a:schemeClr val="tx1">
+                    <a:lumMod val="75000"/>
+                    <a:lumOff val="25000"/>
+                  </a:schemeClr>
+                </a:solidFill>
+                <a:latin typeface="배달의민족 주아" panose="02020603020101020101" pitchFamily="18" charset="-127"/>
+                <a:ea typeface="배달의민족 주아" panose="02020603020101020101" pitchFamily="18" charset="-127"/>
+              </a:rPr>
+              <a:t>. </a:t>
+            </a:r>
+          </a:p>
+          <a:p>
+            <a:pPr algn="just"/>
+            <a:endParaRPr lang="en-US" altLang="ko-KR" sz="1600" dirty="0">
+              <a:ln>
+                <a:solidFill>
+                  <a:schemeClr val="tx1">
+                    <a:lumMod val="75000"/>
+                    <a:lumOff val="25000"/>
+                    <a:alpha val="20000"/>
+                  </a:schemeClr>
+                </a:solidFill>
+              </a:ln>
+              <a:solidFill>
+                <a:schemeClr val="tx1">
+                  <a:lumMod val="75000"/>
+                  <a:lumOff val="25000"/>
+                </a:schemeClr>
+              </a:solidFill>
+              <a:latin typeface="배달의민족 주아" panose="02020603020101020101" pitchFamily="18" charset="-127"/>
+              <a:ea typeface="배달의민족 주아" panose="02020603020101020101" pitchFamily="18" charset="-127"/>
+            </a:endParaRPr>
+          </a:p>
+          <a:p>
+            <a:pPr algn="just"/>
+            <a:r>
+              <a:rPr lang="ko-KR" altLang="en-US" sz="1600" dirty="0">
+                <a:ln>
+                  <a:solidFill>
+                    <a:schemeClr val="tx1">
+                      <a:lumMod val="75000"/>
+                      <a:lumOff val="25000"/>
+                      <a:alpha val="20000"/>
+                    </a:schemeClr>
+                  </a:solidFill>
+                </a:ln>
+                <a:solidFill>
+                  <a:schemeClr val="tx1">
+                    <a:lumMod val="75000"/>
+                    <a:lumOff val="25000"/>
+                  </a:schemeClr>
+                </a:solidFill>
+                <a:latin typeface="배달의민족 주아" panose="02020603020101020101" pitchFamily="18" charset="-127"/>
+                <a:ea typeface="배달의민족 주아" panose="02020603020101020101" pitchFamily="18" charset="-127"/>
+              </a:rPr>
+              <a:t>이에 반발하여 일본 대신 국내 여행으로 지역경제에 힘을 보태고자하는 여론이 형성되었습니다</a:t>
+            </a:r>
+            <a:r>
+              <a:rPr lang="en-US" altLang="ko-KR" sz="1600" dirty="0">
+                <a:ln>
+                  <a:solidFill>
+                    <a:schemeClr val="tx1">
+                      <a:lumMod val="75000"/>
+                      <a:lumOff val="25000"/>
+                      <a:alpha val="20000"/>
+                    </a:schemeClr>
+                  </a:solidFill>
+                </a:ln>
+                <a:solidFill>
+                  <a:schemeClr val="tx1">
+                    <a:lumMod val="75000"/>
+                    <a:lumOff val="25000"/>
+                  </a:schemeClr>
+                </a:solidFill>
+                <a:latin typeface="배달의민족 주아" panose="02020603020101020101" pitchFamily="18" charset="-127"/>
+                <a:ea typeface="배달의민족 주아" panose="02020603020101020101" pitchFamily="18" charset="-127"/>
+              </a:rPr>
+              <a:t>.</a:t>
+            </a:r>
+          </a:p>
+          <a:p>
+            <a:pPr algn="just"/>
+            <a:endParaRPr lang="en-US" altLang="ko-KR" sz="1600" dirty="0">
+              <a:ln>
+                <a:solidFill>
+                  <a:schemeClr val="tx1">
+                    <a:lumMod val="75000"/>
+                    <a:lumOff val="25000"/>
+                    <a:alpha val="20000"/>
+                  </a:schemeClr>
+                </a:solidFill>
+              </a:ln>
+              <a:solidFill>
+                <a:schemeClr val="tx1">
+                  <a:lumMod val="75000"/>
+                  <a:lumOff val="25000"/>
+                </a:schemeClr>
+              </a:solidFill>
+              <a:latin typeface="배달의민족 주아" panose="02020603020101020101" pitchFamily="18" charset="-127"/>
+              <a:ea typeface="배달의민족 주아" panose="02020603020101020101" pitchFamily="18" charset="-127"/>
+            </a:endParaRPr>
+          </a:p>
+          <a:p>
+            <a:pPr algn="just"/>
+            <a:r>
+              <a:rPr lang="en-US" altLang="ko-KR" sz="1600" dirty="0">
+                <a:ln>
+                  <a:solidFill>
+                    <a:schemeClr val="tx1">
+                      <a:lumMod val="75000"/>
+                      <a:lumOff val="25000"/>
+                      <a:alpha val="20000"/>
+                    </a:schemeClr>
+                  </a:solidFill>
+                </a:ln>
+                <a:solidFill>
+                  <a:schemeClr val="tx1">
+                    <a:lumMod val="75000"/>
+                    <a:lumOff val="25000"/>
+                  </a:schemeClr>
+                </a:solidFill>
+                <a:latin typeface="배달의민족 주아" panose="02020603020101020101" pitchFamily="18" charset="-127"/>
+                <a:ea typeface="배달의민족 주아" panose="02020603020101020101" pitchFamily="18" charset="-127"/>
+              </a:rPr>
+              <a:t>7</a:t>
+            </a:r>
+            <a:r>
+              <a:rPr lang="ko-KR" altLang="en-US" sz="1600" dirty="0">
+                <a:ln>
+                  <a:solidFill>
+                    <a:schemeClr val="tx1">
+                      <a:lumMod val="75000"/>
+                      <a:lumOff val="25000"/>
+                      <a:alpha val="20000"/>
+                    </a:schemeClr>
+                  </a:solidFill>
+                </a:ln>
+                <a:solidFill>
+                  <a:schemeClr val="tx1">
+                    <a:lumMod val="75000"/>
+                    <a:lumOff val="25000"/>
+                  </a:schemeClr>
+                </a:solidFill>
+                <a:latin typeface="배달의민족 주아" panose="02020603020101020101" pitchFamily="18" charset="-127"/>
+                <a:ea typeface="배달의민족 주아" panose="02020603020101020101" pitchFamily="18" charset="-127"/>
+              </a:rPr>
+              <a:t>월에는 미리 일본 여행을 예약했던 사람들이 어쩔 수 없었지만 </a:t>
+            </a:r>
+            <a:r>
+              <a:rPr lang="en-US" altLang="ko-KR" sz="1600" dirty="0">
+                <a:ln>
+                  <a:solidFill>
+                    <a:schemeClr val="tx1">
+                      <a:lumMod val="75000"/>
+                      <a:lumOff val="25000"/>
+                      <a:alpha val="20000"/>
+                    </a:schemeClr>
+                  </a:solidFill>
+                </a:ln>
+                <a:solidFill>
+                  <a:schemeClr val="tx1">
+                    <a:lumMod val="75000"/>
+                    <a:lumOff val="25000"/>
+                  </a:schemeClr>
+                </a:solidFill>
+                <a:latin typeface="배달의민족 주아" panose="02020603020101020101" pitchFamily="18" charset="-127"/>
+                <a:ea typeface="배달의민족 주아" panose="02020603020101020101" pitchFamily="18" charset="-127"/>
+              </a:rPr>
+              <a:t>8</a:t>
+            </a:r>
+            <a:r>
+              <a:rPr lang="ko-KR" altLang="en-US" sz="1600" dirty="0">
+                <a:ln>
+                  <a:solidFill>
+                    <a:schemeClr val="tx1">
+                      <a:lumMod val="75000"/>
+                      <a:lumOff val="25000"/>
+                      <a:alpha val="20000"/>
+                    </a:schemeClr>
+                  </a:solidFill>
+                </a:ln>
+                <a:solidFill>
+                  <a:schemeClr val="tx1">
+                    <a:lumMod val="75000"/>
+                    <a:lumOff val="25000"/>
+                  </a:schemeClr>
+                </a:solidFill>
+                <a:latin typeface="배달의민족 주아" panose="02020603020101020101" pitchFamily="18" charset="-127"/>
+                <a:ea typeface="배달의민족 주아" panose="02020603020101020101" pitchFamily="18" charset="-127"/>
+              </a:rPr>
+              <a:t>월에는 확실한 일본 여행객 감소가 예상된다는 뉴스가 나오고 있습니다</a:t>
+            </a:r>
+            <a:r>
+              <a:rPr lang="en-US" altLang="ko-KR" sz="1600" dirty="0">
+                <a:ln>
+                  <a:solidFill>
+                    <a:schemeClr val="tx1">
+                      <a:lumMod val="75000"/>
+                      <a:lumOff val="25000"/>
+                      <a:alpha val="20000"/>
+                    </a:schemeClr>
+                  </a:solidFill>
+                </a:ln>
+                <a:solidFill>
+                  <a:schemeClr val="tx1">
+                    <a:lumMod val="75000"/>
+                    <a:lumOff val="25000"/>
+                  </a:schemeClr>
+                </a:solidFill>
+                <a:latin typeface="배달의민족 주아" panose="02020603020101020101" pitchFamily="18" charset="-127"/>
+                <a:ea typeface="배달의민족 주아" panose="02020603020101020101" pitchFamily="18" charset="-127"/>
+              </a:rPr>
+              <a:t>.</a:t>
+            </a:r>
+          </a:p>
+          <a:p>
+            <a:pPr algn="just"/>
+            <a:r>
+              <a:rPr lang="en-US" altLang="ko-KR" sz="1600" dirty="0">
+                <a:ln>
+                  <a:solidFill>
+                    <a:schemeClr val="tx1">
+                      <a:lumMod val="75000"/>
+                      <a:lumOff val="25000"/>
+                      <a:alpha val="20000"/>
+                    </a:schemeClr>
+                  </a:solidFill>
+                </a:ln>
+                <a:solidFill>
+                  <a:schemeClr val="tx1">
+                    <a:lumMod val="75000"/>
+                    <a:lumOff val="25000"/>
+                  </a:schemeClr>
+                </a:solidFill>
+                <a:latin typeface="배달의민족 주아" panose="02020603020101020101" pitchFamily="18" charset="-127"/>
+                <a:ea typeface="배달의민족 주아" panose="02020603020101020101" pitchFamily="18" charset="-127"/>
+              </a:rPr>
+              <a:t> </a:t>
+            </a:r>
+          </a:p>
+          <a:p>
+            <a:pPr algn="just"/>
+            <a:r>
+              <a:rPr lang="en-US" altLang="ko-KR" sz="1600" dirty="0">
+                <a:ln>
+                  <a:solidFill>
+                    <a:schemeClr val="tx1">
+                      <a:lumMod val="75000"/>
+                      <a:lumOff val="25000"/>
+                      <a:alpha val="20000"/>
+                    </a:schemeClr>
+                  </a:solidFill>
+                </a:ln>
+                <a:solidFill>
+                  <a:schemeClr val="tx1">
+                    <a:lumMod val="75000"/>
+                    <a:lumOff val="25000"/>
+                  </a:schemeClr>
+                </a:solidFill>
+                <a:latin typeface="배달의민족 주아" panose="02020603020101020101" pitchFamily="18" charset="-127"/>
+                <a:ea typeface="배달의민족 주아" panose="02020603020101020101" pitchFamily="18" charset="-127"/>
+              </a:rPr>
+              <a:t>KOSIS </a:t>
+            </a:r>
+            <a:r>
+              <a:rPr lang="ko-KR" altLang="en-US" sz="1600" dirty="0">
+                <a:ln>
+                  <a:solidFill>
+                    <a:schemeClr val="tx1">
+                      <a:lumMod val="75000"/>
+                      <a:lumOff val="25000"/>
+                      <a:alpha val="20000"/>
+                    </a:schemeClr>
+                  </a:solidFill>
+                </a:ln>
+                <a:solidFill>
+                  <a:schemeClr val="tx1">
+                    <a:lumMod val="75000"/>
+                    <a:lumOff val="25000"/>
+                  </a:schemeClr>
+                </a:solidFill>
+                <a:latin typeface="배달의민족 주아" panose="02020603020101020101" pitchFamily="18" charset="-127"/>
+                <a:ea typeface="배달의민족 주아" panose="02020603020101020101" pitchFamily="18" charset="-127"/>
+              </a:rPr>
+              <a:t>국가통계포털에서 제공한 </a:t>
+            </a:r>
+            <a:r>
+              <a:rPr lang="en-US" altLang="ko-KR" sz="1600" dirty="0">
+                <a:ln>
+                  <a:solidFill>
+                    <a:schemeClr val="tx1">
+                      <a:lumMod val="75000"/>
+                      <a:lumOff val="25000"/>
+                      <a:alpha val="20000"/>
+                    </a:schemeClr>
+                  </a:solidFill>
+                </a:ln>
+                <a:solidFill>
+                  <a:schemeClr val="tx1">
+                    <a:lumMod val="75000"/>
+                    <a:lumOff val="25000"/>
+                  </a:schemeClr>
+                </a:solidFill>
+                <a:latin typeface="배달의민족 주아" panose="02020603020101020101" pitchFamily="18" charset="-127"/>
+                <a:ea typeface="배달의민족 주아" panose="02020603020101020101" pitchFamily="18" charset="-127"/>
+              </a:rPr>
+              <a:t>2014-2017</a:t>
+            </a:r>
+            <a:r>
+              <a:rPr lang="ko-KR" altLang="en-US" sz="1600" dirty="0">
+                <a:ln>
+                  <a:solidFill>
+                    <a:schemeClr val="tx1">
+                      <a:lumMod val="75000"/>
+                      <a:lumOff val="25000"/>
+                      <a:alpha val="20000"/>
+                    </a:schemeClr>
+                  </a:solidFill>
+                </a:ln>
+                <a:solidFill>
+                  <a:schemeClr val="tx1">
+                    <a:lumMod val="75000"/>
+                    <a:lumOff val="25000"/>
+                  </a:schemeClr>
+                </a:solidFill>
+                <a:latin typeface="배달의민족 주아" panose="02020603020101020101" pitchFamily="18" charset="-127"/>
+                <a:ea typeface="배달의민족 주아" panose="02020603020101020101" pitchFamily="18" charset="-127"/>
+              </a:rPr>
+              <a:t>년까지의 여행관련 만족도</a:t>
+            </a:r>
+            <a:r>
+              <a:rPr lang="en-US" altLang="ko-KR" sz="1600" dirty="0">
+                <a:ln>
+                  <a:solidFill>
+                    <a:schemeClr val="tx1">
+                      <a:lumMod val="75000"/>
+                      <a:lumOff val="25000"/>
+                      <a:alpha val="20000"/>
+                    </a:schemeClr>
+                  </a:solidFill>
+                </a:ln>
+                <a:solidFill>
+                  <a:schemeClr val="tx1">
+                    <a:lumMod val="75000"/>
+                    <a:lumOff val="25000"/>
+                  </a:schemeClr>
+                </a:solidFill>
+                <a:latin typeface="배달의민족 주아" panose="02020603020101020101" pitchFamily="18" charset="-127"/>
+                <a:ea typeface="배달의민족 주아" panose="02020603020101020101" pitchFamily="18" charset="-127"/>
+              </a:rPr>
+              <a:t>, </a:t>
+            </a:r>
+            <a:r>
+              <a:rPr lang="ko-KR" altLang="en-US" sz="1600" dirty="0">
+                <a:ln>
+                  <a:solidFill>
+                    <a:schemeClr val="tx1">
+                      <a:lumMod val="75000"/>
+                      <a:lumOff val="25000"/>
+                      <a:alpha val="20000"/>
+                    </a:schemeClr>
+                  </a:solidFill>
+                </a:ln>
+                <a:solidFill>
+                  <a:schemeClr val="tx1">
+                    <a:lumMod val="75000"/>
+                    <a:lumOff val="25000"/>
+                  </a:schemeClr>
+                </a:solidFill>
+                <a:latin typeface="배달의민족 주아" panose="02020603020101020101" pitchFamily="18" charset="-127"/>
+                <a:ea typeface="배달의민족 주아" panose="02020603020101020101" pitchFamily="18" charset="-127"/>
+              </a:rPr>
+              <a:t>관광객 수 누적데이터를 분석하여 국내 여행객들을 위한 </a:t>
+            </a:r>
+            <a:r>
+              <a:rPr lang="ko-KR" altLang="en-US" sz="1600" dirty="0" err="1">
+                <a:ln>
+                  <a:solidFill>
+                    <a:schemeClr val="tx1">
+                      <a:lumMod val="75000"/>
+                      <a:lumOff val="25000"/>
+                      <a:alpha val="20000"/>
+                    </a:schemeClr>
+                  </a:solidFill>
+                </a:ln>
+                <a:solidFill>
+                  <a:schemeClr val="tx1">
+                    <a:lumMod val="75000"/>
+                    <a:lumOff val="25000"/>
+                  </a:schemeClr>
+                </a:solidFill>
+                <a:latin typeface="배달의민족 주아" panose="02020603020101020101" pitchFamily="18" charset="-127"/>
+                <a:ea typeface="배달의민족 주아" panose="02020603020101020101" pitchFamily="18" charset="-127"/>
+              </a:rPr>
+              <a:t>추천지를</a:t>
+            </a:r>
+            <a:r>
+              <a:rPr lang="ko-KR" altLang="en-US" sz="1600" dirty="0">
+                <a:ln>
+                  <a:solidFill>
+                    <a:schemeClr val="tx1">
+                      <a:lumMod val="75000"/>
+                      <a:lumOff val="25000"/>
+                      <a:alpha val="20000"/>
+                    </a:schemeClr>
+                  </a:solidFill>
+                </a:ln>
+                <a:solidFill>
+                  <a:schemeClr val="tx1">
+                    <a:lumMod val="75000"/>
+                    <a:lumOff val="25000"/>
+                  </a:schemeClr>
+                </a:solidFill>
+                <a:latin typeface="배달의민족 주아" panose="02020603020101020101" pitchFamily="18" charset="-127"/>
+                <a:ea typeface="배달의민족 주아" panose="02020603020101020101" pitchFamily="18" charset="-127"/>
+              </a:rPr>
+              <a:t> 제공하고자 합니다</a:t>
+            </a:r>
+            <a:r>
+              <a:rPr lang="en-US" altLang="ko-KR" sz="1600" dirty="0">
+                <a:ln>
+                  <a:solidFill>
+                    <a:schemeClr val="tx1">
+                      <a:lumMod val="75000"/>
+                      <a:lumOff val="25000"/>
+                      <a:alpha val="20000"/>
+                    </a:schemeClr>
+                  </a:solidFill>
+                </a:ln>
+                <a:solidFill>
+                  <a:schemeClr val="tx1">
+                    <a:lumMod val="75000"/>
+                    <a:lumOff val="25000"/>
+                  </a:schemeClr>
+                </a:solidFill>
+                <a:latin typeface="배달의민족 주아" panose="02020603020101020101" pitchFamily="18" charset="-127"/>
+                <a:ea typeface="배달의민족 주아" panose="02020603020101020101" pitchFamily="18" charset="-127"/>
+              </a:rPr>
+              <a:t>. </a:t>
+            </a:r>
+            <a:r>
+              <a:rPr lang="ko-KR" altLang="en-US" sz="1600" dirty="0">
+                <a:ln>
+                  <a:solidFill>
+                    <a:schemeClr val="tx1">
+                      <a:lumMod val="75000"/>
+                      <a:lumOff val="25000"/>
+                      <a:alpha val="20000"/>
+                    </a:schemeClr>
+                  </a:solidFill>
+                </a:ln>
+                <a:solidFill>
+                  <a:schemeClr val="tx1">
+                    <a:lumMod val="75000"/>
+                    <a:lumOff val="25000"/>
+                  </a:schemeClr>
+                </a:solidFill>
+                <a:latin typeface="배달의민족 주아" panose="02020603020101020101" pitchFamily="18" charset="-127"/>
+                <a:ea typeface="배달의민족 주아" panose="02020603020101020101" pitchFamily="18" charset="-127"/>
+              </a:rPr>
+              <a:t> </a:t>
+            </a:r>
+            <a:endParaRPr lang="en-US" altLang="ko-KR" sz="1600" dirty="0">
+              <a:ln>
+                <a:solidFill>
+                  <a:schemeClr val="tx1">
+                    <a:lumMod val="75000"/>
+                    <a:lumOff val="25000"/>
+                    <a:alpha val="20000"/>
+                  </a:schemeClr>
+                </a:solidFill>
+              </a:ln>
+              <a:solidFill>
+                <a:schemeClr val="tx1">
+                  <a:lumMod val="75000"/>
+                  <a:lumOff val="25000"/>
+                </a:schemeClr>
+              </a:solidFill>
+              <a:latin typeface="배달의민족 주아" panose="02020603020101020101" pitchFamily="18" charset="-127"/>
+              <a:ea typeface="배달의민족 주아" panose="02020603020101020101" pitchFamily="18" charset="-127"/>
+            </a:endParaRPr>
+          </a:p>
+          <a:p>
+            <a:pPr algn="just"/>
+            <a:endParaRPr lang="en-US" altLang="ko-KR" sz="1600" dirty="0">
+              <a:ln>
+                <a:solidFill>
+                  <a:schemeClr val="tx1">
+                    <a:lumMod val="75000"/>
+                    <a:lumOff val="25000"/>
+                    <a:alpha val="20000"/>
+                  </a:schemeClr>
+                </a:solidFill>
+              </a:ln>
+              <a:solidFill>
+                <a:schemeClr val="tx1">
+                  <a:lumMod val="75000"/>
+                  <a:lumOff val="25000"/>
+                </a:schemeClr>
+              </a:solidFill>
+              <a:latin typeface="나눔고딕" panose="020D0604000000000000" pitchFamily="50" charset="-127"/>
+              <a:ea typeface="나눔고딕" panose="020D0604000000000000" pitchFamily="50" charset="-127"/>
+            </a:endParaRPr>
+          </a:p>
+        </p:txBody>
+      </p:sp>
+      <p:pic>
+        <p:nvPicPr>
+          <p:cNvPr id="3" name="그림 2"/>
+          <p:cNvPicPr>
+            <a:picLocks noChangeAspect="1"/>
+          </p:cNvPicPr>
+          <p:nvPr/>
+        </p:nvPicPr>
+        <p:blipFill>
+          <a:blip r:embed="rId3"/>
+          <a:stretch>
+            <a:fillRect/>
+          </a:stretch>
+        </p:blipFill>
+        <p:spPr>
+          <a:xfrm>
+            <a:off x="401005" y="3009596"/>
+            <a:ext cx="5514975" cy="1152525"/>
+          </a:xfrm>
+          <a:prstGeom prst="rect">
+            <a:avLst/>
+          </a:prstGeom>
+        </p:spPr>
+      </p:pic>
+      <p:pic>
+        <p:nvPicPr>
+          <p:cNvPr id="5" name="그림 4"/>
+          <p:cNvPicPr>
+            <a:picLocks noChangeAspect="1"/>
+          </p:cNvPicPr>
+          <p:nvPr/>
+        </p:nvPicPr>
+        <p:blipFill>
+          <a:blip r:embed="rId4"/>
+          <a:stretch>
+            <a:fillRect/>
+          </a:stretch>
+        </p:blipFill>
+        <p:spPr>
+          <a:xfrm>
+            <a:off x="401005" y="4210647"/>
+            <a:ext cx="5256584" cy="1171575"/>
+          </a:xfrm>
+          <a:prstGeom prst="rect">
+            <a:avLst/>
+          </a:prstGeom>
+        </p:spPr>
+      </p:pic>
+      <p:pic>
+        <p:nvPicPr>
+          <p:cNvPr id="15" name="그림 14"/>
+          <p:cNvPicPr>
+            <a:picLocks noChangeAspect="1"/>
+          </p:cNvPicPr>
+          <p:nvPr/>
+        </p:nvPicPr>
+        <p:blipFill>
+          <a:blip r:embed="rId5"/>
+          <a:stretch>
+            <a:fillRect/>
+          </a:stretch>
+        </p:blipFill>
+        <p:spPr>
+          <a:xfrm>
+            <a:off x="335360" y="5430748"/>
+            <a:ext cx="5112568" cy="1143000"/>
+          </a:xfrm>
+          <a:prstGeom prst="rect">
+            <a:avLst/>
+          </a:prstGeom>
+        </p:spPr>
+      </p:pic>
+      <p:sp>
+        <p:nvSpPr>
           <p:cNvPr id="2" name="슬라이드 번호 개체 틀 1">
             <a:extLst>
               <a:ext uri="{FF2B5EF4-FFF2-40B4-BE49-F238E27FC236}">
-                <a16:creationId xmlns:a16="http://schemas.microsoft.com/office/drawing/2014/main" id="{115F550A-2A17-4F6D-BBB4-E12BA2B0CEE6}"/>
+                <a16:creationId xmlns:a16="http://schemas.microsoft.com/office/drawing/2014/main" id="{9E659DE9-1F9D-4BE5-9256-E91E62CC88EB}"/>
               </a:ext>
             </a:extLst>
           </p:cNvPr>
@@ -18303,7 +18612,7 @@
     </p:spTree>
     <p:extLst>
       <p:ext uri="{BB962C8B-B14F-4D97-AF65-F5344CB8AC3E}">
-        <p14:creationId xmlns:p14="http://schemas.microsoft.com/office/powerpoint/2010/main" val="3308363908"/>
+        <p14:creationId xmlns:p14="http://schemas.microsoft.com/office/powerpoint/2010/main" val="792662195"/>
       </p:ext>
     </p:extLst>
   </p:cSld>
@@ -20666,106 +20975,725 @@
           <a:chExt cx="0" cy="0"/>
         </a:xfrm>
       </p:grpSpPr>
-      <p:sp>
-        <p:nvSpPr>
-          <p:cNvPr id="6" name="직사각형 5"/>
-          <p:cNvSpPr/>
-          <p:nvPr/>
-        </p:nvSpPr>
-        <p:spPr>
-          <a:xfrm>
-            <a:off x="0" y="0"/>
-            <a:ext cx="12192000" cy="1268760"/>
-          </a:xfrm>
-          <a:prstGeom prst="rect">
-            <a:avLst/>
-          </a:prstGeom>
-          <a:solidFill>
-            <a:srgbClr val="00547A"/>
-          </a:solidFill>
-          <a:ln>
-            <a:noFill/>
-          </a:ln>
-        </p:spPr>
-        <p:style>
-          <a:lnRef idx="2">
-            <a:schemeClr val="accent1">
-              <a:shade val="50000"/>
-            </a:schemeClr>
-          </a:lnRef>
-          <a:fillRef idx="1">
-            <a:schemeClr val="accent1"/>
-          </a:fillRef>
-          <a:effectRef idx="0">
-            <a:schemeClr val="accent1"/>
-          </a:effectRef>
-          <a:fontRef idx="minor">
-            <a:schemeClr val="lt1"/>
-          </a:fontRef>
-        </p:style>
-        <p:txBody>
-          <a:bodyPr rtlCol="0" anchor="ctr"/>
-          <a:lstStyle/>
-          <a:p>
-            <a:pPr algn="ctr"/>
-            <a:endParaRPr lang="ko-KR" altLang="en-US"/>
-          </a:p>
-        </p:txBody>
-      </p:sp>
-      <p:pic>
-        <p:nvPicPr>
-          <p:cNvPr id="7" name="그림 6"/>
-          <p:cNvPicPr>
-            <a:picLocks noChangeAspect="1"/>
-          </p:cNvPicPr>
-          <p:nvPr/>
-        </p:nvPicPr>
-        <p:blipFill>
-          <a:blip r:embed="rId2" cstate="print">
-            <a:extLst>
-              <a:ext uri="{28A0092B-C50C-407E-A947-70E740481C1C}">
-                <a14:useLocalDpi xmlns:a14="http://schemas.microsoft.com/office/drawing/2010/main" val="0"/>
-              </a:ext>
-            </a:extLst>
-          </a:blip>
-          <a:stretch>
-            <a:fillRect/>
-          </a:stretch>
-        </p:blipFill>
-        <p:spPr>
-          <a:xfrm>
-            <a:off x="10366299" y="201623"/>
-            <a:ext cx="893661" cy="865515"/>
-          </a:xfrm>
-          <a:prstGeom prst="rect">
-            <a:avLst/>
-          </a:prstGeom>
-        </p:spPr>
-      </p:pic>
       <p:grpSp>
         <p:nvGrpSpPr>
-          <p:cNvPr id="10" name="그룹 9"/>
+          <p:cNvPr id="4" name="그룹 3"/>
           <p:cNvGrpSpPr/>
           <p:nvPr/>
         </p:nvGrpSpPr>
         <p:grpSpPr>
           <a:xfrm>
-            <a:off x="709468" y="346724"/>
-            <a:ext cx="1639103" cy="622971"/>
-            <a:chOff x="709468" y="346724"/>
-            <a:chExt cx="1639103" cy="622971"/>
+            <a:off x="0" y="0"/>
+            <a:ext cx="9816615" cy="6858000"/>
+            <a:chOff x="0" y="0"/>
+            <a:chExt cx="9816615" cy="6858000"/>
           </a:xfrm>
         </p:grpSpPr>
+        <p:grpSp>
+          <p:nvGrpSpPr>
+            <p:cNvPr id="36" name="그룹 35"/>
+            <p:cNvGrpSpPr/>
+            <p:nvPr/>
+          </p:nvGrpSpPr>
+          <p:grpSpPr>
+            <a:xfrm>
+              <a:off x="0" y="0"/>
+              <a:ext cx="6096000" cy="6858000"/>
+              <a:chOff x="0" y="0"/>
+              <a:chExt cx="6096000" cy="6858000"/>
+            </a:xfrm>
+          </p:grpSpPr>
+          <p:sp>
+            <p:nvSpPr>
+              <p:cNvPr id="20" name="직사각형 19"/>
+              <p:cNvSpPr/>
+              <p:nvPr/>
+            </p:nvSpPr>
+            <p:spPr>
+              <a:xfrm>
+                <a:off x="0" y="0"/>
+                <a:ext cx="6096000" cy="6858000"/>
+              </a:xfrm>
+              <a:prstGeom prst="rect">
+                <a:avLst/>
+              </a:prstGeom>
+              <a:solidFill>
+                <a:srgbClr val="B0D2D3"/>
+              </a:solidFill>
+              <a:ln>
+                <a:noFill/>
+              </a:ln>
+            </p:spPr>
+            <p:style>
+              <a:lnRef idx="2">
+                <a:schemeClr val="accent1">
+                  <a:shade val="50000"/>
+                </a:schemeClr>
+              </a:lnRef>
+              <a:fillRef idx="1">
+                <a:schemeClr val="accent1"/>
+              </a:fillRef>
+              <a:effectRef idx="0">
+                <a:schemeClr val="accent1"/>
+              </a:effectRef>
+              <a:fontRef idx="minor">
+                <a:schemeClr val="lt1"/>
+              </a:fontRef>
+            </p:style>
+            <p:txBody>
+              <a:bodyPr rtlCol="0" anchor="ctr"/>
+              <a:lstStyle/>
+              <a:p>
+                <a:pPr algn="ctr"/>
+                <a:endParaRPr lang="ko-KR" altLang="en-US"/>
+              </a:p>
+            </p:txBody>
+          </p:sp>
+          <p:pic>
+            <p:nvPicPr>
+              <p:cNvPr id="21" name="그림 20"/>
+              <p:cNvPicPr>
+                <a:picLocks noChangeAspect="1"/>
+              </p:cNvPicPr>
+              <p:nvPr/>
+            </p:nvPicPr>
+            <p:blipFill>
+              <a:blip r:embed="rId2" cstate="print">
+                <a:extLst>
+                  <a:ext uri="{28A0092B-C50C-407E-A947-70E740481C1C}">
+                    <a14:useLocalDpi xmlns:a14="http://schemas.microsoft.com/office/drawing/2010/main" val="0"/>
+                  </a:ext>
+                </a:extLst>
+              </a:blip>
+              <a:stretch>
+                <a:fillRect/>
+              </a:stretch>
+            </p:blipFill>
+            <p:spPr>
+              <a:xfrm>
+                <a:off x="1741267" y="2475084"/>
+                <a:ext cx="2613467" cy="1907832"/>
+              </a:xfrm>
+              <a:prstGeom prst="rect">
+                <a:avLst/>
+              </a:prstGeom>
+            </p:spPr>
+          </p:pic>
+        </p:grpSp>
+        <p:grpSp>
+          <p:nvGrpSpPr>
+            <p:cNvPr id="3" name="그룹 2"/>
+            <p:cNvGrpSpPr/>
+            <p:nvPr/>
+          </p:nvGrpSpPr>
+          <p:grpSpPr>
+            <a:xfrm>
+              <a:off x="6816080" y="1605246"/>
+              <a:ext cx="2925801" cy="3859723"/>
+              <a:chOff x="6816080" y="1605246"/>
+              <a:chExt cx="2925801" cy="3859723"/>
+            </a:xfrm>
+          </p:grpSpPr>
+          <p:sp>
+            <p:nvSpPr>
+              <p:cNvPr id="23" name="TextBox 22"/>
+              <p:cNvSpPr txBox="1"/>
+              <p:nvPr/>
+            </p:nvSpPr>
+            <p:spPr>
+              <a:xfrm>
+                <a:off x="6816080" y="1605246"/>
+                <a:ext cx="1935466" cy="830997"/>
+              </a:xfrm>
+              <a:prstGeom prst="rect">
+                <a:avLst/>
+              </a:prstGeom>
+              <a:noFill/>
+            </p:spPr>
+            <p:txBody>
+              <a:bodyPr wrap="none" rtlCol="0">
+                <a:spAutoFit/>
+              </a:bodyPr>
+              <a:lstStyle/>
+              <a:p>
+                <a:r>
+                  <a:rPr lang="en-US" altLang="ko-KR" sz="2400" dirty="0">
+                    <a:ln>
+                      <a:solidFill>
+                        <a:srgbClr val="B0D2D3">
+                          <a:alpha val="20000"/>
+                        </a:srgbClr>
+                      </a:solidFill>
+                    </a:ln>
+                    <a:solidFill>
+                      <a:srgbClr val="B0D2D3"/>
+                    </a:solidFill>
+                    <a:latin typeface="타이포_쌍문동 B" panose="02020803020101020101" pitchFamily="18" charset="-127"/>
+                    <a:ea typeface="타이포_쌍문동 B" panose="02020803020101020101" pitchFamily="18" charset="-127"/>
+                  </a:rPr>
+                  <a:t>Trip Inside</a:t>
+                </a:r>
+              </a:p>
+              <a:p>
+                <a:endParaRPr lang="ko-KR" altLang="en-US" sz="2400" dirty="0">
+                  <a:ln>
+                    <a:solidFill>
+                      <a:srgbClr val="B0D2D3">
+                        <a:alpha val="20000"/>
+                      </a:srgbClr>
+                    </a:solidFill>
+                  </a:ln>
+                  <a:solidFill>
+                    <a:srgbClr val="B0D2D3"/>
+                  </a:solidFill>
+                  <a:latin typeface="타이포_쌍문동 B" panose="02020803020101020101" pitchFamily="18" charset="-127"/>
+                  <a:ea typeface="타이포_쌍문동 B" panose="02020803020101020101" pitchFamily="18" charset="-127"/>
+                </a:endParaRPr>
+              </a:p>
+            </p:txBody>
+          </p:sp>
+          <p:sp>
+            <p:nvSpPr>
+              <p:cNvPr id="24" name="TextBox 23"/>
+              <p:cNvSpPr txBox="1"/>
+              <p:nvPr/>
+            </p:nvSpPr>
+            <p:spPr>
+              <a:xfrm>
+                <a:off x="6859810" y="2148214"/>
+                <a:ext cx="1334020" cy="738664"/>
+              </a:xfrm>
+              <a:prstGeom prst="rect">
+                <a:avLst/>
+              </a:prstGeom>
+              <a:noFill/>
+            </p:spPr>
+            <p:txBody>
+              <a:bodyPr wrap="none" rtlCol="0">
+                <a:spAutoFit/>
+              </a:bodyPr>
+              <a:lstStyle/>
+              <a:p>
+                <a:r>
+                  <a:rPr lang="ko-KR" altLang="en-US" sz="1400" dirty="0">
+                    <a:ln>
+                      <a:solidFill>
+                        <a:schemeClr val="tx1">
+                          <a:lumMod val="75000"/>
+                          <a:lumOff val="25000"/>
+                          <a:alpha val="20000"/>
+                        </a:schemeClr>
+                      </a:solidFill>
+                    </a:ln>
+                    <a:solidFill>
+                      <a:srgbClr val="174F78"/>
+                    </a:solidFill>
+                    <a:latin typeface="배달의민족 주아" panose="02020603020101020101" pitchFamily="18" charset="-127"/>
+                    <a:ea typeface="배달의민족 주아" panose="02020603020101020101" pitchFamily="18" charset="-127"/>
+                  </a:rPr>
+                  <a:t>주제 선정 배경 </a:t>
+                </a:r>
+                <a:endParaRPr lang="en-US" altLang="ko-KR" sz="1400" dirty="0">
+                  <a:ln>
+                    <a:solidFill>
+                      <a:schemeClr val="tx1">
+                        <a:lumMod val="75000"/>
+                        <a:lumOff val="25000"/>
+                        <a:alpha val="20000"/>
+                      </a:schemeClr>
+                    </a:solidFill>
+                  </a:ln>
+                  <a:solidFill>
+                    <a:srgbClr val="174F78"/>
+                  </a:solidFill>
+                  <a:latin typeface="배달의민족 주아" panose="02020603020101020101" pitchFamily="18" charset="-127"/>
+                  <a:ea typeface="배달의민족 주아" panose="02020603020101020101" pitchFamily="18" charset="-127"/>
+                </a:endParaRPr>
+              </a:p>
+              <a:p>
+                <a:r>
+                  <a:rPr lang="ko-KR" altLang="en-US" sz="1400" dirty="0">
+                    <a:ln>
+                      <a:solidFill>
+                        <a:schemeClr val="tx1">
+                          <a:lumMod val="75000"/>
+                          <a:lumOff val="25000"/>
+                          <a:alpha val="20000"/>
+                        </a:schemeClr>
+                      </a:solidFill>
+                    </a:ln>
+                    <a:solidFill>
+                      <a:srgbClr val="174F78"/>
+                    </a:solidFill>
+                    <a:latin typeface="배달의민족 주아" panose="02020603020101020101" pitchFamily="18" charset="-127"/>
+                    <a:ea typeface="배달의민족 주아" panose="02020603020101020101" pitchFamily="18" charset="-127"/>
+                  </a:rPr>
+                  <a:t>데이터 선정 배경 </a:t>
+                </a:r>
+                <a:endParaRPr lang="en-US" altLang="ko-KR" sz="1400" dirty="0">
+                  <a:ln>
+                    <a:solidFill>
+                      <a:schemeClr val="tx1">
+                        <a:lumMod val="75000"/>
+                        <a:lumOff val="25000"/>
+                        <a:alpha val="20000"/>
+                      </a:schemeClr>
+                    </a:solidFill>
+                  </a:ln>
+                  <a:solidFill>
+                    <a:srgbClr val="174F78"/>
+                  </a:solidFill>
+                  <a:latin typeface="배달의민족 주아" panose="02020603020101020101" pitchFamily="18" charset="-127"/>
+                  <a:ea typeface="배달의민족 주아" panose="02020603020101020101" pitchFamily="18" charset="-127"/>
+                </a:endParaRPr>
+              </a:p>
+              <a:p>
+                <a:r>
+                  <a:rPr lang="ko-KR" altLang="en-US" sz="1400" dirty="0">
+                    <a:ln>
+                      <a:solidFill>
+                        <a:schemeClr val="tx1">
+                          <a:lumMod val="75000"/>
+                          <a:lumOff val="25000"/>
+                          <a:alpha val="20000"/>
+                        </a:schemeClr>
+                      </a:solidFill>
+                    </a:ln>
+                    <a:solidFill>
+                      <a:srgbClr val="174F78"/>
+                    </a:solidFill>
+                    <a:latin typeface="배달의민족 주아" panose="02020603020101020101" pitchFamily="18" charset="-127"/>
+                    <a:ea typeface="배달의민족 주아" panose="02020603020101020101" pitchFamily="18" charset="-127"/>
+                  </a:rPr>
+                  <a:t>데이터 분석 계획 </a:t>
+                </a:r>
+                <a:endParaRPr lang="en-US" altLang="ko-KR" sz="1400" dirty="0">
+                  <a:ln>
+                    <a:solidFill>
+                      <a:schemeClr val="tx1">
+                        <a:lumMod val="75000"/>
+                        <a:lumOff val="25000"/>
+                        <a:alpha val="20000"/>
+                      </a:schemeClr>
+                    </a:solidFill>
+                  </a:ln>
+                  <a:solidFill>
+                    <a:srgbClr val="174F78"/>
+                  </a:solidFill>
+                  <a:latin typeface="배달의민족 주아" panose="02020603020101020101" pitchFamily="18" charset="-127"/>
+                  <a:ea typeface="배달의민족 주아" panose="02020603020101020101" pitchFamily="18" charset="-127"/>
+                </a:endParaRPr>
+              </a:p>
+            </p:txBody>
+          </p:sp>
+          <p:sp>
+            <p:nvSpPr>
+              <p:cNvPr id="30" name="TextBox 29"/>
+              <p:cNvSpPr txBox="1"/>
+              <p:nvPr/>
+            </p:nvSpPr>
+            <p:spPr>
+              <a:xfrm>
+                <a:off x="6859810" y="4663362"/>
+                <a:ext cx="1293944" cy="461665"/>
+              </a:xfrm>
+              <a:prstGeom prst="rect">
+                <a:avLst/>
+              </a:prstGeom>
+              <a:noFill/>
+            </p:spPr>
+            <p:txBody>
+              <a:bodyPr wrap="none" rtlCol="0">
+                <a:spAutoFit/>
+              </a:bodyPr>
+              <a:lstStyle/>
+              <a:p>
+                <a:r>
+                  <a:rPr lang="ko-KR" altLang="en-US" sz="2400" dirty="0">
+                    <a:ln>
+                      <a:solidFill>
+                        <a:srgbClr val="B0D2D3">
+                          <a:alpha val="20000"/>
+                        </a:srgbClr>
+                      </a:solidFill>
+                    </a:ln>
+                    <a:solidFill>
+                      <a:srgbClr val="B0D2D3"/>
+                    </a:solidFill>
+                    <a:latin typeface="타이포_쌍문동 B" panose="02020803020101020101" pitchFamily="18" charset="-127"/>
+                    <a:ea typeface="타이포_쌍문동 B" panose="02020803020101020101" pitchFamily="18" charset="-127"/>
+                  </a:rPr>
+                  <a:t>웹 구현 </a:t>
+                </a:r>
+              </a:p>
+            </p:txBody>
+          </p:sp>
+          <p:sp>
+            <p:nvSpPr>
+              <p:cNvPr id="31" name="TextBox 30"/>
+              <p:cNvSpPr txBox="1"/>
+              <p:nvPr/>
+            </p:nvSpPr>
+            <p:spPr>
+              <a:xfrm>
+                <a:off x="6888088" y="5157192"/>
+                <a:ext cx="655949" cy="307777"/>
+              </a:xfrm>
+              <a:prstGeom prst="rect">
+                <a:avLst/>
+              </a:prstGeom>
+              <a:noFill/>
+            </p:spPr>
+            <p:txBody>
+              <a:bodyPr wrap="none" rtlCol="0">
+                <a:spAutoFit/>
+              </a:bodyPr>
+              <a:lstStyle/>
+              <a:p>
+                <a:r>
+                  <a:rPr lang="ko-KR" altLang="en-US" sz="1400" dirty="0">
+                    <a:ln>
+                      <a:solidFill>
+                        <a:schemeClr val="tx1">
+                          <a:lumMod val="75000"/>
+                          <a:lumOff val="25000"/>
+                          <a:alpha val="20000"/>
+                        </a:schemeClr>
+                      </a:solidFill>
+                    </a:ln>
+                    <a:solidFill>
+                      <a:srgbClr val="174F78"/>
+                    </a:solidFill>
+                    <a:latin typeface="배달의민족 주아" panose="02020603020101020101" pitchFamily="18" charset="-127"/>
+                    <a:ea typeface="배달의민족 주아" panose="02020603020101020101" pitchFamily="18" charset="-127"/>
+                  </a:rPr>
+                  <a:t>웹 구성</a:t>
+                </a:r>
+              </a:p>
+            </p:txBody>
+          </p:sp>
+          <p:sp>
+            <p:nvSpPr>
+              <p:cNvPr id="34" name="TextBox 33"/>
+              <p:cNvSpPr txBox="1"/>
+              <p:nvPr/>
+            </p:nvSpPr>
+            <p:spPr>
+              <a:xfrm>
+                <a:off x="6816080" y="3014661"/>
+                <a:ext cx="2925801" cy="461665"/>
+              </a:xfrm>
+              <a:prstGeom prst="rect">
+                <a:avLst/>
+              </a:prstGeom>
+              <a:noFill/>
+            </p:spPr>
+            <p:txBody>
+              <a:bodyPr wrap="none" rtlCol="0">
+                <a:spAutoFit/>
+              </a:bodyPr>
+              <a:lstStyle/>
+              <a:p>
+                <a:r>
+                  <a:rPr lang="ko-KR" altLang="en-US" sz="2400" dirty="0">
+                    <a:ln>
+                      <a:solidFill>
+                        <a:srgbClr val="B0D2D3">
+                          <a:alpha val="20000"/>
+                        </a:srgbClr>
+                      </a:solidFill>
+                    </a:ln>
+                    <a:solidFill>
+                      <a:srgbClr val="B0D2D3"/>
+                    </a:solidFill>
+                    <a:latin typeface="타이포_쌍문동 B" panose="02020803020101020101" pitchFamily="18" charset="-127"/>
+                    <a:ea typeface="타이포_쌍문동 B" panose="02020803020101020101" pitchFamily="18" charset="-127"/>
+                  </a:rPr>
+                  <a:t>여행지 선호도 분석 </a:t>
+                </a:r>
+              </a:p>
+            </p:txBody>
+          </p:sp>
+          <p:sp>
+            <p:nvSpPr>
+              <p:cNvPr id="35" name="TextBox 34"/>
+              <p:cNvSpPr txBox="1"/>
+              <p:nvPr/>
+            </p:nvSpPr>
+            <p:spPr>
+              <a:xfrm>
+                <a:off x="6863565" y="3569093"/>
+                <a:ext cx="2284600" cy="954107"/>
+              </a:xfrm>
+              <a:prstGeom prst="rect">
+                <a:avLst/>
+              </a:prstGeom>
+              <a:noFill/>
+            </p:spPr>
+            <p:txBody>
+              <a:bodyPr wrap="none" rtlCol="0">
+                <a:spAutoFit/>
+              </a:bodyPr>
+              <a:lstStyle/>
+              <a:p>
+                <a:r>
+                  <a:rPr lang="ko-KR" altLang="en-US" sz="1400" dirty="0">
+                    <a:ln>
+                      <a:solidFill>
+                        <a:schemeClr val="tx1">
+                          <a:lumMod val="75000"/>
+                          <a:lumOff val="25000"/>
+                          <a:alpha val="20000"/>
+                        </a:schemeClr>
+                      </a:solidFill>
+                    </a:ln>
+                    <a:solidFill>
+                      <a:srgbClr val="174F78"/>
+                    </a:solidFill>
+                    <a:latin typeface="배달의민족 주아" panose="02020603020101020101" pitchFamily="18" charset="-127"/>
+                    <a:ea typeface="배달의민족 주아" panose="02020603020101020101" pitchFamily="18" charset="-127"/>
+                  </a:rPr>
+                  <a:t>여행지 만족도 분석 </a:t>
+                </a:r>
+                <a:r>
+                  <a:rPr lang="en-US" altLang="ko-KR" sz="1400" dirty="0">
+                    <a:ln>
+                      <a:solidFill>
+                        <a:schemeClr val="tx1">
+                          <a:lumMod val="75000"/>
+                          <a:lumOff val="25000"/>
+                          <a:alpha val="20000"/>
+                        </a:schemeClr>
+                      </a:solidFill>
+                    </a:ln>
+                    <a:solidFill>
+                      <a:srgbClr val="174F78"/>
+                    </a:solidFill>
+                    <a:latin typeface="배달의민족 주아" panose="02020603020101020101" pitchFamily="18" charset="-127"/>
+                    <a:ea typeface="배달의민족 주아" panose="02020603020101020101" pitchFamily="18" charset="-127"/>
+                  </a:rPr>
+                  <a:t>(</a:t>
+                </a:r>
+                <a:r>
+                  <a:rPr lang="ko-KR" altLang="en-US" sz="1400" dirty="0">
+                    <a:ln>
+                      <a:solidFill>
+                        <a:schemeClr val="tx1">
+                          <a:lumMod val="75000"/>
+                          <a:lumOff val="25000"/>
+                          <a:alpha val="20000"/>
+                        </a:schemeClr>
+                      </a:solidFill>
+                    </a:ln>
+                    <a:solidFill>
+                      <a:srgbClr val="174F78"/>
+                    </a:solidFill>
+                    <a:latin typeface="배달의민족 주아" panose="02020603020101020101" pitchFamily="18" charset="-127"/>
+                    <a:ea typeface="배달의민족 주아" panose="02020603020101020101" pitchFamily="18" charset="-127"/>
+                  </a:rPr>
+                  <a:t>개인</a:t>
+                </a:r>
+                <a:r>
+                  <a:rPr lang="en-US" altLang="ko-KR" sz="1400" dirty="0">
+                    <a:ln>
+                      <a:solidFill>
+                        <a:schemeClr val="tx1">
+                          <a:lumMod val="75000"/>
+                          <a:lumOff val="25000"/>
+                          <a:alpha val="20000"/>
+                        </a:schemeClr>
+                      </a:solidFill>
+                    </a:ln>
+                    <a:solidFill>
+                      <a:srgbClr val="174F78"/>
+                    </a:solidFill>
+                    <a:latin typeface="배달의민족 주아" panose="02020603020101020101" pitchFamily="18" charset="-127"/>
+                    <a:ea typeface="배달의민족 주아" panose="02020603020101020101" pitchFamily="18" charset="-127"/>
+                  </a:rPr>
+                  <a:t>/</a:t>
+                </a:r>
+                <a:r>
+                  <a:rPr lang="ko-KR" altLang="en-US" sz="1400" dirty="0">
+                    <a:ln>
+                      <a:solidFill>
+                        <a:schemeClr val="tx1">
+                          <a:lumMod val="75000"/>
+                          <a:lumOff val="25000"/>
+                          <a:alpha val="20000"/>
+                        </a:schemeClr>
+                      </a:solidFill>
+                    </a:ln>
+                    <a:solidFill>
+                      <a:srgbClr val="174F78"/>
+                    </a:solidFill>
+                    <a:latin typeface="배달의민족 주아" panose="02020603020101020101" pitchFamily="18" charset="-127"/>
+                    <a:ea typeface="배달의민족 주아" panose="02020603020101020101" pitchFamily="18" charset="-127"/>
+                  </a:rPr>
+                  <a:t>단체</a:t>
+                </a:r>
+                <a:r>
+                  <a:rPr lang="en-US" altLang="ko-KR" sz="1400" dirty="0">
+                    <a:ln>
+                      <a:solidFill>
+                        <a:schemeClr val="tx1">
+                          <a:lumMod val="75000"/>
+                          <a:lumOff val="25000"/>
+                          <a:alpha val="20000"/>
+                        </a:schemeClr>
+                      </a:solidFill>
+                    </a:ln>
+                    <a:solidFill>
+                      <a:srgbClr val="174F78"/>
+                    </a:solidFill>
+                    <a:latin typeface="배달의민족 주아" panose="02020603020101020101" pitchFamily="18" charset="-127"/>
+                    <a:ea typeface="배달의민족 주아" panose="02020603020101020101" pitchFamily="18" charset="-127"/>
+                  </a:rPr>
+                  <a:t>)</a:t>
+                </a:r>
+              </a:p>
+              <a:p>
+                <a:r>
+                  <a:rPr lang="ko-KR" altLang="en-US" sz="1400" dirty="0">
+                    <a:ln>
+                      <a:solidFill>
+                        <a:schemeClr val="tx1">
+                          <a:lumMod val="75000"/>
+                          <a:lumOff val="25000"/>
+                          <a:alpha val="20000"/>
+                        </a:schemeClr>
+                      </a:solidFill>
+                    </a:ln>
+                    <a:solidFill>
+                      <a:srgbClr val="174F78"/>
+                    </a:solidFill>
+                    <a:latin typeface="배달의민족 주아" panose="02020603020101020101" pitchFamily="18" charset="-127"/>
+                    <a:ea typeface="배달의민족 주아" panose="02020603020101020101" pitchFamily="18" charset="-127"/>
+                  </a:rPr>
+                  <a:t>여행지 방문객 수 분석 </a:t>
+                </a:r>
+                <a:endParaRPr lang="en-US" altLang="ko-KR" sz="1400" dirty="0">
+                  <a:ln>
+                    <a:solidFill>
+                      <a:schemeClr val="tx1">
+                        <a:lumMod val="75000"/>
+                        <a:lumOff val="25000"/>
+                        <a:alpha val="20000"/>
+                      </a:schemeClr>
+                    </a:solidFill>
+                  </a:ln>
+                  <a:solidFill>
+                    <a:srgbClr val="174F78"/>
+                  </a:solidFill>
+                  <a:latin typeface="배달의민족 주아" panose="02020603020101020101" pitchFamily="18" charset="-127"/>
+                  <a:ea typeface="배달의민족 주아" panose="02020603020101020101" pitchFamily="18" charset="-127"/>
+                </a:endParaRPr>
+              </a:p>
+              <a:p>
+                <a:r>
+                  <a:rPr lang="ko-KR" altLang="en-US" sz="1400" dirty="0">
+                    <a:ln>
+                      <a:solidFill>
+                        <a:schemeClr val="tx1">
+                          <a:lumMod val="75000"/>
+                          <a:lumOff val="25000"/>
+                          <a:alpha val="20000"/>
+                        </a:schemeClr>
+                      </a:solidFill>
+                    </a:ln>
+                    <a:solidFill>
+                      <a:srgbClr val="174F78"/>
+                    </a:solidFill>
+                    <a:latin typeface="배달의민족 주아" panose="02020603020101020101" pitchFamily="18" charset="-127"/>
+                    <a:ea typeface="배달의민족 주아" panose="02020603020101020101" pitchFamily="18" charset="-127"/>
+                  </a:rPr>
+                  <a:t>여행지 선호도 분석 </a:t>
+                </a:r>
+                <a:endParaRPr lang="en-US" altLang="ko-KR" sz="1400" dirty="0">
+                  <a:ln>
+                    <a:solidFill>
+                      <a:schemeClr val="tx1">
+                        <a:lumMod val="75000"/>
+                        <a:lumOff val="25000"/>
+                        <a:alpha val="20000"/>
+                      </a:schemeClr>
+                    </a:solidFill>
+                  </a:ln>
+                  <a:solidFill>
+                    <a:srgbClr val="174F78"/>
+                  </a:solidFill>
+                  <a:latin typeface="배달의민족 주아" panose="02020603020101020101" pitchFamily="18" charset="-127"/>
+                  <a:ea typeface="배달의민족 주아" panose="02020603020101020101" pitchFamily="18" charset="-127"/>
+                </a:endParaRPr>
+              </a:p>
+              <a:p>
+                <a:r>
+                  <a:rPr lang="ko-KR" altLang="en-US" sz="1400" dirty="0">
+                    <a:ln>
+                      <a:solidFill>
+                        <a:schemeClr val="tx1">
+                          <a:lumMod val="75000"/>
+                          <a:lumOff val="25000"/>
+                          <a:alpha val="20000"/>
+                        </a:schemeClr>
+                      </a:solidFill>
+                    </a:ln>
+                    <a:solidFill>
+                      <a:srgbClr val="174F78"/>
+                    </a:solidFill>
+                    <a:latin typeface="배달의민족 주아" panose="02020603020101020101" pitchFamily="18" charset="-127"/>
+                    <a:ea typeface="배달의민족 주아" panose="02020603020101020101" pitchFamily="18" charset="-127"/>
+                  </a:rPr>
+                  <a:t>분석결과와 실제 비교 </a:t>
+                </a:r>
+              </a:p>
+            </p:txBody>
+          </p:sp>
+        </p:grpSp>
+        <p:cxnSp>
+          <p:nvCxnSpPr>
+            <p:cNvPr id="41" name="직선 연결선 40"/>
+            <p:cNvCxnSpPr/>
+            <p:nvPr/>
+          </p:nvCxnSpPr>
+          <p:spPr>
+            <a:xfrm>
+              <a:off x="6816080" y="1268760"/>
+              <a:ext cx="2880000" cy="0"/>
+            </a:xfrm>
+            <a:prstGeom prst="line">
+              <a:avLst/>
+            </a:prstGeom>
+            <a:ln w="12700">
+              <a:solidFill>
+                <a:srgbClr val="B0D2D3"/>
+              </a:solidFill>
+            </a:ln>
+          </p:spPr>
+          <p:style>
+            <a:lnRef idx="1">
+              <a:schemeClr val="accent1"/>
+            </a:lnRef>
+            <a:fillRef idx="0">
+              <a:schemeClr val="accent1"/>
+            </a:fillRef>
+            <a:effectRef idx="0">
+              <a:schemeClr val="accent1"/>
+            </a:effectRef>
+            <a:fontRef idx="minor">
+              <a:schemeClr val="tx1"/>
+            </a:fontRef>
+          </p:style>
+        </p:cxnSp>
         <p:sp>
           <p:nvSpPr>
-            <p:cNvPr id="8" name="TextBox 7"/>
+            <p:cNvPr id="42" name="TextBox 41"/>
             <p:cNvSpPr txBox="1"/>
             <p:nvPr/>
           </p:nvSpPr>
           <p:spPr>
             <a:xfrm>
-              <a:off x="709468" y="346724"/>
-              <a:ext cx="1639103" cy="400110"/>
+              <a:off x="8157185" y="991761"/>
+              <a:ext cx="1659430" cy="276999"/>
             </a:xfrm>
             <a:prstGeom prst="rect">
               <a:avLst/>
@@ -20778,78 +21706,23 @@
             </a:bodyPr>
             <a:lstStyle/>
             <a:p>
-              <a:r>
-                <a:rPr lang="en-US" altLang="ko-KR" sz="2000" dirty="0">
-                  <a:ln>
-                    <a:solidFill>
-                      <a:schemeClr val="bg1">
-                        <a:alpha val="20000"/>
-                      </a:schemeClr>
-                    </a:solidFill>
-                  </a:ln>
-                  <a:solidFill>
-                    <a:schemeClr val="bg1"/>
-                  </a:solidFill>
-                  <a:latin typeface="타이포_쌍문동 B" panose="02020803020101020101" pitchFamily="18" charset="-127"/>
-                  <a:ea typeface="타이포_쌍문동 B" panose="02020803020101020101" pitchFamily="18" charset="-127"/>
-                </a:rPr>
-                <a:t>Trip Inside</a:t>
-              </a:r>
-              <a:endParaRPr lang="ko-KR" altLang="en-US" sz="2000" dirty="0">
-                <a:ln>
-                  <a:solidFill>
-                    <a:schemeClr val="bg1">
-                      <a:alpha val="20000"/>
-                    </a:schemeClr>
-                  </a:solidFill>
-                </a:ln>
-                <a:solidFill>
-                  <a:schemeClr val="bg1"/>
-                </a:solidFill>
-                <a:latin typeface="타이포_쌍문동 B" panose="02020803020101020101" pitchFamily="18" charset="-127"/>
-                <a:ea typeface="타이포_쌍문동 B" panose="02020803020101020101" pitchFamily="18" charset="-127"/>
-              </a:endParaRPr>
-            </a:p>
-          </p:txBody>
-        </p:sp>
-        <p:sp>
-          <p:nvSpPr>
-            <p:cNvPr id="9" name="TextBox 8"/>
-            <p:cNvSpPr txBox="1"/>
-            <p:nvPr/>
-          </p:nvSpPr>
-          <p:spPr>
-            <a:xfrm>
-              <a:off x="709468" y="692696"/>
-              <a:ext cx="1042273" cy="276999"/>
-            </a:xfrm>
-            <a:prstGeom prst="rect">
-              <a:avLst/>
-            </a:prstGeom>
-            <a:noFill/>
-          </p:spPr>
-          <p:txBody>
-            <a:bodyPr wrap="none" rtlCol="0">
-              <a:spAutoFit/>
-            </a:bodyPr>
-            <a:lstStyle/>
-            <a:p>
+              <a:pPr algn="r"/>
               <a:r>
                 <a:rPr lang="ko-KR" altLang="en-US" sz="1200" dirty="0">
                   <a:ln>
                     <a:solidFill>
-                      <a:schemeClr val="bg1">
-                        <a:alpha val="20000"/>
-                      </a:schemeClr>
-                    </a:solidFill>
-                  </a:ln>
-                  <a:solidFill>
-                    <a:schemeClr val="bg1"/>
+                      <a:srgbClr val="B0D2D3">
+                        <a:alpha val="20000"/>
+                      </a:srgbClr>
+                    </a:solidFill>
+                  </a:ln>
+                  <a:solidFill>
+                    <a:srgbClr val="B0D2D3"/>
                   </a:solidFill>
                   <a:latin typeface="배달의민족 주아" panose="02020603020101020101" pitchFamily="18" charset="-127"/>
                   <a:ea typeface="배달의민족 주아" panose="02020603020101020101" pitchFamily="18" charset="-127"/>
                 </a:rPr>
-                <a:t>주제 선정 배경 </a:t>
+                <a:t>멀티캠퍼스 교육 프로그램 </a:t>
               </a:r>
             </a:p>
           </p:txBody>
@@ -20857,866 +21730,10 @@
       </p:grpSp>
       <p:sp>
         <p:nvSpPr>
-          <p:cNvPr id="20" name="TextBox 19"/>
-          <p:cNvSpPr txBox="1"/>
-          <p:nvPr/>
-        </p:nvSpPr>
-        <p:spPr>
-          <a:xfrm>
-            <a:off x="2541180" y="1412776"/>
-            <a:ext cx="7109639" cy="1138773"/>
-          </a:xfrm>
-          <a:prstGeom prst="rect">
-            <a:avLst/>
-          </a:prstGeom>
-          <a:noFill/>
-        </p:spPr>
-        <p:txBody>
-          <a:bodyPr wrap="none" rtlCol="0">
-            <a:spAutoFit/>
-          </a:bodyPr>
-          <a:lstStyle/>
-          <a:p>
-            <a:pPr algn="ctr"/>
-            <a:r>
-              <a:rPr lang="ko-KR" altLang="en-US" sz="2400" dirty="0">
-                <a:ln>
-                  <a:solidFill>
-                    <a:srgbClr val="00547A">
-                      <a:alpha val="20000"/>
-                    </a:srgbClr>
-                  </a:solidFill>
-                </a:ln>
-                <a:solidFill>
-                  <a:srgbClr val="00547A"/>
-                </a:solidFill>
-                <a:latin typeface="타이포_쌍문동 B" panose="02020803020101020101" pitchFamily="18" charset="-127"/>
-                <a:ea typeface="타이포_쌍문동 B" panose="02020803020101020101" pitchFamily="18" charset="-127"/>
-              </a:rPr>
-              <a:t>주제 선정 배경 </a:t>
-            </a:r>
-            <a:endParaRPr lang="en-US" altLang="ko-KR" sz="2400" dirty="0">
-              <a:ln>
-                <a:solidFill>
-                  <a:srgbClr val="00547A">
-                    <a:alpha val="20000"/>
-                  </a:srgbClr>
-                </a:solidFill>
-              </a:ln>
-              <a:solidFill>
-                <a:srgbClr val="00547A"/>
-              </a:solidFill>
-              <a:latin typeface="타이포_쌍문동 B" panose="02020803020101020101" pitchFamily="18" charset="-127"/>
-              <a:ea typeface="타이포_쌍문동 B" panose="02020803020101020101" pitchFamily="18" charset="-127"/>
-            </a:endParaRPr>
-          </a:p>
-          <a:p>
-            <a:pPr algn="ctr"/>
-            <a:endParaRPr lang="en-US" altLang="ko-KR" sz="2400" dirty="0">
-              <a:ln>
-                <a:solidFill>
-                  <a:srgbClr val="00547A">
-                    <a:alpha val="20000"/>
-                  </a:srgbClr>
-                </a:solidFill>
-              </a:ln>
-              <a:solidFill>
-                <a:srgbClr val="00547A"/>
-              </a:solidFill>
-              <a:latin typeface="타이포_쌍문동 B" panose="02020803020101020101" pitchFamily="18" charset="-127"/>
-              <a:ea typeface="타이포_쌍문동 B" panose="02020803020101020101" pitchFamily="18" charset="-127"/>
-            </a:endParaRPr>
-          </a:p>
-          <a:p>
-            <a:pPr algn="ctr"/>
-            <a:r>
-              <a:rPr lang="en-US" altLang="ko-KR" sz="2000" dirty="0">
-                <a:ln>
-                  <a:solidFill>
-                    <a:srgbClr val="00547A">
-                      <a:alpha val="20000"/>
-                    </a:srgbClr>
-                  </a:solidFill>
-                </a:ln>
-                <a:solidFill>
-                  <a:srgbClr val="00547A"/>
-                </a:solidFill>
-                <a:latin typeface="타이포_쌍문동 B" panose="02020803020101020101" pitchFamily="18" charset="-127"/>
-                <a:ea typeface="타이포_쌍문동 B" panose="02020803020101020101" pitchFamily="18" charset="-127"/>
-              </a:rPr>
-              <a:t> </a:t>
-            </a:r>
-            <a:r>
-              <a:rPr lang="ko-KR" altLang="en-US" sz="2000" dirty="0">
-                <a:ln>
-                  <a:solidFill>
-                    <a:srgbClr val="00547A">
-                      <a:alpha val="20000"/>
-                    </a:srgbClr>
-                  </a:solidFill>
-                </a:ln>
-                <a:solidFill>
-                  <a:srgbClr val="00547A"/>
-                </a:solidFill>
-                <a:latin typeface="타이포_쌍문동 B" panose="02020803020101020101" pitchFamily="18" charset="-127"/>
-                <a:ea typeface="타이포_쌍문동 B" panose="02020803020101020101" pitchFamily="18" charset="-127"/>
-              </a:rPr>
-              <a:t>일본 불매 운동의 여파로 여행객들을 위한 국내 여행지 추천 </a:t>
-            </a:r>
-          </a:p>
-        </p:txBody>
-      </p:sp>
-      <p:sp>
-        <p:nvSpPr>
-          <p:cNvPr id="21" name="TextBox 20"/>
-          <p:cNvSpPr txBox="1"/>
-          <p:nvPr/>
-        </p:nvSpPr>
-        <p:spPr>
-          <a:xfrm>
-            <a:off x="6078217" y="3125552"/>
-            <a:ext cx="5472608" cy="3046988"/>
-          </a:xfrm>
-          <a:prstGeom prst="rect">
-            <a:avLst/>
-          </a:prstGeom>
-          <a:noFill/>
-        </p:spPr>
-        <p:txBody>
-          <a:bodyPr wrap="square" rtlCol="0">
-            <a:spAutoFit/>
-          </a:bodyPr>
-          <a:lstStyle/>
-          <a:p>
-            <a:pPr algn="just"/>
-            <a:r>
-              <a:rPr lang="en-US" altLang="ko-KR" sz="1600" dirty="0">
-                <a:ln>
-                  <a:solidFill>
-                    <a:schemeClr val="tx1">
-                      <a:lumMod val="75000"/>
-                      <a:lumOff val="25000"/>
-                      <a:alpha val="20000"/>
-                    </a:schemeClr>
-                  </a:solidFill>
-                </a:ln>
-                <a:solidFill>
-                  <a:schemeClr val="tx1">
-                    <a:lumMod val="75000"/>
-                    <a:lumOff val="25000"/>
-                  </a:schemeClr>
-                </a:solidFill>
-                <a:latin typeface="배달의민족 주아" panose="02020603020101020101" pitchFamily="18" charset="-127"/>
-                <a:ea typeface="배달의민족 주아" panose="02020603020101020101" pitchFamily="18" charset="-127"/>
-              </a:rPr>
-              <a:t>2019</a:t>
-            </a:r>
-            <a:r>
-              <a:rPr lang="ko-KR" altLang="en-US" sz="1600" dirty="0">
-                <a:ln>
-                  <a:solidFill>
-                    <a:schemeClr val="tx1">
-                      <a:lumMod val="75000"/>
-                      <a:lumOff val="25000"/>
-                      <a:alpha val="20000"/>
-                    </a:schemeClr>
-                  </a:solidFill>
-                </a:ln>
-                <a:solidFill>
-                  <a:schemeClr val="tx1">
-                    <a:lumMod val="75000"/>
-                    <a:lumOff val="25000"/>
-                  </a:schemeClr>
-                </a:solidFill>
-                <a:latin typeface="배달의민족 주아" panose="02020603020101020101" pitchFamily="18" charset="-127"/>
-                <a:ea typeface="배달의민족 주아" panose="02020603020101020101" pitchFamily="18" charset="-127"/>
-              </a:rPr>
-              <a:t>년 </a:t>
-            </a:r>
-            <a:r>
-              <a:rPr lang="en-US" altLang="ko-KR" sz="1600" dirty="0">
-                <a:ln>
-                  <a:solidFill>
-                    <a:schemeClr val="tx1">
-                      <a:lumMod val="75000"/>
-                      <a:lumOff val="25000"/>
-                      <a:alpha val="20000"/>
-                    </a:schemeClr>
-                  </a:solidFill>
-                </a:ln>
-                <a:solidFill>
-                  <a:schemeClr val="tx1">
-                    <a:lumMod val="75000"/>
-                    <a:lumOff val="25000"/>
-                  </a:schemeClr>
-                </a:solidFill>
-                <a:latin typeface="배달의민족 주아" panose="02020603020101020101" pitchFamily="18" charset="-127"/>
-                <a:ea typeface="배달의민족 주아" panose="02020603020101020101" pitchFamily="18" charset="-127"/>
-              </a:rPr>
-              <a:t>7</a:t>
-            </a:r>
-            <a:r>
-              <a:rPr lang="ko-KR" altLang="en-US" sz="1600" dirty="0">
-                <a:ln>
-                  <a:solidFill>
-                    <a:schemeClr val="tx1">
-                      <a:lumMod val="75000"/>
-                      <a:lumOff val="25000"/>
-                      <a:alpha val="20000"/>
-                    </a:schemeClr>
-                  </a:solidFill>
-                </a:ln>
-                <a:solidFill>
-                  <a:schemeClr val="tx1">
-                    <a:lumMod val="75000"/>
-                    <a:lumOff val="25000"/>
-                  </a:schemeClr>
-                </a:solidFill>
-                <a:latin typeface="배달의민족 주아" panose="02020603020101020101" pitchFamily="18" charset="-127"/>
-                <a:ea typeface="배달의민족 주아" panose="02020603020101020101" pitchFamily="18" charset="-127"/>
-              </a:rPr>
-              <a:t>월</a:t>
-            </a:r>
-            <a:r>
-              <a:rPr lang="en-US" altLang="ko-KR" sz="1600" dirty="0">
-                <a:ln>
-                  <a:solidFill>
-                    <a:schemeClr val="tx1">
-                      <a:lumMod val="75000"/>
-                      <a:lumOff val="25000"/>
-                      <a:alpha val="20000"/>
-                    </a:schemeClr>
-                  </a:solidFill>
-                </a:ln>
-                <a:solidFill>
-                  <a:schemeClr val="tx1">
-                    <a:lumMod val="75000"/>
-                    <a:lumOff val="25000"/>
-                  </a:schemeClr>
-                </a:solidFill>
-                <a:latin typeface="배달의민족 주아" panose="02020603020101020101" pitchFamily="18" charset="-127"/>
-                <a:ea typeface="배달의민족 주아" panose="02020603020101020101" pitchFamily="18" charset="-127"/>
-              </a:rPr>
-              <a:t>, </a:t>
-            </a:r>
-            <a:r>
-              <a:rPr lang="ko-KR" altLang="en-US" sz="1600" dirty="0">
-                <a:ln>
-                  <a:solidFill>
-                    <a:schemeClr val="tx1">
-                      <a:lumMod val="75000"/>
-                      <a:lumOff val="25000"/>
-                      <a:alpha val="20000"/>
-                    </a:schemeClr>
-                  </a:solidFill>
-                </a:ln>
-                <a:solidFill>
-                  <a:schemeClr val="tx1">
-                    <a:lumMod val="75000"/>
-                    <a:lumOff val="25000"/>
-                  </a:schemeClr>
-                </a:solidFill>
-                <a:latin typeface="배달의민족 주아" panose="02020603020101020101" pitchFamily="18" charset="-127"/>
-                <a:ea typeface="배달의민족 주아" panose="02020603020101020101" pitchFamily="18" charset="-127"/>
-              </a:rPr>
-              <a:t>일본이 반도체 수출 규제를 실시하였습니다</a:t>
-            </a:r>
-            <a:r>
-              <a:rPr lang="en-US" altLang="ko-KR" sz="1600" dirty="0">
-                <a:ln>
-                  <a:solidFill>
-                    <a:schemeClr val="tx1">
-                      <a:lumMod val="75000"/>
-                      <a:lumOff val="25000"/>
-                      <a:alpha val="20000"/>
-                    </a:schemeClr>
-                  </a:solidFill>
-                </a:ln>
-                <a:solidFill>
-                  <a:schemeClr val="tx1">
-                    <a:lumMod val="75000"/>
-                    <a:lumOff val="25000"/>
-                  </a:schemeClr>
-                </a:solidFill>
-                <a:latin typeface="배달의민족 주아" panose="02020603020101020101" pitchFamily="18" charset="-127"/>
-                <a:ea typeface="배달의민족 주아" panose="02020603020101020101" pitchFamily="18" charset="-127"/>
-              </a:rPr>
-              <a:t>. </a:t>
-            </a:r>
-          </a:p>
-          <a:p>
-            <a:pPr algn="just"/>
-            <a:endParaRPr lang="en-US" altLang="ko-KR" sz="1600" dirty="0">
-              <a:ln>
-                <a:solidFill>
-                  <a:schemeClr val="tx1">
-                    <a:lumMod val="75000"/>
-                    <a:lumOff val="25000"/>
-                    <a:alpha val="20000"/>
-                  </a:schemeClr>
-                </a:solidFill>
-              </a:ln>
-              <a:solidFill>
-                <a:schemeClr val="tx1">
-                  <a:lumMod val="75000"/>
-                  <a:lumOff val="25000"/>
-                </a:schemeClr>
-              </a:solidFill>
-              <a:latin typeface="배달의민족 주아" panose="02020603020101020101" pitchFamily="18" charset="-127"/>
-              <a:ea typeface="배달의민족 주아" panose="02020603020101020101" pitchFamily="18" charset="-127"/>
-            </a:endParaRPr>
-          </a:p>
-          <a:p>
-            <a:pPr algn="just"/>
-            <a:r>
-              <a:rPr lang="ko-KR" altLang="en-US" sz="1600" dirty="0">
-                <a:ln>
-                  <a:solidFill>
-                    <a:schemeClr val="tx1">
-                      <a:lumMod val="75000"/>
-                      <a:lumOff val="25000"/>
-                      <a:alpha val="20000"/>
-                    </a:schemeClr>
-                  </a:solidFill>
-                </a:ln>
-                <a:solidFill>
-                  <a:schemeClr val="tx1">
-                    <a:lumMod val="75000"/>
-                    <a:lumOff val="25000"/>
-                  </a:schemeClr>
-                </a:solidFill>
-                <a:latin typeface="배달의민족 주아" panose="02020603020101020101" pitchFamily="18" charset="-127"/>
-                <a:ea typeface="배달의민족 주아" panose="02020603020101020101" pitchFamily="18" charset="-127"/>
-              </a:rPr>
-              <a:t>이에 반발하여 일본 대신 국내 여행으로 지역경제에 힘을 보태고자하는 여론이 형성되었습니다</a:t>
-            </a:r>
-            <a:r>
-              <a:rPr lang="en-US" altLang="ko-KR" sz="1600" dirty="0">
-                <a:ln>
-                  <a:solidFill>
-                    <a:schemeClr val="tx1">
-                      <a:lumMod val="75000"/>
-                      <a:lumOff val="25000"/>
-                      <a:alpha val="20000"/>
-                    </a:schemeClr>
-                  </a:solidFill>
-                </a:ln>
-                <a:solidFill>
-                  <a:schemeClr val="tx1">
-                    <a:lumMod val="75000"/>
-                    <a:lumOff val="25000"/>
-                  </a:schemeClr>
-                </a:solidFill>
-                <a:latin typeface="배달의민족 주아" panose="02020603020101020101" pitchFamily="18" charset="-127"/>
-                <a:ea typeface="배달의민족 주아" panose="02020603020101020101" pitchFamily="18" charset="-127"/>
-              </a:rPr>
-              <a:t>.</a:t>
-            </a:r>
-          </a:p>
-          <a:p>
-            <a:pPr algn="just"/>
-            <a:endParaRPr lang="en-US" altLang="ko-KR" sz="1600" dirty="0">
-              <a:ln>
-                <a:solidFill>
-                  <a:schemeClr val="tx1">
-                    <a:lumMod val="75000"/>
-                    <a:lumOff val="25000"/>
-                    <a:alpha val="20000"/>
-                  </a:schemeClr>
-                </a:solidFill>
-              </a:ln>
-              <a:solidFill>
-                <a:schemeClr val="tx1">
-                  <a:lumMod val="75000"/>
-                  <a:lumOff val="25000"/>
-                </a:schemeClr>
-              </a:solidFill>
-              <a:latin typeface="배달의민족 주아" panose="02020603020101020101" pitchFamily="18" charset="-127"/>
-              <a:ea typeface="배달의민족 주아" panose="02020603020101020101" pitchFamily="18" charset="-127"/>
-            </a:endParaRPr>
-          </a:p>
-          <a:p>
-            <a:pPr algn="just"/>
-            <a:r>
-              <a:rPr lang="en-US" altLang="ko-KR" sz="1600" dirty="0">
-                <a:ln>
-                  <a:solidFill>
-                    <a:schemeClr val="tx1">
-                      <a:lumMod val="75000"/>
-                      <a:lumOff val="25000"/>
-                      <a:alpha val="20000"/>
-                    </a:schemeClr>
-                  </a:solidFill>
-                </a:ln>
-                <a:solidFill>
-                  <a:schemeClr val="tx1">
-                    <a:lumMod val="75000"/>
-                    <a:lumOff val="25000"/>
-                  </a:schemeClr>
-                </a:solidFill>
-                <a:latin typeface="배달의민족 주아" panose="02020603020101020101" pitchFamily="18" charset="-127"/>
-                <a:ea typeface="배달의민족 주아" panose="02020603020101020101" pitchFamily="18" charset="-127"/>
-              </a:rPr>
-              <a:t>7</a:t>
-            </a:r>
-            <a:r>
-              <a:rPr lang="ko-KR" altLang="en-US" sz="1600" dirty="0">
-                <a:ln>
-                  <a:solidFill>
-                    <a:schemeClr val="tx1">
-                      <a:lumMod val="75000"/>
-                      <a:lumOff val="25000"/>
-                      <a:alpha val="20000"/>
-                    </a:schemeClr>
-                  </a:solidFill>
-                </a:ln>
-                <a:solidFill>
-                  <a:schemeClr val="tx1">
-                    <a:lumMod val="75000"/>
-                    <a:lumOff val="25000"/>
-                  </a:schemeClr>
-                </a:solidFill>
-                <a:latin typeface="배달의민족 주아" panose="02020603020101020101" pitchFamily="18" charset="-127"/>
-                <a:ea typeface="배달의민족 주아" panose="02020603020101020101" pitchFamily="18" charset="-127"/>
-              </a:rPr>
-              <a:t>월에는 미리 일본 여행을 예약했던 사람들이 어쩔 수 없었지만 </a:t>
-            </a:r>
-            <a:r>
-              <a:rPr lang="en-US" altLang="ko-KR" sz="1600" dirty="0">
-                <a:ln>
-                  <a:solidFill>
-                    <a:schemeClr val="tx1">
-                      <a:lumMod val="75000"/>
-                      <a:lumOff val="25000"/>
-                      <a:alpha val="20000"/>
-                    </a:schemeClr>
-                  </a:solidFill>
-                </a:ln>
-                <a:solidFill>
-                  <a:schemeClr val="tx1">
-                    <a:lumMod val="75000"/>
-                    <a:lumOff val="25000"/>
-                  </a:schemeClr>
-                </a:solidFill>
-                <a:latin typeface="배달의민족 주아" panose="02020603020101020101" pitchFamily="18" charset="-127"/>
-                <a:ea typeface="배달의민족 주아" panose="02020603020101020101" pitchFamily="18" charset="-127"/>
-              </a:rPr>
-              <a:t>8</a:t>
-            </a:r>
-            <a:r>
-              <a:rPr lang="ko-KR" altLang="en-US" sz="1600" dirty="0">
-                <a:ln>
-                  <a:solidFill>
-                    <a:schemeClr val="tx1">
-                      <a:lumMod val="75000"/>
-                      <a:lumOff val="25000"/>
-                      <a:alpha val="20000"/>
-                    </a:schemeClr>
-                  </a:solidFill>
-                </a:ln>
-                <a:solidFill>
-                  <a:schemeClr val="tx1">
-                    <a:lumMod val="75000"/>
-                    <a:lumOff val="25000"/>
-                  </a:schemeClr>
-                </a:solidFill>
-                <a:latin typeface="배달의민족 주아" panose="02020603020101020101" pitchFamily="18" charset="-127"/>
-                <a:ea typeface="배달의민족 주아" panose="02020603020101020101" pitchFamily="18" charset="-127"/>
-              </a:rPr>
-              <a:t>월에는 확실한 일본 여행객 감소가 예상된다는 뉴스가 나오고 있습니다</a:t>
-            </a:r>
-            <a:r>
-              <a:rPr lang="en-US" altLang="ko-KR" sz="1600" dirty="0">
-                <a:ln>
-                  <a:solidFill>
-                    <a:schemeClr val="tx1">
-                      <a:lumMod val="75000"/>
-                      <a:lumOff val="25000"/>
-                      <a:alpha val="20000"/>
-                    </a:schemeClr>
-                  </a:solidFill>
-                </a:ln>
-                <a:solidFill>
-                  <a:schemeClr val="tx1">
-                    <a:lumMod val="75000"/>
-                    <a:lumOff val="25000"/>
-                  </a:schemeClr>
-                </a:solidFill>
-                <a:latin typeface="배달의민족 주아" panose="02020603020101020101" pitchFamily="18" charset="-127"/>
-                <a:ea typeface="배달의민족 주아" panose="02020603020101020101" pitchFamily="18" charset="-127"/>
-              </a:rPr>
-              <a:t>.</a:t>
-            </a:r>
-          </a:p>
-          <a:p>
-            <a:pPr algn="just"/>
-            <a:r>
-              <a:rPr lang="en-US" altLang="ko-KR" sz="1600" dirty="0">
-                <a:ln>
-                  <a:solidFill>
-                    <a:schemeClr val="tx1">
-                      <a:lumMod val="75000"/>
-                      <a:lumOff val="25000"/>
-                      <a:alpha val="20000"/>
-                    </a:schemeClr>
-                  </a:solidFill>
-                </a:ln>
-                <a:solidFill>
-                  <a:schemeClr val="tx1">
-                    <a:lumMod val="75000"/>
-                    <a:lumOff val="25000"/>
-                  </a:schemeClr>
-                </a:solidFill>
-                <a:latin typeface="배달의민족 주아" panose="02020603020101020101" pitchFamily="18" charset="-127"/>
-                <a:ea typeface="배달의민족 주아" panose="02020603020101020101" pitchFamily="18" charset="-127"/>
-              </a:rPr>
-              <a:t> </a:t>
-            </a:r>
-          </a:p>
-          <a:p>
-            <a:pPr algn="just"/>
-            <a:r>
-              <a:rPr lang="en-US" altLang="ko-KR" sz="1600" dirty="0">
-                <a:ln>
-                  <a:solidFill>
-                    <a:schemeClr val="tx1">
-                      <a:lumMod val="75000"/>
-                      <a:lumOff val="25000"/>
-                      <a:alpha val="20000"/>
-                    </a:schemeClr>
-                  </a:solidFill>
-                </a:ln>
-                <a:solidFill>
-                  <a:schemeClr val="tx1">
-                    <a:lumMod val="75000"/>
-                    <a:lumOff val="25000"/>
-                  </a:schemeClr>
-                </a:solidFill>
-                <a:latin typeface="배달의민족 주아" panose="02020603020101020101" pitchFamily="18" charset="-127"/>
-                <a:ea typeface="배달의민족 주아" panose="02020603020101020101" pitchFamily="18" charset="-127"/>
-              </a:rPr>
-              <a:t>KOSIS </a:t>
-            </a:r>
-            <a:r>
-              <a:rPr lang="ko-KR" altLang="en-US" sz="1600" dirty="0">
-                <a:ln>
-                  <a:solidFill>
-                    <a:schemeClr val="tx1">
-                      <a:lumMod val="75000"/>
-                      <a:lumOff val="25000"/>
-                      <a:alpha val="20000"/>
-                    </a:schemeClr>
-                  </a:solidFill>
-                </a:ln>
-                <a:solidFill>
-                  <a:schemeClr val="tx1">
-                    <a:lumMod val="75000"/>
-                    <a:lumOff val="25000"/>
-                  </a:schemeClr>
-                </a:solidFill>
-                <a:latin typeface="배달의민족 주아" panose="02020603020101020101" pitchFamily="18" charset="-127"/>
-                <a:ea typeface="배달의민족 주아" panose="02020603020101020101" pitchFamily="18" charset="-127"/>
-              </a:rPr>
-              <a:t>국가통계포털에서 제공한 </a:t>
-            </a:r>
-            <a:r>
-              <a:rPr lang="en-US" altLang="ko-KR" sz="1600" dirty="0">
-                <a:ln>
-                  <a:solidFill>
-                    <a:schemeClr val="tx1">
-                      <a:lumMod val="75000"/>
-                      <a:lumOff val="25000"/>
-                      <a:alpha val="20000"/>
-                    </a:schemeClr>
-                  </a:solidFill>
-                </a:ln>
-                <a:solidFill>
-                  <a:schemeClr val="tx1">
-                    <a:lumMod val="75000"/>
-                    <a:lumOff val="25000"/>
-                  </a:schemeClr>
-                </a:solidFill>
-                <a:latin typeface="배달의민족 주아" panose="02020603020101020101" pitchFamily="18" charset="-127"/>
-                <a:ea typeface="배달의민족 주아" panose="02020603020101020101" pitchFamily="18" charset="-127"/>
-              </a:rPr>
-              <a:t>2014-2017</a:t>
-            </a:r>
-            <a:r>
-              <a:rPr lang="ko-KR" altLang="en-US" sz="1600" dirty="0">
-                <a:ln>
-                  <a:solidFill>
-                    <a:schemeClr val="tx1">
-                      <a:lumMod val="75000"/>
-                      <a:lumOff val="25000"/>
-                      <a:alpha val="20000"/>
-                    </a:schemeClr>
-                  </a:solidFill>
-                </a:ln>
-                <a:solidFill>
-                  <a:schemeClr val="tx1">
-                    <a:lumMod val="75000"/>
-                    <a:lumOff val="25000"/>
-                  </a:schemeClr>
-                </a:solidFill>
-                <a:latin typeface="배달의민족 주아" panose="02020603020101020101" pitchFamily="18" charset="-127"/>
-                <a:ea typeface="배달의민족 주아" panose="02020603020101020101" pitchFamily="18" charset="-127"/>
-              </a:rPr>
-              <a:t>년까지의 여행관련 만족도</a:t>
-            </a:r>
-            <a:r>
-              <a:rPr lang="en-US" altLang="ko-KR" sz="1600" dirty="0">
-                <a:ln>
-                  <a:solidFill>
-                    <a:schemeClr val="tx1">
-                      <a:lumMod val="75000"/>
-                      <a:lumOff val="25000"/>
-                      <a:alpha val="20000"/>
-                    </a:schemeClr>
-                  </a:solidFill>
-                </a:ln>
-                <a:solidFill>
-                  <a:schemeClr val="tx1">
-                    <a:lumMod val="75000"/>
-                    <a:lumOff val="25000"/>
-                  </a:schemeClr>
-                </a:solidFill>
-                <a:latin typeface="배달의민족 주아" panose="02020603020101020101" pitchFamily="18" charset="-127"/>
-                <a:ea typeface="배달의민족 주아" panose="02020603020101020101" pitchFamily="18" charset="-127"/>
-              </a:rPr>
-              <a:t>, </a:t>
-            </a:r>
-            <a:r>
-              <a:rPr lang="ko-KR" altLang="en-US" sz="1600" dirty="0">
-                <a:ln>
-                  <a:solidFill>
-                    <a:schemeClr val="tx1">
-                      <a:lumMod val="75000"/>
-                      <a:lumOff val="25000"/>
-                      <a:alpha val="20000"/>
-                    </a:schemeClr>
-                  </a:solidFill>
-                </a:ln>
-                <a:solidFill>
-                  <a:schemeClr val="tx1">
-                    <a:lumMod val="75000"/>
-                    <a:lumOff val="25000"/>
-                  </a:schemeClr>
-                </a:solidFill>
-                <a:latin typeface="배달의민족 주아" panose="02020603020101020101" pitchFamily="18" charset="-127"/>
-                <a:ea typeface="배달의민족 주아" panose="02020603020101020101" pitchFamily="18" charset="-127"/>
-              </a:rPr>
-              <a:t>관광객 수 누적데이터를 분석하여 국내 여행객들을 위한 </a:t>
-            </a:r>
-            <a:r>
-              <a:rPr lang="ko-KR" altLang="en-US" sz="1600" dirty="0" err="1">
-                <a:ln>
-                  <a:solidFill>
-                    <a:schemeClr val="tx1">
-                      <a:lumMod val="75000"/>
-                      <a:lumOff val="25000"/>
-                      <a:alpha val="20000"/>
-                    </a:schemeClr>
-                  </a:solidFill>
-                </a:ln>
-                <a:solidFill>
-                  <a:schemeClr val="tx1">
-                    <a:lumMod val="75000"/>
-                    <a:lumOff val="25000"/>
-                  </a:schemeClr>
-                </a:solidFill>
-                <a:latin typeface="배달의민족 주아" panose="02020603020101020101" pitchFamily="18" charset="-127"/>
-                <a:ea typeface="배달의민족 주아" panose="02020603020101020101" pitchFamily="18" charset="-127"/>
-              </a:rPr>
-              <a:t>추천지를</a:t>
-            </a:r>
-            <a:r>
-              <a:rPr lang="ko-KR" altLang="en-US" sz="1600" dirty="0">
-                <a:ln>
-                  <a:solidFill>
-                    <a:schemeClr val="tx1">
-                      <a:lumMod val="75000"/>
-                      <a:lumOff val="25000"/>
-                      <a:alpha val="20000"/>
-                    </a:schemeClr>
-                  </a:solidFill>
-                </a:ln>
-                <a:solidFill>
-                  <a:schemeClr val="tx1">
-                    <a:lumMod val="75000"/>
-                    <a:lumOff val="25000"/>
-                  </a:schemeClr>
-                </a:solidFill>
-                <a:latin typeface="배달의민족 주아" panose="02020603020101020101" pitchFamily="18" charset="-127"/>
-                <a:ea typeface="배달의민족 주아" panose="02020603020101020101" pitchFamily="18" charset="-127"/>
-              </a:rPr>
-              <a:t> 제공하고자 합니다</a:t>
-            </a:r>
-            <a:r>
-              <a:rPr lang="en-US" altLang="ko-KR" sz="1600" dirty="0">
-                <a:ln>
-                  <a:solidFill>
-                    <a:schemeClr val="tx1">
-                      <a:lumMod val="75000"/>
-                      <a:lumOff val="25000"/>
-                      <a:alpha val="20000"/>
-                    </a:schemeClr>
-                  </a:solidFill>
-                </a:ln>
-                <a:solidFill>
-                  <a:schemeClr val="tx1">
-                    <a:lumMod val="75000"/>
-                    <a:lumOff val="25000"/>
-                  </a:schemeClr>
-                </a:solidFill>
-                <a:latin typeface="배달의민족 주아" panose="02020603020101020101" pitchFamily="18" charset="-127"/>
-                <a:ea typeface="배달의민족 주아" panose="02020603020101020101" pitchFamily="18" charset="-127"/>
-              </a:rPr>
-              <a:t>. </a:t>
-            </a:r>
-            <a:r>
-              <a:rPr lang="ko-KR" altLang="en-US" sz="1600" dirty="0">
-                <a:ln>
-                  <a:solidFill>
-                    <a:schemeClr val="tx1">
-                      <a:lumMod val="75000"/>
-                      <a:lumOff val="25000"/>
-                      <a:alpha val="20000"/>
-                    </a:schemeClr>
-                  </a:solidFill>
-                </a:ln>
-                <a:solidFill>
-                  <a:schemeClr val="tx1">
-                    <a:lumMod val="75000"/>
-                    <a:lumOff val="25000"/>
-                  </a:schemeClr>
-                </a:solidFill>
-                <a:latin typeface="배달의민족 주아" panose="02020603020101020101" pitchFamily="18" charset="-127"/>
-                <a:ea typeface="배달의민족 주아" panose="02020603020101020101" pitchFamily="18" charset="-127"/>
-              </a:rPr>
-              <a:t> </a:t>
-            </a:r>
-            <a:endParaRPr lang="en-US" altLang="ko-KR" sz="1600" dirty="0">
-              <a:ln>
-                <a:solidFill>
-                  <a:schemeClr val="tx1">
-                    <a:lumMod val="75000"/>
-                    <a:lumOff val="25000"/>
-                    <a:alpha val="20000"/>
-                  </a:schemeClr>
-                </a:solidFill>
-              </a:ln>
-              <a:solidFill>
-                <a:schemeClr val="tx1">
-                  <a:lumMod val="75000"/>
-                  <a:lumOff val="25000"/>
-                </a:schemeClr>
-              </a:solidFill>
-              <a:latin typeface="배달의민족 주아" panose="02020603020101020101" pitchFamily="18" charset="-127"/>
-              <a:ea typeface="배달의민족 주아" panose="02020603020101020101" pitchFamily="18" charset="-127"/>
-            </a:endParaRPr>
-          </a:p>
-          <a:p>
-            <a:pPr algn="just"/>
-            <a:endParaRPr lang="en-US" altLang="ko-KR" sz="1600" dirty="0">
-              <a:ln>
-                <a:solidFill>
-                  <a:schemeClr val="tx1">
-                    <a:lumMod val="75000"/>
-                    <a:lumOff val="25000"/>
-                    <a:alpha val="20000"/>
-                  </a:schemeClr>
-                </a:solidFill>
-              </a:ln>
-              <a:solidFill>
-                <a:schemeClr val="tx1">
-                  <a:lumMod val="75000"/>
-                  <a:lumOff val="25000"/>
-                </a:schemeClr>
-              </a:solidFill>
-              <a:latin typeface="나눔고딕" panose="020D0604000000000000" pitchFamily="50" charset="-127"/>
-              <a:ea typeface="나눔고딕" panose="020D0604000000000000" pitchFamily="50" charset="-127"/>
-            </a:endParaRPr>
-          </a:p>
-        </p:txBody>
-      </p:sp>
-      <p:pic>
-        <p:nvPicPr>
-          <p:cNvPr id="3" name="그림 2"/>
-          <p:cNvPicPr>
-            <a:picLocks noChangeAspect="1"/>
-          </p:cNvPicPr>
-          <p:nvPr/>
-        </p:nvPicPr>
-        <p:blipFill>
-          <a:blip r:embed="rId3"/>
-          <a:stretch>
-            <a:fillRect/>
-          </a:stretch>
-        </p:blipFill>
-        <p:spPr>
-          <a:xfrm>
-            <a:off x="401005" y="3009596"/>
-            <a:ext cx="5514975" cy="1152525"/>
-          </a:xfrm>
-          <a:prstGeom prst="rect">
-            <a:avLst/>
-          </a:prstGeom>
-        </p:spPr>
-      </p:pic>
-      <p:pic>
-        <p:nvPicPr>
-          <p:cNvPr id="5" name="그림 4"/>
-          <p:cNvPicPr>
-            <a:picLocks noChangeAspect="1"/>
-          </p:cNvPicPr>
-          <p:nvPr/>
-        </p:nvPicPr>
-        <p:blipFill>
-          <a:blip r:embed="rId4"/>
-          <a:stretch>
-            <a:fillRect/>
-          </a:stretch>
-        </p:blipFill>
-        <p:spPr>
-          <a:xfrm>
-            <a:off x="401005" y="4210647"/>
-            <a:ext cx="5256584" cy="1171575"/>
-          </a:xfrm>
-          <a:prstGeom prst="rect">
-            <a:avLst/>
-          </a:prstGeom>
-        </p:spPr>
-      </p:pic>
-      <p:pic>
-        <p:nvPicPr>
-          <p:cNvPr id="15" name="그림 14"/>
-          <p:cNvPicPr>
-            <a:picLocks noChangeAspect="1"/>
-          </p:cNvPicPr>
-          <p:nvPr/>
-        </p:nvPicPr>
-        <p:blipFill>
-          <a:blip r:embed="rId5"/>
-          <a:stretch>
-            <a:fillRect/>
-          </a:stretch>
-        </p:blipFill>
-        <p:spPr>
-          <a:xfrm>
-            <a:off x="335360" y="5430748"/>
-            <a:ext cx="5112568" cy="1143000"/>
-          </a:xfrm>
-          <a:prstGeom prst="rect">
-            <a:avLst/>
-          </a:prstGeom>
-        </p:spPr>
-      </p:pic>
-      <p:sp>
-        <p:nvSpPr>
           <p:cNvPr id="2" name="슬라이드 번호 개체 틀 1">
             <a:extLst>
               <a:ext uri="{FF2B5EF4-FFF2-40B4-BE49-F238E27FC236}">
-                <a16:creationId xmlns:a16="http://schemas.microsoft.com/office/drawing/2014/main" id="{9E659DE9-1F9D-4BE5-9256-E91E62CC88EB}"/>
+                <a16:creationId xmlns:a16="http://schemas.microsoft.com/office/drawing/2014/main" id="{115F550A-2A17-4F6D-BBB4-E12BA2B0CEE6}"/>
               </a:ext>
             </a:extLst>
           </p:cNvPr>
@@ -21743,7 +21760,7 @@
     </p:spTree>
     <p:extLst>
       <p:ext uri="{BB962C8B-B14F-4D97-AF65-F5344CB8AC3E}">
-        <p14:creationId xmlns:p14="http://schemas.microsoft.com/office/powerpoint/2010/main" val="792662195"/>
+        <p14:creationId xmlns:p14="http://schemas.microsoft.com/office/powerpoint/2010/main" val="3308363908"/>
       </p:ext>
     </p:extLst>
   </p:cSld>
@@ -21925,7 +21942,7 @@
           <p:spPr>
             <a:xfrm>
               <a:off x="709468" y="692696"/>
-              <a:ext cx="1168910" cy="276999"/>
+              <a:ext cx="1401346" cy="276999"/>
             </a:xfrm>
             <a:prstGeom prst="rect">
               <a:avLst/>
@@ -21950,8 +21967,8 @@
                   <a:solidFill>
                     <a:schemeClr val="bg1"/>
                   </a:solidFill>
-                  <a:latin typeface="배달의민족 주아" panose="02020603020101020101" pitchFamily="18" charset="-127"/>
-                  <a:ea typeface="배달의민족 주아" panose="02020603020101020101" pitchFamily="18" charset="-127"/>
+                  <a:latin typeface="타이포_쌍문동 B" panose="02020803020101020101" pitchFamily="18" charset="-127"/>
+                  <a:ea typeface="타이포_쌍문동 B" panose="02020803020101020101" pitchFamily="18" charset="-127"/>
                 </a:rPr>
                 <a:t>데이터 선정 배경 </a:t>
               </a:r>
@@ -21966,8 +21983,8 @@
                 <a:solidFill>
                   <a:schemeClr val="bg1"/>
                 </a:solidFill>
-                <a:latin typeface="배달의민족 주아" panose="02020603020101020101" pitchFamily="18" charset="-127"/>
-                <a:ea typeface="배달의민족 주아" panose="02020603020101020101" pitchFamily="18" charset="-127"/>
+                <a:latin typeface="타이포_쌍문동 B" panose="02020803020101020101" pitchFamily="18" charset="-127"/>
+                <a:ea typeface="타이포_쌍문동 B" panose="02020803020101020101" pitchFamily="18" charset="-127"/>
               </a:endParaRPr>
             </a:p>
           </p:txBody>
@@ -23125,7 +23142,7 @@
           <p:spPr>
             <a:xfrm>
               <a:off x="709468" y="692696"/>
-              <a:ext cx="1132041" cy="276999"/>
+              <a:ext cx="1354858" cy="276999"/>
             </a:xfrm>
             <a:prstGeom prst="rect">
               <a:avLst/>
@@ -23150,8 +23167,8 @@
                   <a:solidFill>
                     <a:schemeClr val="bg1"/>
                   </a:solidFill>
-                  <a:latin typeface="배달의민족 주아" panose="02020603020101020101" pitchFamily="18" charset="-127"/>
-                  <a:ea typeface="배달의민족 주아" panose="02020603020101020101" pitchFamily="18" charset="-127"/>
+                  <a:latin typeface="타이포_쌍문동 B" panose="02020803020101020101" pitchFamily="18" charset="-127"/>
+                  <a:ea typeface="타이포_쌍문동 B" panose="02020803020101020101" pitchFamily="18" charset="-127"/>
                 </a:rPr>
                 <a:t>데이터 분석 계획</a:t>
               </a:r>
@@ -23166,8 +23183,8 @@
                 <a:solidFill>
                   <a:schemeClr val="bg1"/>
                 </a:solidFill>
-                <a:latin typeface="배달의민족 주아" panose="02020603020101020101" pitchFamily="18" charset="-127"/>
-                <a:ea typeface="배달의민족 주아" panose="02020603020101020101" pitchFamily="18" charset="-127"/>
+                <a:latin typeface="타이포_쌍문동 B" panose="02020803020101020101" pitchFamily="18" charset="-127"/>
+                <a:ea typeface="타이포_쌍문동 B" panose="02020803020101020101" pitchFamily="18" charset="-127"/>
               </a:endParaRPr>
             </a:p>
           </p:txBody>
@@ -23949,7 +23966,7 @@
                   <a:latin typeface="타이포_쌍문동 B" panose="02020803020101020101" pitchFamily="18" charset="-127"/>
                   <a:ea typeface="타이포_쌍문동 B" panose="02020803020101020101" pitchFamily="18" charset="-127"/>
                 </a:rPr>
-                <a:t>여행지 만족도 분석 </a:t>
+                <a:t>여행지 선호도 분석 </a:t>
               </a:r>
             </a:p>
           </p:txBody>
@@ -23963,7 +23980,7 @@
           <p:spPr>
             <a:xfrm>
               <a:off x="709468" y="692696"/>
-              <a:ext cx="1590500" cy="276999"/>
+              <a:ext cx="1846980" cy="276999"/>
             </a:xfrm>
             <a:prstGeom prst="rect">
               <a:avLst/>
@@ -23977,6 +23994,23 @@
             <a:lstStyle/>
             <a:p>
               <a:r>
+                <a:rPr lang="ko-KR" altLang="en-US" sz="1200" dirty="0">
+                  <a:ln>
+                    <a:solidFill>
+                      <a:schemeClr val="bg1">
+                        <a:alpha val="20000"/>
+                      </a:schemeClr>
+                    </a:solidFill>
+                  </a:ln>
+                  <a:solidFill>
+                    <a:schemeClr val="bg1"/>
+                  </a:solidFill>
+                  <a:latin typeface="타이포_쌍문동 B" panose="02020803020101020101" pitchFamily="18" charset="-127"/>
+                  <a:ea typeface="타이포_쌍문동 B" panose="02020803020101020101" pitchFamily="18" charset="-127"/>
+                </a:rPr>
+                <a:t>여행 만족도 분석 </a:t>
+              </a:r>
+              <a:r>
                 <a:rPr lang="en-US" altLang="ko-KR" sz="1200" dirty="0">
                   <a:ln>
                     <a:solidFill>
@@ -23988,10 +24022,10 @@
                   <a:solidFill>
                     <a:schemeClr val="bg1"/>
                   </a:solidFill>
-                  <a:latin typeface="배달의민족 주아" panose="02020603020101020101" pitchFamily="18" charset="-127"/>
-                  <a:ea typeface="배달의민족 주아" panose="02020603020101020101" pitchFamily="18" charset="-127"/>
-                </a:rPr>
-                <a:t> </a:t>
+                  <a:latin typeface="타이포_쌍문동 B" panose="02020803020101020101" pitchFamily="18" charset="-127"/>
+                  <a:ea typeface="타이포_쌍문동 B" panose="02020803020101020101" pitchFamily="18" charset="-127"/>
+                </a:rPr>
+                <a:t>- </a:t>
               </a:r>
               <a:r>
                 <a:rPr lang="ko-KR" altLang="en-US" sz="1200" dirty="0">
@@ -24005,44 +24039,10 @@
                   <a:solidFill>
                     <a:schemeClr val="bg1"/>
                   </a:solidFill>
-                  <a:latin typeface="배달의민족 주아" panose="02020603020101020101" pitchFamily="18" charset="-127"/>
-                  <a:ea typeface="배달의민족 주아" panose="02020603020101020101" pitchFamily="18" charset="-127"/>
-                </a:rPr>
-                <a:t>단체여행  </a:t>
-              </a:r>
-              <a:r>
-                <a:rPr lang="en-US" altLang="ko-KR" sz="1200" dirty="0">
-                  <a:ln>
-                    <a:solidFill>
-                      <a:schemeClr val="bg1">
-                        <a:alpha val="20000"/>
-                      </a:schemeClr>
-                    </a:solidFill>
-                  </a:ln>
-                  <a:solidFill>
-                    <a:schemeClr val="bg1"/>
-                  </a:solidFill>
-                  <a:latin typeface="배달의민족 주아" panose="02020603020101020101" pitchFamily="18" charset="-127"/>
-                  <a:ea typeface="배달의민족 주아" panose="02020603020101020101" pitchFamily="18" charset="-127"/>
-                </a:rPr>
-                <a:t>- </a:t>
-              </a:r>
-              <a:r>
-                <a:rPr lang="ko-KR" altLang="en-US" sz="1200" dirty="0">
-                  <a:ln>
-                    <a:solidFill>
-                      <a:schemeClr val="bg1">
-                        <a:alpha val="20000"/>
-                      </a:schemeClr>
-                    </a:solidFill>
-                  </a:ln>
-                  <a:solidFill>
-                    <a:schemeClr val="bg1"/>
-                  </a:solidFill>
-                  <a:latin typeface="배달의민족 주아" panose="02020603020101020101" pitchFamily="18" charset="-127"/>
-                  <a:ea typeface="배달의민족 주아" panose="02020603020101020101" pitchFamily="18" charset="-127"/>
-                </a:rPr>
-                <a:t>소득분위별</a:t>
+                  <a:latin typeface="타이포_쌍문동 B" panose="02020803020101020101" pitchFamily="18" charset="-127"/>
+                  <a:ea typeface="타이포_쌍문동 B" panose="02020803020101020101" pitchFamily="18" charset="-127"/>
+                </a:rPr>
+                <a:t>단체</a:t>
               </a:r>
               <a:endParaRPr lang="en-US" altLang="ko-KR" sz="1200" dirty="0">
                 <a:ln>
@@ -24055,8 +24055,8 @@
                 <a:solidFill>
                   <a:schemeClr val="bg1"/>
                 </a:solidFill>
-                <a:latin typeface="배달의민족 주아" panose="02020603020101020101" pitchFamily="18" charset="-127"/>
-                <a:ea typeface="배달의민족 주아" panose="02020603020101020101" pitchFamily="18" charset="-127"/>
+                <a:latin typeface="타이포_쌍문동 B" panose="02020803020101020101" pitchFamily="18" charset="-127"/>
+                <a:ea typeface="타이포_쌍문동 B" panose="02020803020101020101" pitchFamily="18" charset="-127"/>
               </a:endParaRPr>
             </a:p>
           </p:txBody>
@@ -26293,7 +26293,7 @@
                   <a:latin typeface="타이포_쌍문동 B" panose="02020803020101020101" pitchFamily="18" charset="-127"/>
                   <a:ea typeface="타이포_쌍문동 B" panose="02020803020101020101" pitchFamily="18" charset="-127"/>
                 </a:rPr>
-                <a:t>여행지 만족도 분석 </a:t>
+                <a:t>여행지 선호도 분석 </a:t>
               </a:r>
             </a:p>
           </p:txBody>
@@ -26307,7 +26307,7 @@
           <p:spPr>
             <a:xfrm>
               <a:off x="709468" y="692696"/>
-              <a:ext cx="1428596" cy="276999"/>
+              <a:ext cx="1851789" cy="276999"/>
             </a:xfrm>
             <a:prstGeom prst="rect">
               <a:avLst/>
@@ -26332,10 +26332,10 @@
                   <a:solidFill>
                     <a:schemeClr val="bg1"/>
                   </a:solidFill>
-                  <a:latin typeface="배달의민족 주아" panose="02020603020101020101" pitchFamily="18" charset="-127"/>
-                  <a:ea typeface="배달의민족 주아" panose="02020603020101020101" pitchFamily="18" charset="-127"/>
-                </a:rPr>
-                <a:t>단체여행 </a:t>
+                  <a:latin typeface="타이포_다방구 B" panose="02020503020101020101" pitchFamily="18" charset="-127"/>
+                  <a:ea typeface="타이포_다방구 B" panose="02020503020101020101" pitchFamily="18" charset="-127"/>
+                </a:rPr>
+                <a:t>여행 만족도 분석 </a:t>
               </a:r>
               <a:r>
                 <a:rPr lang="en-US" altLang="ko-KR" sz="1200" dirty="0">
@@ -26349,8 +26349,8 @@
                   <a:solidFill>
                     <a:schemeClr val="bg1"/>
                   </a:solidFill>
-                  <a:latin typeface="배달의민족 주아" panose="02020603020101020101" pitchFamily="18" charset="-127"/>
-                  <a:ea typeface="배달의민족 주아" panose="02020603020101020101" pitchFamily="18" charset="-127"/>
+                  <a:latin typeface="타이포_다방구 B" panose="02020503020101020101" pitchFamily="18" charset="-127"/>
+                  <a:ea typeface="타이포_다방구 B" panose="02020503020101020101" pitchFamily="18" charset="-127"/>
                 </a:rPr>
                 <a:t>- </a:t>
               </a:r>
@@ -26366,10 +26366,10 @@
                   <a:solidFill>
                     <a:schemeClr val="bg1"/>
                   </a:solidFill>
-                  <a:latin typeface="배달의민족 주아" panose="02020603020101020101" pitchFamily="18" charset="-127"/>
-                  <a:ea typeface="배달의민족 주아" panose="02020603020101020101" pitchFamily="18" charset="-127"/>
-                </a:rPr>
-                <a:t>인원수별 </a:t>
+                  <a:latin typeface="타이포_다방구 B" panose="02020503020101020101" pitchFamily="18" charset="-127"/>
+                  <a:ea typeface="타이포_다방구 B" panose="02020503020101020101" pitchFamily="18" charset="-127"/>
+                </a:rPr>
+                <a:t>단체</a:t>
               </a:r>
               <a:endParaRPr lang="en-US" altLang="ko-KR" sz="1200" dirty="0">
                 <a:ln>
@@ -26382,8 +26382,8 @@
                 <a:solidFill>
                   <a:schemeClr val="bg1"/>
                 </a:solidFill>
-                <a:latin typeface="배달의민족 주아" panose="02020603020101020101" pitchFamily="18" charset="-127"/>
-                <a:ea typeface="배달의민족 주아" panose="02020603020101020101" pitchFamily="18" charset="-127"/>
+                <a:latin typeface="타이포_다방구 B" panose="02020503020101020101" pitchFamily="18" charset="-127"/>
+                <a:ea typeface="타이포_다방구 B" panose="02020503020101020101" pitchFamily="18" charset="-127"/>
               </a:endParaRPr>
             </a:p>
           </p:txBody>
@@ -28722,7 +28722,7 @@
                   <a:latin typeface="타이포_쌍문동 B" panose="02020803020101020101" pitchFamily="18" charset="-127"/>
                   <a:ea typeface="타이포_쌍문동 B" panose="02020803020101020101" pitchFamily="18" charset="-127"/>
                 </a:rPr>
-                <a:t>여행지 만족도 분석 </a:t>
+                <a:t>여행지 선호도 분석 </a:t>
               </a:r>
             </a:p>
           </p:txBody>
@@ -28736,7 +28736,7 @@
           <p:spPr>
             <a:xfrm>
               <a:off x="709468" y="692696"/>
-              <a:ext cx="1130438" cy="276999"/>
+              <a:ext cx="1846980" cy="276999"/>
             </a:xfrm>
             <a:prstGeom prst="rect">
               <a:avLst/>
@@ -28761,10 +28761,10 @@
                   <a:solidFill>
                     <a:schemeClr val="bg1"/>
                   </a:solidFill>
-                  <a:latin typeface="배달의민족 주아" panose="02020603020101020101" pitchFamily="18" charset="-127"/>
-                  <a:ea typeface="배달의민족 주아" panose="02020603020101020101" pitchFamily="18" charset="-127"/>
-                </a:rPr>
-                <a:t>단체여행 </a:t>
+                  <a:latin typeface="타이포_쌍문동 B" panose="02020803020101020101" pitchFamily="18" charset="-127"/>
+                  <a:ea typeface="타이포_쌍문동 B" panose="02020803020101020101" pitchFamily="18" charset="-127"/>
+                </a:rPr>
+                <a:t>여행 만족도 분석 </a:t>
               </a:r>
               <a:r>
                 <a:rPr lang="en-US" altLang="ko-KR" sz="1200" dirty="0">
@@ -28778,8 +28778,8 @@
                   <a:solidFill>
                     <a:schemeClr val="bg1"/>
                   </a:solidFill>
-                  <a:latin typeface="배달의민족 주아" panose="02020603020101020101" pitchFamily="18" charset="-127"/>
-                  <a:ea typeface="배달의민족 주아" panose="02020603020101020101" pitchFamily="18" charset="-127"/>
+                  <a:latin typeface="타이포_쌍문동 B" panose="02020803020101020101" pitchFamily="18" charset="-127"/>
+                  <a:ea typeface="타이포_쌍문동 B" panose="02020803020101020101" pitchFamily="18" charset="-127"/>
                 </a:rPr>
                 <a:t>- </a:t>
               </a:r>
@@ -28795,10 +28795,10 @@
                   <a:solidFill>
                     <a:schemeClr val="bg1"/>
                   </a:solidFill>
-                  <a:latin typeface="배달의민족 주아" panose="02020603020101020101" pitchFamily="18" charset="-127"/>
-                  <a:ea typeface="배달의민족 주아" panose="02020603020101020101" pitchFamily="18" charset="-127"/>
-                </a:rPr>
-                <a:t>종합 </a:t>
+                  <a:latin typeface="타이포_쌍문동 B" panose="02020803020101020101" pitchFamily="18" charset="-127"/>
+                  <a:ea typeface="타이포_쌍문동 B" panose="02020803020101020101" pitchFamily="18" charset="-127"/>
+                </a:rPr>
+                <a:t>단체</a:t>
               </a:r>
               <a:endParaRPr lang="en-US" altLang="ko-KR" sz="1200" dirty="0">
                 <a:ln>
@@ -28811,8 +28811,8 @@
                 <a:solidFill>
                   <a:schemeClr val="bg1"/>
                 </a:solidFill>
-                <a:latin typeface="배달의민족 주아" panose="02020603020101020101" pitchFamily="18" charset="-127"/>
-                <a:ea typeface="배달의민족 주아" panose="02020603020101020101" pitchFamily="18" charset="-127"/>
+                <a:latin typeface="타이포_쌍문동 B" panose="02020803020101020101" pitchFamily="18" charset="-127"/>
+                <a:ea typeface="타이포_쌍문동 B" panose="02020803020101020101" pitchFamily="18" charset="-127"/>
               </a:endParaRPr>
             </a:p>
           </p:txBody>
@@ -29689,7 +29689,7 @@
                   <a:latin typeface="타이포_쌍문동 B" panose="02020803020101020101" pitchFamily="18" charset="-127"/>
                   <a:ea typeface="타이포_쌍문동 B" panose="02020803020101020101" pitchFamily="18" charset="-127"/>
                 </a:rPr>
-                <a:t>여행지 선호도 분석 </a:t>
+                <a:t>여행지 만족도 분석 </a:t>
               </a:r>
             </a:p>
           </p:txBody>
@@ -29703,7 +29703,7 @@
           <p:spPr>
             <a:xfrm>
               <a:off x="709468" y="692696"/>
-              <a:ext cx="2071401" cy="276999"/>
+              <a:ext cx="1846980" cy="276999"/>
             </a:xfrm>
             <a:prstGeom prst="rect">
               <a:avLst/>
@@ -29728,10 +29728,10 @@
                   <a:solidFill>
                     <a:schemeClr val="bg1"/>
                   </a:solidFill>
-                  <a:latin typeface="배달의민족 주아" panose="02020603020101020101" pitchFamily="18" charset="-127"/>
-                  <a:ea typeface="배달의민족 주아" panose="02020603020101020101" pitchFamily="18" charset="-127"/>
-                </a:rPr>
-                <a:t>여행지 만족도 분석  </a:t>
+                  <a:latin typeface="타이포_쌍문동 B" panose="02020803020101020101" pitchFamily="18" charset="-127"/>
+                  <a:ea typeface="타이포_쌍문동 B" panose="02020803020101020101" pitchFamily="18" charset="-127"/>
+                </a:rPr>
+                <a:t>여행 만족도 분석 </a:t>
               </a:r>
               <a:r>
                 <a:rPr lang="en-US" altLang="ko-KR" sz="1200" dirty="0">
@@ -29745,13 +29745,13 @@
                   <a:solidFill>
                     <a:schemeClr val="bg1"/>
                   </a:solidFill>
-                  <a:latin typeface="배달의민족 주아" panose="02020603020101020101" pitchFamily="18" charset="-127"/>
-                  <a:ea typeface="배달의민족 주아" panose="02020603020101020101" pitchFamily="18" charset="-127"/>
+                  <a:latin typeface="타이포_쌍문동 B" panose="02020803020101020101" pitchFamily="18" charset="-127"/>
+                  <a:ea typeface="타이포_쌍문동 B" panose="02020803020101020101" pitchFamily="18" charset="-127"/>
                 </a:rPr>
                 <a:t>- </a:t>
               </a:r>
               <a:r>
-                <a:rPr lang="ko-KR" altLang="en-US" sz="1200" dirty="0" err="1">
+                <a:rPr lang="ko-KR" altLang="en-US" sz="1200" dirty="0">
                   <a:ln>
                     <a:solidFill>
                       <a:schemeClr val="bg1">
@@ -29762,27 +29762,10 @@
                   <a:solidFill>
                     <a:schemeClr val="bg1"/>
                   </a:solidFill>
-                  <a:latin typeface="배달의민족 주아" panose="02020603020101020101" pitchFamily="18" charset="-127"/>
-                  <a:ea typeface="배달의민족 주아" panose="02020603020101020101" pitchFamily="18" charset="-127"/>
-                </a:rPr>
-                <a:t>개인여행</a:t>
-              </a:r>
-              <a:r>
-                <a:rPr lang="ko-KR" altLang="en-US" sz="1200" dirty="0">
-                  <a:ln>
-                    <a:solidFill>
-                      <a:schemeClr val="bg1">
-                        <a:alpha val="20000"/>
-                      </a:schemeClr>
-                    </a:solidFill>
-                  </a:ln>
-                  <a:solidFill>
-                    <a:schemeClr val="bg1"/>
-                  </a:solidFill>
-                  <a:latin typeface="배달의민족 주아" panose="02020603020101020101" pitchFamily="18" charset="-127"/>
-                  <a:ea typeface="배달의민족 주아" panose="02020603020101020101" pitchFamily="18" charset="-127"/>
-                </a:rPr>
-                <a:t>  </a:t>
+                  <a:latin typeface="타이포_쌍문동 B" panose="02020803020101020101" pitchFamily="18" charset="-127"/>
+                  <a:ea typeface="타이포_쌍문동 B" panose="02020803020101020101" pitchFamily="18" charset="-127"/>
+                </a:rPr>
+                <a:t>개인</a:t>
               </a:r>
               <a:endParaRPr lang="en-US" altLang="ko-KR" sz="1200" dirty="0">
                 <a:ln>
@@ -29795,8 +29778,8 @@
                 <a:solidFill>
                   <a:schemeClr val="bg1"/>
                 </a:solidFill>
-                <a:latin typeface="배달의민족 주아" panose="02020603020101020101" pitchFamily="18" charset="-127"/>
-                <a:ea typeface="배달의민족 주아" panose="02020603020101020101" pitchFamily="18" charset="-127"/>
+                <a:latin typeface="타이포_쌍문동 B" panose="02020803020101020101" pitchFamily="18" charset="-127"/>
+                <a:ea typeface="타이포_쌍문동 B" panose="02020803020101020101" pitchFamily="18" charset="-127"/>
               </a:endParaRPr>
             </a:p>
           </p:txBody>

--- a/발표 최종.pptx
+++ b/발표 최종.pptx
@@ -12,8 +12,8 @@
   </p:handoutMasterIdLst>
   <p:sldIdLst>
     <p:sldId id="256" r:id="rId2"/>
-    <p:sldId id="273" r:id="rId3"/>
-    <p:sldId id="257" r:id="rId4"/>
+    <p:sldId id="257" r:id="rId3"/>
+    <p:sldId id="273" r:id="rId4"/>
     <p:sldId id="274" r:id="rId5"/>
     <p:sldId id="284" r:id="rId6"/>
     <p:sldId id="275" r:id="rId7"/>
@@ -17535,106 +17535,725 @@
           <a:chExt cx="0" cy="0"/>
         </a:xfrm>
       </p:grpSpPr>
-      <p:sp>
-        <p:nvSpPr>
-          <p:cNvPr id="6" name="직사각형 5"/>
-          <p:cNvSpPr/>
-          <p:nvPr/>
-        </p:nvSpPr>
-        <p:spPr>
-          <a:xfrm>
-            <a:off x="0" y="0"/>
-            <a:ext cx="12192000" cy="1268760"/>
-          </a:xfrm>
-          <a:prstGeom prst="rect">
-            <a:avLst/>
-          </a:prstGeom>
-          <a:solidFill>
-            <a:srgbClr val="00547A"/>
-          </a:solidFill>
-          <a:ln>
-            <a:noFill/>
-          </a:ln>
-        </p:spPr>
-        <p:style>
-          <a:lnRef idx="2">
-            <a:schemeClr val="accent1">
-              <a:shade val="50000"/>
-            </a:schemeClr>
-          </a:lnRef>
-          <a:fillRef idx="1">
-            <a:schemeClr val="accent1"/>
-          </a:fillRef>
-          <a:effectRef idx="0">
-            <a:schemeClr val="accent1"/>
-          </a:effectRef>
-          <a:fontRef idx="minor">
-            <a:schemeClr val="lt1"/>
-          </a:fontRef>
-        </p:style>
-        <p:txBody>
-          <a:bodyPr rtlCol="0" anchor="ctr"/>
-          <a:lstStyle/>
-          <a:p>
-            <a:pPr algn="ctr"/>
-            <a:endParaRPr lang="ko-KR" altLang="en-US"/>
-          </a:p>
-        </p:txBody>
-      </p:sp>
-      <p:pic>
-        <p:nvPicPr>
-          <p:cNvPr id="7" name="그림 6"/>
-          <p:cNvPicPr>
-            <a:picLocks noChangeAspect="1"/>
-          </p:cNvPicPr>
-          <p:nvPr/>
-        </p:nvPicPr>
-        <p:blipFill>
-          <a:blip r:embed="rId2" cstate="print">
-            <a:extLst>
-              <a:ext uri="{28A0092B-C50C-407E-A947-70E740481C1C}">
-                <a14:useLocalDpi xmlns:a14="http://schemas.microsoft.com/office/drawing/2010/main" val="0"/>
-              </a:ext>
-            </a:extLst>
-          </a:blip>
-          <a:stretch>
-            <a:fillRect/>
-          </a:stretch>
-        </p:blipFill>
-        <p:spPr>
-          <a:xfrm>
-            <a:off x="10366299" y="201623"/>
-            <a:ext cx="893661" cy="865515"/>
-          </a:xfrm>
-          <a:prstGeom prst="rect">
-            <a:avLst/>
-          </a:prstGeom>
-        </p:spPr>
-      </p:pic>
       <p:grpSp>
         <p:nvGrpSpPr>
-          <p:cNvPr id="10" name="그룹 9"/>
+          <p:cNvPr id="4" name="그룹 3"/>
           <p:cNvGrpSpPr/>
           <p:nvPr/>
         </p:nvGrpSpPr>
         <p:grpSpPr>
           <a:xfrm>
-            <a:off x="709468" y="346724"/>
-            <a:ext cx="1639103" cy="622971"/>
-            <a:chOff x="709468" y="346724"/>
-            <a:chExt cx="1639103" cy="622971"/>
+            <a:off x="0" y="0"/>
+            <a:ext cx="9816615" cy="6858000"/>
+            <a:chOff x="0" y="0"/>
+            <a:chExt cx="9816615" cy="6858000"/>
           </a:xfrm>
         </p:grpSpPr>
+        <p:grpSp>
+          <p:nvGrpSpPr>
+            <p:cNvPr id="36" name="그룹 35"/>
+            <p:cNvGrpSpPr/>
+            <p:nvPr/>
+          </p:nvGrpSpPr>
+          <p:grpSpPr>
+            <a:xfrm>
+              <a:off x="0" y="0"/>
+              <a:ext cx="6096000" cy="6858000"/>
+              <a:chOff x="0" y="0"/>
+              <a:chExt cx="6096000" cy="6858000"/>
+            </a:xfrm>
+          </p:grpSpPr>
+          <p:sp>
+            <p:nvSpPr>
+              <p:cNvPr id="20" name="직사각형 19"/>
+              <p:cNvSpPr/>
+              <p:nvPr/>
+            </p:nvSpPr>
+            <p:spPr>
+              <a:xfrm>
+                <a:off x="0" y="0"/>
+                <a:ext cx="6096000" cy="6858000"/>
+              </a:xfrm>
+              <a:prstGeom prst="rect">
+                <a:avLst/>
+              </a:prstGeom>
+              <a:solidFill>
+                <a:srgbClr val="B0D2D3"/>
+              </a:solidFill>
+              <a:ln>
+                <a:noFill/>
+              </a:ln>
+            </p:spPr>
+            <p:style>
+              <a:lnRef idx="2">
+                <a:schemeClr val="accent1">
+                  <a:shade val="50000"/>
+                </a:schemeClr>
+              </a:lnRef>
+              <a:fillRef idx="1">
+                <a:schemeClr val="accent1"/>
+              </a:fillRef>
+              <a:effectRef idx="0">
+                <a:schemeClr val="accent1"/>
+              </a:effectRef>
+              <a:fontRef idx="minor">
+                <a:schemeClr val="lt1"/>
+              </a:fontRef>
+            </p:style>
+            <p:txBody>
+              <a:bodyPr rtlCol="0" anchor="ctr"/>
+              <a:lstStyle/>
+              <a:p>
+                <a:pPr algn="ctr"/>
+                <a:endParaRPr lang="ko-KR" altLang="en-US"/>
+              </a:p>
+            </p:txBody>
+          </p:sp>
+          <p:pic>
+            <p:nvPicPr>
+              <p:cNvPr id="21" name="그림 20"/>
+              <p:cNvPicPr>
+                <a:picLocks noChangeAspect="1"/>
+              </p:cNvPicPr>
+              <p:nvPr/>
+            </p:nvPicPr>
+            <p:blipFill>
+              <a:blip r:embed="rId2" cstate="print">
+                <a:extLst>
+                  <a:ext uri="{28A0092B-C50C-407E-A947-70E740481C1C}">
+                    <a14:useLocalDpi xmlns:a14="http://schemas.microsoft.com/office/drawing/2010/main" val="0"/>
+                  </a:ext>
+                </a:extLst>
+              </a:blip>
+              <a:stretch>
+                <a:fillRect/>
+              </a:stretch>
+            </p:blipFill>
+            <p:spPr>
+              <a:xfrm>
+                <a:off x="1741267" y="2475084"/>
+                <a:ext cx="2613467" cy="1907832"/>
+              </a:xfrm>
+              <a:prstGeom prst="rect">
+                <a:avLst/>
+              </a:prstGeom>
+            </p:spPr>
+          </p:pic>
+        </p:grpSp>
+        <p:grpSp>
+          <p:nvGrpSpPr>
+            <p:cNvPr id="3" name="그룹 2"/>
+            <p:cNvGrpSpPr/>
+            <p:nvPr/>
+          </p:nvGrpSpPr>
+          <p:grpSpPr>
+            <a:xfrm>
+              <a:off x="6816080" y="1605246"/>
+              <a:ext cx="2925801" cy="3859723"/>
+              <a:chOff x="6816080" y="1605246"/>
+              <a:chExt cx="2925801" cy="3859723"/>
+            </a:xfrm>
+          </p:grpSpPr>
+          <p:sp>
+            <p:nvSpPr>
+              <p:cNvPr id="23" name="TextBox 22"/>
+              <p:cNvSpPr txBox="1"/>
+              <p:nvPr/>
+            </p:nvSpPr>
+            <p:spPr>
+              <a:xfrm>
+                <a:off x="6816080" y="1605246"/>
+                <a:ext cx="1935466" cy="830997"/>
+              </a:xfrm>
+              <a:prstGeom prst="rect">
+                <a:avLst/>
+              </a:prstGeom>
+              <a:noFill/>
+            </p:spPr>
+            <p:txBody>
+              <a:bodyPr wrap="none" rtlCol="0">
+                <a:spAutoFit/>
+              </a:bodyPr>
+              <a:lstStyle/>
+              <a:p>
+                <a:r>
+                  <a:rPr lang="en-US" altLang="ko-KR" sz="2400" dirty="0">
+                    <a:ln>
+                      <a:solidFill>
+                        <a:srgbClr val="B0D2D3">
+                          <a:alpha val="20000"/>
+                        </a:srgbClr>
+                      </a:solidFill>
+                    </a:ln>
+                    <a:solidFill>
+                      <a:srgbClr val="B0D2D3"/>
+                    </a:solidFill>
+                    <a:latin typeface="타이포_쌍문동 B" panose="02020803020101020101" pitchFamily="18" charset="-127"/>
+                    <a:ea typeface="타이포_쌍문동 B" panose="02020803020101020101" pitchFamily="18" charset="-127"/>
+                  </a:rPr>
+                  <a:t>Trip Inside</a:t>
+                </a:r>
+              </a:p>
+              <a:p>
+                <a:endParaRPr lang="ko-KR" altLang="en-US" sz="2400" dirty="0">
+                  <a:ln>
+                    <a:solidFill>
+                      <a:srgbClr val="B0D2D3">
+                        <a:alpha val="20000"/>
+                      </a:srgbClr>
+                    </a:solidFill>
+                  </a:ln>
+                  <a:solidFill>
+                    <a:srgbClr val="B0D2D3"/>
+                  </a:solidFill>
+                  <a:latin typeface="타이포_쌍문동 B" panose="02020803020101020101" pitchFamily="18" charset="-127"/>
+                  <a:ea typeface="타이포_쌍문동 B" panose="02020803020101020101" pitchFamily="18" charset="-127"/>
+                </a:endParaRPr>
+              </a:p>
+            </p:txBody>
+          </p:sp>
+          <p:sp>
+            <p:nvSpPr>
+              <p:cNvPr id="24" name="TextBox 23"/>
+              <p:cNvSpPr txBox="1"/>
+              <p:nvPr/>
+            </p:nvSpPr>
+            <p:spPr>
+              <a:xfrm>
+                <a:off x="6859810" y="2148214"/>
+                <a:ext cx="1334020" cy="738664"/>
+              </a:xfrm>
+              <a:prstGeom prst="rect">
+                <a:avLst/>
+              </a:prstGeom>
+              <a:noFill/>
+            </p:spPr>
+            <p:txBody>
+              <a:bodyPr wrap="none" rtlCol="0">
+                <a:spAutoFit/>
+              </a:bodyPr>
+              <a:lstStyle/>
+              <a:p>
+                <a:r>
+                  <a:rPr lang="ko-KR" altLang="en-US" sz="1400" dirty="0">
+                    <a:ln>
+                      <a:solidFill>
+                        <a:schemeClr val="tx1">
+                          <a:lumMod val="75000"/>
+                          <a:lumOff val="25000"/>
+                          <a:alpha val="20000"/>
+                        </a:schemeClr>
+                      </a:solidFill>
+                    </a:ln>
+                    <a:solidFill>
+                      <a:srgbClr val="174F78"/>
+                    </a:solidFill>
+                    <a:latin typeface="배달의민족 주아" panose="02020603020101020101" pitchFamily="18" charset="-127"/>
+                    <a:ea typeface="배달의민족 주아" panose="02020603020101020101" pitchFamily="18" charset="-127"/>
+                  </a:rPr>
+                  <a:t>주제 선정 배경 </a:t>
+                </a:r>
+                <a:endParaRPr lang="en-US" altLang="ko-KR" sz="1400" dirty="0">
+                  <a:ln>
+                    <a:solidFill>
+                      <a:schemeClr val="tx1">
+                        <a:lumMod val="75000"/>
+                        <a:lumOff val="25000"/>
+                        <a:alpha val="20000"/>
+                      </a:schemeClr>
+                    </a:solidFill>
+                  </a:ln>
+                  <a:solidFill>
+                    <a:srgbClr val="174F78"/>
+                  </a:solidFill>
+                  <a:latin typeface="배달의민족 주아" panose="02020603020101020101" pitchFamily="18" charset="-127"/>
+                  <a:ea typeface="배달의민족 주아" panose="02020603020101020101" pitchFamily="18" charset="-127"/>
+                </a:endParaRPr>
+              </a:p>
+              <a:p>
+                <a:r>
+                  <a:rPr lang="ko-KR" altLang="en-US" sz="1400" dirty="0">
+                    <a:ln>
+                      <a:solidFill>
+                        <a:schemeClr val="tx1">
+                          <a:lumMod val="75000"/>
+                          <a:lumOff val="25000"/>
+                          <a:alpha val="20000"/>
+                        </a:schemeClr>
+                      </a:solidFill>
+                    </a:ln>
+                    <a:solidFill>
+                      <a:srgbClr val="174F78"/>
+                    </a:solidFill>
+                    <a:latin typeface="배달의민족 주아" panose="02020603020101020101" pitchFamily="18" charset="-127"/>
+                    <a:ea typeface="배달의민족 주아" panose="02020603020101020101" pitchFamily="18" charset="-127"/>
+                  </a:rPr>
+                  <a:t>데이터 선정 배경 </a:t>
+                </a:r>
+                <a:endParaRPr lang="en-US" altLang="ko-KR" sz="1400" dirty="0">
+                  <a:ln>
+                    <a:solidFill>
+                      <a:schemeClr val="tx1">
+                        <a:lumMod val="75000"/>
+                        <a:lumOff val="25000"/>
+                        <a:alpha val="20000"/>
+                      </a:schemeClr>
+                    </a:solidFill>
+                  </a:ln>
+                  <a:solidFill>
+                    <a:srgbClr val="174F78"/>
+                  </a:solidFill>
+                  <a:latin typeface="배달의민족 주아" panose="02020603020101020101" pitchFamily="18" charset="-127"/>
+                  <a:ea typeface="배달의민족 주아" panose="02020603020101020101" pitchFamily="18" charset="-127"/>
+                </a:endParaRPr>
+              </a:p>
+              <a:p>
+                <a:r>
+                  <a:rPr lang="ko-KR" altLang="en-US" sz="1400" dirty="0">
+                    <a:ln>
+                      <a:solidFill>
+                        <a:schemeClr val="tx1">
+                          <a:lumMod val="75000"/>
+                          <a:lumOff val="25000"/>
+                          <a:alpha val="20000"/>
+                        </a:schemeClr>
+                      </a:solidFill>
+                    </a:ln>
+                    <a:solidFill>
+                      <a:srgbClr val="174F78"/>
+                    </a:solidFill>
+                    <a:latin typeface="배달의민족 주아" panose="02020603020101020101" pitchFamily="18" charset="-127"/>
+                    <a:ea typeface="배달의민족 주아" panose="02020603020101020101" pitchFamily="18" charset="-127"/>
+                  </a:rPr>
+                  <a:t>데이터 분석 계획 </a:t>
+                </a:r>
+                <a:endParaRPr lang="en-US" altLang="ko-KR" sz="1400" dirty="0">
+                  <a:ln>
+                    <a:solidFill>
+                      <a:schemeClr val="tx1">
+                        <a:lumMod val="75000"/>
+                        <a:lumOff val="25000"/>
+                        <a:alpha val="20000"/>
+                      </a:schemeClr>
+                    </a:solidFill>
+                  </a:ln>
+                  <a:solidFill>
+                    <a:srgbClr val="174F78"/>
+                  </a:solidFill>
+                  <a:latin typeface="배달의민족 주아" panose="02020603020101020101" pitchFamily="18" charset="-127"/>
+                  <a:ea typeface="배달의민족 주아" panose="02020603020101020101" pitchFamily="18" charset="-127"/>
+                </a:endParaRPr>
+              </a:p>
+            </p:txBody>
+          </p:sp>
+          <p:sp>
+            <p:nvSpPr>
+              <p:cNvPr id="30" name="TextBox 29"/>
+              <p:cNvSpPr txBox="1"/>
+              <p:nvPr/>
+            </p:nvSpPr>
+            <p:spPr>
+              <a:xfrm>
+                <a:off x="6859810" y="4663362"/>
+                <a:ext cx="1293944" cy="461665"/>
+              </a:xfrm>
+              <a:prstGeom prst="rect">
+                <a:avLst/>
+              </a:prstGeom>
+              <a:noFill/>
+            </p:spPr>
+            <p:txBody>
+              <a:bodyPr wrap="none" rtlCol="0">
+                <a:spAutoFit/>
+              </a:bodyPr>
+              <a:lstStyle/>
+              <a:p>
+                <a:r>
+                  <a:rPr lang="ko-KR" altLang="en-US" sz="2400" dirty="0">
+                    <a:ln>
+                      <a:solidFill>
+                        <a:srgbClr val="B0D2D3">
+                          <a:alpha val="20000"/>
+                        </a:srgbClr>
+                      </a:solidFill>
+                    </a:ln>
+                    <a:solidFill>
+                      <a:srgbClr val="B0D2D3"/>
+                    </a:solidFill>
+                    <a:latin typeface="타이포_쌍문동 B" panose="02020803020101020101" pitchFamily="18" charset="-127"/>
+                    <a:ea typeface="타이포_쌍문동 B" panose="02020803020101020101" pitchFamily="18" charset="-127"/>
+                  </a:rPr>
+                  <a:t>웹 구현 </a:t>
+                </a:r>
+              </a:p>
+            </p:txBody>
+          </p:sp>
+          <p:sp>
+            <p:nvSpPr>
+              <p:cNvPr id="31" name="TextBox 30"/>
+              <p:cNvSpPr txBox="1"/>
+              <p:nvPr/>
+            </p:nvSpPr>
+            <p:spPr>
+              <a:xfrm>
+                <a:off x="6888088" y="5157192"/>
+                <a:ext cx="655949" cy="307777"/>
+              </a:xfrm>
+              <a:prstGeom prst="rect">
+                <a:avLst/>
+              </a:prstGeom>
+              <a:noFill/>
+            </p:spPr>
+            <p:txBody>
+              <a:bodyPr wrap="none" rtlCol="0">
+                <a:spAutoFit/>
+              </a:bodyPr>
+              <a:lstStyle/>
+              <a:p>
+                <a:r>
+                  <a:rPr lang="ko-KR" altLang="en-US" sz="1400" dirty="0">
+                    <a:ln>
+                      <a:solidFill>
+                        <a:schemeClr val="tx1">
+                          <a:lumMod val="75000"/>
+                          <a:lumOff val="25000"/>
+                          <a:alpha val="20000"/>
+                        </a:schemeClr>
+                      </a:solidFill>
+                    </a:ln>
+                    <a:solidFill>
+                      <a:srgbClr val="174F78"/>
+                    </a:solidFill>
+                    <a:latin typeface="배달의민족 주아" panose="02020603020101020101" pitchFamily="18" charset="-127"/>
+                    <a:ea typeface="배달의민족 주아" panose="02020603020101020101" pitchFamily="18" charset="-127"/>
+                  </a:rPr>
+                  <a:t>웹 구성</a:t>
+                </a:r>
+              </a:p>
+            </p:txBody>
+          </p:sp>
+          <p:sp>
+            <p:nvSpPr>
+              <p:cNvPr id="34" name="TextBox 33"/>
+              <p:cNvSpPr txBox="1"/>
+              <p:nvPr/>
+            </p:nvSpPr>
+            <p:spPr>
+              <a:xfrm>
+                <a:off x="6816080" y="3014661"/>
+                <a:ext cx="2925801" cy="461665"/>
+              </a:xfrm>
+              <a:prstGeom prst="rect">
+                <a:avLst/>
+              </a:prstGeom>
+              <a:noFill/>
+            </p:spPr>
+            <p:txBody>
+              <a:bodyPr wrap="none" rtlCol="0">
+                <a:spAutoFit/>
+              </a:bodyPr>
+              <a:lstStyle/>
+              <a:p>
+                <a:r>
+                  <a:rPr lang="ko-KR" altLang="en-US" sz="2400" dirty="0">
+                    <a:ln>
+                      <a:solidFill>
+                        <a:srgbClr val="B0D2D3">
+                          <a:alpha val="20000"/>
+                        </a:srgbClr>
+                      </a:solidFill>
+                    </a:ln>
+                    <a:solidFill>
+                      <a:srgbClr val="B0D2D3"/>
+                    </a:solidFill>
+                    <a:latin typeface="타이포_쌍문동 B" panose="02020803020101020101" pitchFamily="18" charset="-127"/>
+                    <a:ea typeface="타이포_쌍문동 B" panose="02020803020101020101" pitchFamily="18" charset="-127"/>
+                  </a:rPr>
+                  <a:t>여행지 선호도 분석 </a:t>
+                </a:r>
+              </a:p>
+            </p:txBody>
+          </p:sp>
+          <p:sp>
+            <p:nvSpPr>
+              <p:cNvPr id="35" name="TextBox 34"/>
+              <p:cNvSpPr txBox="1"/>
+              <p:nvPr/>
+            </p:nvSpPr>
+            <p:spPr>
+              <a:xfrm>
+                <a:off x="6863565" y="3569093"/>
+                <a:ext cx="2284600" cy="954107"/>
+              </a:xfrm>
+              <a:prstGeom prst="rect">
+                <a:avLst/>
+              </a:prstGeom>
+              <a:noFill/>
+            </p:spPr>
+            <p:txBody>
+              <a:bodyPr wrap="none" rtlCol="0">
+                <a:spAutoFit/>
+              </a:bodyPr>
+              <a:lstStyle/>
+              <a:p>
+                <a:r>
+                  <a:rPr lang="ko-KR" altLang="en-US" sz="1400" dirty="0">
+                    <a:ln>
+                      <a:solidFill>
+                        <a:schemeClr val="tx1">
+                          <a:lumMod val="75000"/>
+                          <a:lumOff val="25000"/>
+                          <a:alpha val="20000"/>
+                        </a:schemeClr>
+                      </a:solidFill>
+                    </a:ln>
+                    <a:solidFill>
+                      <a:srgbClr val="174F78"/>
+                    </a:solidFill>
+                    <a:latin typeface="배달의민족 주아" panose="02020603020101020101" pitchFamily="18" charset="-127"/>
+                    <a:ea typeface="배달의민족 주아" panose="02020603020101020101" pitchFamily="18" charset="-127"/>
+                  </a:rPr>
+                  <a:t>여행지 만족도 분석 </a:t>
+                </a:r>
+                <a:r>
+                  <a:rPr lang="en-US" altLang="ko-KR" sz="1400" dirty="0">
+                    <a:ln>
+                      <a:solidFill>
+                        <a:schemeClr val="tx1">
+                          <a:lumMod val="75000"/>
+                          <a:lumOff val="25000"/>
+                          <a:alpha val="20000"/>
+                        </a:schemeClr>
+                      </a:solidFill>
+                    </a:ln>
+                    <a:solidFill>
+                      <a:srgbClr val="174F78"/>
+                    </a:solidFill>
+                    <a:latin typeface="배달의민족 주아" panose="02020603020101020101" pitchFamily="18" charset="-127"/>
+                    <a:ea typeface="배달의민족 주아" panose="02020603020101020101" pitchFamily="18" charset="-127"/>
+                  </a:rPr>
+                  <a:t>(</a:t>
+                </a:r>
+                <a:r>
+                  <a:rPr lang="ko-KR" altLang="en-US" sz="1400" dirty="0">
+                    <a:ln>
+                      <a:solidFill>
+                        <a:schemeClr val="tx1">
+                          <a:lumMod val="75000"/>
+                          <a:lumOff val="25000"/>
+                          <a:alpha val="20000"/>
+                        </a:schemeClr>
+                      </a:solidFill>
+                    </a:ln>
+                    <a:solidFill>
+                      <a:srgbClr val="174F78"/>
+                    </a:solidFill>
+                    <a:latin typeface="배달의민족 주아" panose="02020603020101020101" pitchFamily="18" charset="-127"/>
+                    <a:ea typeface="배달의민족 주아" panose="02020603020101020101" pitchFamily="18" charset="-127"/>
+                  </a:rPr>
+                  <a:t>개인</a:t>
+                </a:r>
+                <a:r>
+                  <a:rPr lang="en-US" altLang="ko-KR" sz="1400" dirty="0">
+                    <a:ln>
+                      <a:solidFill>
+                        <a:schemeClr val="tx1">
+                          <a:lumMod val="75000"/>
+                          <a:lumOff val="25000"/>
+                          <a:alpha val="20000"/>
+                        </a:schemeClr>
+                      </a:solidFill>
+                    </a:ln>
+                    <a:solidFill>
+                      <a:srgbClr val="174F78"/>
+                    </a:solidFill>
+                    <a:latin typeface="배달의민족 주아" panose="02020603020101020101" pitchFamily="18" charset="-127"/>
+                    <a:ea typeface="배달의민족 주아" panose="02020603020101020101" pitchFamily="18" charset="-127"/>
+                  </a:rPr>
+                  <a:t>/</a:t>
+                </a:r>
+                <a:r>
+                  <a:rPr lang="ko-KR" altLang="en-US" sz="1400" dirty="0">
+                    <a:ln>
+                      <a:solidFill>
+                        <a:schemeClr val="tx1">
+                          <a:lumMod val="75000"/>
+                          <a:lumOff val="25000"/>
+                          <a:alpha val="20000"/>
+                        </a:schemeClr>
+                      </a:solidFill>
+                    </a:ln>
+                    <a:solidFill>
+                      <a:srgbClr val="174F78"/>
+                    </a:solidFill>
+                    <a:latin typeface="배달의민족 주아" panose="02020603020101020101" pitchFamily="18" charset="-127"/>
+                    <a:ea typeface="배달의민족 주아" panose="02020603020101020101" pitchFamily="18" charset="-127"/>
+                  </a:rPr>
+                  <a:t>단체</a:t>
+                </a:r>
+                <a:r>
+                  <a:rPr lang="en-US" altLang="ko-KR" sz="1400" dirty="0">
+                    <a:ln>
+                      <a:solidFill>
+                        <a:schemeClr val="tx1">
+                          <a:lumMod val="75000"/>
+                          <a:lumOff val="25000"/>
+                          <a:alpha val="20000"/>
+                        </a:schemeClr>
+                      </a:solidFill>
+                    </a:ln>
+                    <a:solidFill>
+                      <a:srgbClr val="174F78"/>
+                    </a:solidFill>
+                    <a:latin typeface="배달의민족 주아" panose="02020603020101020101" pitchFamily="18" charset="-127"/>
+                    <a:ea typeface="배달의민족 주아" panose="02020603020101020101" pitchFamily="18" charset="-127"/>
+                  </a:rPr>
+                  <a:t>)</a:t>
+                </a:r>
+              </a:p>
+              <a:p>
+                <a:r>
+                  <a:rPr lang="ko-KR" altLang="en-US" sz="1400" dirty="0">
+                    <a:ln>
+                      <a:solidFill>
+                        <a:schemeClr val="tx1">
+                          <a:lumMod val="75000"/>
+                          <a:lumOff val="25000"/>
+                          <a:alpha val="20000"/>
+                        </a:schemeClr>
+                      </a:solidFill>
+                    </a:ln>
+                    <a:solidFill>
+                      <a:srgbClr val="174F78"/>
+                    </a:solidFill>
+                    <a:latin typeface="배달의민족 주아" panose="02020603020101020101" pitchFamily="18" charset="-127"/>
+                    <a:ea typeface="배달의민족 주아" panose="02020603020101020101" pitchFamily="18" charset="-127"/>
+                  </a:rPr>
+                  <a:t>여행지 방문객 수 분석 </a:t>
+                </a:r>
+                <a:endParaRPr lang="en-US" altLang="ko-KR" sz="1400" dirty="0">
+                  <a:ln>
+                    <a:solidFill>
+                      <a:schemeClr val="tx1">
+                        <a:lumMod val="75000"/>
+                        <a:lumOff val="25000"/>
+                        <a:alpha val="20000"/>
+                      </a:schemeClr>
+                    </a:solidFill>
+                  </a:ln>
+                  <a:solidFill>
+                    <a:srgbClr val="174F78"/>
+                  </a:solidFill>
+                  <a:latin typeface="배달의민족 주아" panose="02020603020101020101" pitchFamily="18" charset="-127"/>
+                  <a:ea typeface="배달의민족 주아" panose="02020603020101020101" pitchFamily="18" charset="-127"/>
+                </a:endParaRPr>
+              </a:p>
+              <a:p>
+                <a:r>
+                  <a:rPr lang="ko-KR" altLang="en-US" sz="1400" dirty="0">
+                    <a:ln>
+                      <a:solidFill>
+                        <a:schemeClr val="tx1">
+                          <a:lumMod val="75000"/>
+                          <a:lumOff val="25000"/>
+                          <a:alpha val="20000"/>
+                        </a:schemeClr>
+                      </a:solidFill>
+                    </a:ln>
+                    <a:solidFill>
+                      <a:srgbClr val="174F78"/>
+                    </a:solidFill>
+                    <a:latin typeface="배달의민족 주아" panose="02020603020101020101" pitchFamily="18" charset="-127"/>
+                    <a:ea typeface="배달의민족 주아" panose="02020603020101020101" pitchFamily="18" charset="-127"/>
+                  </a:rPr>
+                  <a:t>여행지 선호도 분석 </a:t>
+                </a:r>
+                <a:endParaRPr lang="en-US" altLang="ko-KR" sz="1400" dirty="0">
+                  <a:ln>
+                    <a:solidFill>
+                      <a:schemeClr val="tx1">
+                        <a:lumMod val="75000"/>
+                        <a:lumOff val="25000"/>
+                        <a:alpha val="20000"/>
+                      </a:schemeClr>
+                    </a:solidFill>
+                  </a:ln>
+                  <a:solidFill>
+                    <a:srgbClr val="174F78"/>
+                  </a:solidFill>
+                  <a:latin typeface="배달의민족 주아" panose="02020603020101020101" pitchFamily="18" charset="-127"/>
+                  <a:ea typeface="배달의민족 주아" panose="02020603020101020101" pitchFamily="18" charset="-127"/>
+                </a:endParaRPr>
+              </a:p>
+              <a:p>
+                <a:r>
+                  <a:rPr lang="ko-KR" altLang="en-US" sz="1400" dirty="0">
+                    <a:ln>
+                      <a:solidFill>
+                        <a:schemeClr val="tx1">
+                          <a:lumMod val="75000"/>
+                          <a:lumOff val="25000"/>
+                          <a:alpha val="20000"/>
+                        </a:schemeClr>
+                      </a:solidFill>
+                    </a:ln>
+                    <a:solidFill>
+                      <a:srgbClr val="174F78"/>
+                    </a:solidFill>
+                    <a:latin typeface="배달의민족 주아" panose="02020603020101020101" pitchFamily="18" charset="-127"/>
+                    <a:ea typeface="배달의민족 주아" panose="02020603020101020101" pitchFamily="18" charset="-127"/>
+                  </a:rPr>
+                  <a:t>분석결과와 실제 비교 </a:t>
+                </a:r>
+              </a:p>
+            </p:txBody>
+          </p:sp>
+        </p:grpSp>
+        <p:cxnSp>
+          <p:nvCxnSpPr>
+            <p:cNvPr id="41" name="직선 연결선 40"/>
+            <p:cNvCxnSpPr/>
+            <p:nvPr/>
+          </p:nvCxnSpPr>
+          <p:spPr>
+            <a:xfrm>
+              <a:off x="6816080" y="1268760"/>
+              <a:ext cx="2880000" cy="0"/>
+            </a:xfrm>
+            <a:prstGeom prst="line">
+              <a:avLst/>
+            </a:prstGeom>
+            <a:ln w="12700">
+              <a:solidFill>
+                <a:srgbClr val="B0D2D3"/>
+              </a:solidFill>
+            </a:ln>
+          </p:spPr>
+          <p:style>
+            <a:lnRef idx="1">
+              <a:schemeClr val="accent1"/>
+            </a:lnRef>
+            <a:fillRef idx="0">
+              <a:schemeClr val="accent1"/>
+            </a:fillRef>
+            <a:effectRef idx="0">
+              <a:schemeClr val="accent1"/>
+            </a:effectRef>
+            <a:fontRef idx="minor">
+              <a:schemeClr val="tx1"/>
+            </a:fontRef>
+          </p:style>
+        </p:cxnSp>
         <p:sp>
           <p:nvSpPr>
-            <p:cNvPr id="8" name="TextBox 7"/>
+            <p:cNvPr id="42" name="TextBox 41"/>
             <p:cNvSpPr txBox="1"/>
             <p:nvPr/>
           </p:nvSpPr>
           <p:spPr>
             <a:xfrm>
-              <a:off x="709468" y="346724"/>
-              <a:ext cx="1639103" cy="400110"/>
+              <a:off x="8157185" y="991761"/>
+              <a:ext cx="1659430" cy="276999"/>
             </a:xfrm>
             <a:prstGeom prst="rect">
               <a:avLst/>
@@ -17647,78 +18266,23 @@
             </a:bodyPr>
             <a:lstStyle/>
             <a:p>
-              <a:r>
-                <a:rPr lang="en-US" altLang="ko-KR" sz="2000" dirty="0">
-                  <a:ln>
-                    <a:solidFill>
-                      <a:schemeClr val="bg1">
-                        <a:alpha val="20000"/>
-                      </a:schemeClr>
-                    </a:solidFill>
-                  </a:ln>
-                  <a:solidFill>
-                    <a:schemeClr val="bg1"/>
-                  </a:solidFill>
-                  <a:latin typeface="타이포_쌍문동 B" panose="02020803020101020101" pitchFamily="18" charset="-127"/>
-                  <a:ea typeface="타이포_쌍문동 B" panose="02020803020101020101" pitchFamily="18" charset="-127"/>
-                </a:rPr>
-                <a:t>Trip Inside</a:t>
-              </a:r>
-              <a:endParaRPr lang="ko-KR" altLang="en-US" sz="2000" dirty="0">
-                <a:ln>
-                  <a:solidFill>
-                    <a:schemeClr val="bg1">
-                      <a:alpha val="20000"/>
-                    </a:schemeClr>
-                  </a:solidFill>
-                </a:ln>
-                <a:solidFill>
-                  <a:schemeClr val="bg1"/>
-                </a:solidFill>
-                <a:latin typeface="타이포_쌍문동 B" panose="02020803020101020101" pitchFamily="18" charset="-127"/>
-                <a:ea typeface="타이포_쌍문동 B" panose="02020803020101020101" pitchFamily="18" charset="-127"/>
-              </a:endParaRPr>
-            </a:p>
-          </p:txBody>
-        </p:sp>
-        <p:sp>
-          <p:nvSpPr>
-            <p:cNvPr id="9" name="TextBox 8"/>
-            <p:cNvSpPr txBox="1"/>
-            <p:nvPr/>
-          </p:nvSpPr>
-          <p:spPr>
-            <a:xfrm>
-              <a:off x="709468" y="692696"/>
-              <a:ext cx="1247457" cy="276999"/>
-            </a:xfrm>
-            <a:prstGeom prst="rect">
-              <a:avLst/>
-            </a:prstGeom>
-            <a:noFill/>
-          </p:spPr>
-          <p:txBody>
-            <a:bodyPr wrap="none" rtlCol="0">
-              <a:spAutoFit/>
-            </a:bodyPr>
-            <a:lstStyle/>
-            <a:p>
-              <a:r>
-                <a:rPr lang="ko-KR" altLang="en-US" sz="1200" b="1" dirty="0">
-                  <a:ln>
-                    <a:solidFill>
-                      <a:schemeClr val="bg1">
-                        <a:alpha val="20000"/>
-                      </a:schemeClr>
-                    </a:solidFill>
-                  </a:ln>
-                  <a:solidFill>
-                    <a:schemeClr val="bg1"/>
-                  </a:solidFill>
-                  <a:latin typeface="타이포_쌍문동 B" panose="02020803020101020101" pitchFamily="18" charset="-127"/>
-                  <a:ea typeface="타이포_쌍문동 B" panose="02020803020101020101" pitchFamily="18" charset="-127"/>
-                </a:rPr>
-                <a:t>주제 선정 배경 </a:t>
+              <a:pPr algn="r"/>
+              <a:r>
+                <a:rPr lang="ko-KR" altLang="en-US" sz="1200" dirty="0">
+                  <a:ln>
+                    <a:solidFill>
+                      <a:srgbClr val="B0D2D3">
+                        <a:alpha val="20000"/>
+                      </a:srgbClr>
+                    </a:solidFill>
+                  </a:ln>
+                  <a:solidFill>
+                    <a:srgbClr val="B0D2D3"/>
+                  </a:solidFill>
+                  <a:latin typeface="배달의민족 주아" panose="02020603020101020101" pitchFamily="18" charset="-127"/>
+                  <a:ea typeface="배달의민족 주아" panose="02020603020101020101" pitchFamily="18" charset="-127"/>
+                </a:rPr>
+                <a:t>멀티캠퍼스 교육 프로그램 </a:t>
               </a:r>
             </a:p>
           </p:txBody>
@@ -17726,866 +18290,10 @@
       </p:grpSp>
       <p:sp>
         <p:nvSpPr>
-          <p:cNvPr id="20" name="TextBox 19"/>
-          <p:cNvSpPr txBox="1"/>
-          <p:nvPr/>
-        </p:nvSpPr>
-        <p:spPr>
-          <a:xfrm>
-            <a:off x="2541180" y="1412776"/>
-            <a:ext cx="7109639" cy="1138773"/>
-          </a:xfrm>
-          <a:prstGeom prst="rect">
-            <a:avLst/>
-          </a:prstGeom>
-          <a:noFill/>
-        </p:spPr>
-        <p:txBody>
-          <a:bodyPr wrap="none" rtlCol="0">
-            <a:spAutoFit/>
-          </a:bodyPr>
-          <a:lstStyle/>
-          <a:p>
-            <a:pPr algn="ctr"/>
-            <a:r>
-              <a:rPr lang="ko-KR" altLang="en-US" sz="2400" dirty="0">
-                <a:ln>
-                  <a:solidFill>
-                    <a:srgbClr val="00547A">
-                      <a:alpha val="20000"/>
-                    </a:srgbClr>
-                  </a:solidFill>
-                </a:ln>
-                <a:solidFill>
-                  <a:srgbClr val="00547A"/>
-                </a:solidFill>
-                <a:latin typeface="타이포_쌍문동 B" panose="02020803020101020101" pitchFamily="18" charset="-127"/>
-                <a:ea typeface="타이포_쌍문동 B" panose="02020803020101020101" pitchFamily="18" charset="-127"/>
-              </a:rPr>
-              <a:t>주제 선정 배경 </a:t>
-            </a:r>
-            <a:endParaRPr lang="en-US" altLang="ko-KR" sz="2400" dirty="0">
-              <a:ln>
-                <a:solidFill>
-                  <a:srgbClr val="00547A">
-                    <a:alpha val="20000"/>
-                  </a:srgbClr>
-                </a:solidFill>
-              </a:ln>
-              <a:solidFill>
-                <a:srgbClr val="00547A"/>
-              </a:solidFill>
-              <a:latin typeface="타이포_쌍문동 B" panose="02020803020101020101" pitchFamily="18" charset="-127"/>
-              <a:ea typeface="타이포_쌍문동 B" panose="02020803020101020101" pitchFamily="18" charset="-127"/>
-            </a:endParaRPr>
-          </a:p>
-          <a:p>
-            <a:pPr algn="ctr"/>
-            <a:endParaRPr lang="en-US" altLang="ko-KR" sz="2400" dirty="0">
-              <a:ln>
-                <a:solidFill>
-                  <a:srgbClr val="00547A">
-                    <a:alpha val="20000"/>
-                  </a:srgbClr>
-                </a:solidFill>
-              </a:ln>
-              <a:solidFill>
-                <a:srgbClr val="00547A"/>
-              </a:solidFill>
-              <a:latin typeface="타이포_쌍문동 B" panose="02020803020101020101" pitchFamily="18" charset="-127"/>
-              <a:ea typeface="타이포_쌍문동 B" panose="02020803020101020101" pitchFamily="18" charset="-127"/>
-            </a:endParaRPr>
-          </a:p>
-          <a:p>
-            <a:pPr algn="ctr"/>
-            <a:r>
-              <a:rPr lang="en-US" altLang="ko-KR" sz="2000" dirty="0">
-                <a:ln>
-                  <a:solidFill>
-                    <a:srgbClr val="00547A">
-                      <a:alpha val="20000"/>
-                    </a:srgbClr>
-                  </a:solidFill>
-                </a:ln>
-                <a:solidFill>
-                  <a:srgbClr val="00547A"/>
-                </a:solidFill>
-                <a:latin typeface="타이포_쌍문동 B" panose="02020803020101020101" pitchFamily="18" charset="-127"/>
-                <a:ea typeface="타이포_쌍문동 B" panose="02020803020101020101" pitchFamily="18" charset="-127"/>
-              </a:rPr>
-              <a:t> </a:t>
-            </a:r>
-            <a:r>
-              <a:rPr lang="ko-KR" altLang="en-US" sz="2000" dirty="0">
-                <a:ln>
-                  <a:solidFill>
-                    <a:srgbClr val="00547A">
-                      <a:alpha val="20000"/>
-                    </a:srgbClr>
-                  </a:solidFill>
-                </a:ln>
-                <a:solidFill>
-                  <a:srgbClr val="00547A"/>
-                </a:solidFill>
-                <a:latin typeface="타이포_쌍문동 B" panose="02020803020101020101" pitchFamily="18" charset="-127"/>
-                <a:ea typeface="타이포_쌍문동 B" panose="02020803020101020101" pitchFamily="18" charset="-127"/>
-              </a:rPr>
-              <a:t>일본 불매 운동의 여파로 여행객들을 위한 국내 여행지 추천 </a:t>
-            </a:r>
-          </a:p>
-        </p:txBody>
-      </p:sp>
-      <p:sp>
-        <p:nvSpPr>
-          <p:cNvPr id="21" name="TextBox 20"/>
-          <p:cNvSpPr txBox="1"/>
-          <p:nvPr/>
-        </p:nvSpPr>
-        <p:spPr>
-          <a:xfrm>
-            <a:off x="6078217" y="3125552"/>
-            <a:ext cx="5472608" cy="3046988"/>
-          </a:xfrm>
-          <a:prstGeom prst="rect">
-            <a:avLst/>
-          </a:prstGeom>
-          <a:noFill/>
-        </p:spPr>
-        <p:txBody>
-          <a:bodyPr wrap="square" rtlCol="0">
-            <a:spAutoFit/>
-          </a:bodyPr>
-          <a:lstStyle/>
-          <a:p>
-            <a:pPr algn="just"/>
-            <a:r>
-              <a:rPr lang="en-US" altLang="ko-KR" sz="1600" dirty="0">
-                <a:ln>
-                  <a:solidFill>
-                    <a:schemeClr val="tx1">
-                      <a:lumMod val="75000"/>
-                      <a:lumOff val="25000"/>
-                      <a:alpha val="20000"/>
-                    </a:schemeClr>
-                  </a:solidFill>
-                </a:ln>
-                <a:solidFill>
-                  <a:schemeClr val="tx1">
-                    <a:lumMod val="75000"/>
-                    <a:lumOff val="25000"/>
-                  </a:schemeClr>
-                </a:solidFill>
-                <a:latin typeface="배달의민족 주아" panose="02020603020101020101" pitchFamily="18" charset="-127"/>
-                <a:ea typeface="배달의민족 주아" panose="02020603020101020101" pitchFamily="18" charset="-127"/>
-              </a:rPr>
-              <a:t>2019</a:t>
-            </a:r>
-            <a:r>
-              <a:rPr lang="ko-KR" altLang="en-US" sz="1600" dirty="0">
-                <a:ln>
-                  <a:solidFill>
-                    <a:schemeClr val="tx1">
-                      <a:lumMod val="75000"/>
-                      <a:lumOff val="25000"/>
-                      <a:alpha val="20000"/>
-                    </a:schemeClr>
-                  </a:solidFill>
-                </a:ln>
-                <a:solidFill>
-                  <a:schemeClr val="tx1">
-                    <a:lumMod val="75000"/>
-                    <a:lumOff val="25000"/>
-                  </a:schemeClr>
-                </a:solidFill>
-                <a:latin typeface="배달의민족 주아" panose="02020603020101020101" pitchFamily="18" charset="-127"/>
-                <a:ea typeface="배달의민족 주아" panose="02020603020101020101" pitchFamily="18" charset="-127"/>
-              </a:rPr>
-              <a:t>년 </a:t>
-            </a:r>
-            <a:r>
-              <a:rPr lang="en-US" altLang="ko-KR" sz="1600" dirty="0">
-                <a:ln>
-                  <a:solidFill>
-                    <a:schemeClr val="tx1">
-                      <a:lumMod val="75000"/>
-                      <a:lumOff val="25000"/>
-                      <a:alpha val="20000"/>
-                    </a:schemeClr>
-                  </a:solidFill>
-                </a:ln>
-                <a:solidFill>
-                  <a:schemeClr val="tx1">
-                    <a:lumMod val="75000"/>
-                    <a:lumOff val="25000"/>
-                  </a:schemeClr>
-                </a:solidFill>
-                <a:latin typeface="배달의민족 주아" panose="02020603020101020101" pitchFamily="18" charset="-127"/>
-                <a:ea typeface="배달의민족 주아" panose="02020603020101020101" pitchFamily="18" charset="-127"/>
-              </a:rPr>
-              <a:t>7</a:t>
-            </a:r>
-            <a:r>
-              <a:rPr lang="ko-KR" altLang="en-US" sz="1600" dirty="0">
-                <a:ln>
-                  <a:solidFill>
-                    <a:schemeClr val="tx1">
-                      <a:lumMod val="75000"/>
-                      <a:lumOff val="25000"/>
-                      <a:alpha val="20000"/>
-                    </a:schemeClr>
-                  </a:solidFill>
-                </a:ln>
-                <a:solidFill>
-                  <a:schemeClr val="tx1">
-                    <a:lumMod val="75000"/>
-                    <a:lumOff val="25000"/>
-                  </a:schemeClr>
-                </a:solidFill>
-                <a:latin typeface="배달의민족 주아" panose="02020603020101020101" pitchFamily="18" charset="-127"/>
-                <a:ea typeface="배달의민족 주아" panose="02020603020101020101" pitchFamily="18" charset="-127"/>
-              </a:rPr>
-              <a:t>월</a:t>
-            </a:r>
-            <a:r>
-              <a:rPr lang="en-US" altLang="ko-KR" sz="1600" dirty="0">
-                <a:ln>
-                  <a:solidFill>
-                    <a:schemeClr val="tx1">
-                      <a:lumMod val="75000"/>
-                      <a:lumOff val="25000"/>
-                      <a:alpha val="20000"/>
-                    </a:schemeClr>
-                  </a:solidFill>
-                </a:ln>
-                <a:solidFill>
-                  <a:schemeClr val="tx1">
-                    <a:lumMod val="75000"/>
-                    <a:lumOff val="25000"/>
-                  </a:schemeClr>
-                </a:solidFill>
-                <a:latin typeface="배달의민족 주아" panose="02020603020101020101" pitchFamily="18" charset="-127"/>
-                <a:ea typeface="배달의민족 주아" panose="02020603020101020101" pitchFamily="18" charset="-127"/>
-              </a:rPr>
-              <a:t>, </a:t>
-            </a:r>
-            <a:r>
-              <a:rPr lang="ko-KR" altLang="en-US" sz="1600" dirty="0">
-                <a:ln>
-                  <a:solidFill>
-                    <a:schemeClr val="tx1">
-                      <a:lumMod val="75000"/>
-                      <a:lumOff val="25000"/>
-                      <a:alpha val="20000"/>
-                    </a:schemeClr>
-                  </a:solidFill>
-                </a:ln>
-                <a:solidFill>
-                  <a:schemeClr val="tx1">
-                    <a:lumMod val="75000"/>
-                    <a:lumOff val="25000"/>
-                  </a:schemeClr>
-                </a:solidFill>
-                <a:latin typeface="배달의민족 주아" panose="02020603020101020101" pitchFamily="18" charset="-127"/>
-                <a:ea typeface="배달의민족 주아" panose="02020603020101020101" pitchFamily="18" charset="-127"/>
-              </a:rPr>
-              <a:t>일본이 반도체 수출 규제를 실시하였습니다</a:t>
-            </a:r>
-            <a:r>
-              <a:rPr lang="en-US" altLang="ko-KR" sz="1600" dirty="0">
-                <a:ln>
-                  <a:solidFill>
-                    <a:schemeClr val="tx1">
-                      <a:lumMod val="75000"/>
-                      <a:lumOff val="25000"/>
-                      <a:alpha val="20000"/>
-                    </a:schemeClr>
-                  </a:solidFill>
-                </a:ln>
-                <a:solidFill>
-                  <a:schemeClr val="tx1">
-                    <a:lumMod val="75000"/>
-                    <a:lumOff val="25000"/>
-                  </a:schemeClr>
-                </a:solidFill>
-                <a:latin typeface="배달의민족 주아" panose="02020603020101020101" pitchFamily="18" charset="-127"/>
-                <a:ea typeface="배달의민족 주아" panose="02020603020101020101" pitchFamily="18" charset="-127"/>
-              </a:rPr>
-              <a:t>. </a:t>
-            </a:r>
-          </a:p>
-          <a:p>
-            <a:pPr algn="just"/>
-            <a:endParaRPr lang="en-US" altLang="ko-KR" sz="1600" dirty="0">
-              <a:ln>
-                <a:solidFill>
-                  <a:schemeClr val="tx1">
-                    <a:lumMod val="75000"/>
-                    <a:lumOff val="25000"/>
-                    <a:alpha val="20000"/>
-                  </a:schemeClr>
-                </a:solidFill>
-              </a:ln>
-              <a:solidFill>
-                <a:schemeClr val="tx1">
-                  <a:lumMod val="75000"/>
-                  <a:lumOff val="25000"/>
-                </a:schemeClr>
-              </a:solidFill>
-              <a:latin typeface="배달의민족 주아" panose="02020603020101020101" pitchFamily="18" charset="-127"/>
-              <a:ea typeface="배달의민족 주아" panose="02020603020101020101" pitchFamily="18" charset="-127"/>
-            </a:endParaRPr>
-          </a:p>
-          <a:p>
-            <a:pPr algn="just"/>
-            <a:r>
-              <a:rPr lang="ko-KR" altLang="en-US" sz="1600" dirty="0">
-                <a:ln>
-                  <a:solidFill>
-                    <a:schemeClr val="tx1">
-                      <a:lumMod val="75000"/>
-                      <a:lumOff val="25000"/>
-                      <a:alpha val="20000"/>
-                    </a:schemeClr>
-                  </a:solidFill>
-                </a:ln>
-                <a:solidFill>
-                  <a:schemeClr val="tx1">
-                    <a:lumMod val="75000"/>
-                    <a:lumOff val="25000"/>
-                  </a:schemeClr>
-                </a:solidFill>
-                <a:latin typeface="배달의민족 주아" panose="02020603020101020101" pitchFamily="18" charset="-127"/>
-                <a:ea typeface="배달의민족 주아" panose="02020603020101020101" pitchFamily="18" charset="-127"/>
-              </a:rPr>
-              <a:t>이에 반발하여 일본 대신 국내 여행으로 지역경제에 힘을 보태고자하는 여론이 형성되었습니다</a:t>
-            </a:r>
-            <a:r>
-              <a:rPr lang="en-US" altLang="ko-KR" sz="1600" dirty="0">
-                <a:ln>
-                  <a:solidFill>
-                    <a:schemeClr val="tx1">
-                      <a:lumMod val="75000"/>
-                      <a:lumOff val="25000"/>
-                      <a:alpha val="20000"/>
-                    </a:schemeClr>
-                  </a:solidFill>
-                </a:ln>
-                <a:solidFill>
-                  <a:schemeClr val="tx1">
-                    <a:lumMod val="75000"/>
-                    <a:lumOff val="25000"/>
-                  </a:schemeClr>
-                </a:solidFill>
-                <a:latin typeface="배달의민족 주아" panose="02020603020101020101" pitchFamily="18" charset="-127"/>
-                <a:ea typeface="배달의민족 주아" panose="02020603020101020101" pitchFamily="18" charset="-127"/>
-              </a:rPr>
-              <a:t>.</a:t>
-            </a:r>
-          </a:p>
-          <a:p>
-            <a:pPr algn="just"/>
-            <a:endParaRPr lang="en-US" altLang="ko-KR" sz="1600" dirty="0">
-              <a:ln>
-                <a:solidFill>
-                  <a:schemeClr val="tx1">
-                    <a:lumMod val="75000"/>
-                    <a:lumOff val="25000"/>
-                    <a:alpha val="20000"/>
-                  </a:schemeClr>
-                </a:solidFill>
-              </a:ln>
-              <a:solidFill>
-                <a:schemeClr val="tx1">
-                  <a:lumMod val="75000"/>
-                  <a:lumOff val="25000"/>
-                </a:schemeClr>
-              </a:solidFill>
-              <a:latin typeface="배달의민족 주아" panose="02020603020101020101" pitchFamily="18" charset="-127"/>
-              <a:ea typeface="배달의민족 주아" panose="02020603020101020101" pitchFamily="18" charset="-127"/>
-            </a:endParaRPr>
-          </a:p>
-          <a:p>
-            <a:pPr algn="just"/>
-            <a:r>
-              <a:rPr lang="en-US" altLang="ko-KR" sz="1600" dirty="0">
-                <a:ln>
-                  <a:solidFill>
-                    <a:schemeClr val="tx1">
-                      <a:lumMod val="75000"/>
-                      <a:lumOff val="25000"/>
-                      <a:alpha val="20000"/>
-                    </a:schemeClr>
-                  </a:solidFill>
-                </a:ln>
-                <a:solidFill>
-                  <a:schemeClr val="tx1">
-                    <a:lumMod val="75000"/>
-                    <a:lumOff val="25000"/>
-                  </a:schemeClr>
-                </a:solidFill>
-                <a:latin typeface="배달의민족 주아" panose="02020603020101020101" pitchFamily="18" charset="-127"/>
-                <a:ea typeface="배달의민족 주아" panose="02020603020101020101" pitchFamily="18" charset="-127"/>
-              </a:rPr>
-              <a:t>7</a:t>
-            </a:r>
-            <a:r>
-              <a:rPr lang="ko-KR" altLang="en-US" sz="1600" dirty="0">
-                <a:ln>
-                  <a:solidFill>
-                    <a:schemeClr val="tx1">
-                      <a:lumMod val="75000"/>
-                      <a:lumOff val="25000"/>
-                      <a:alpha val="20000"/>
-                    </a:schemeClr>
-                  </a:solidFill>
-                </a:ln>
-                <a:solidFill>
-                  <a:schemeClr val="tx1">
-                    <a:lumMod val="75000"/>
-                    <a:lumOff val="25000"/>
-                  </a:schemeClr>
-                </a:solidFill>
-                <a:latin typeface="배달의민족 주아" panose="02020603020101020101" pitchFamily="18" charset="-127"/>
-                <a:ea typeface="배달의민족 주아" panose="02020603020101020101" pitchFamily="18" charset="-127"/>
-              </a:rPr>
-              <a:t>월에는 미리 일본 여행을 예약했던 사람들이 어쩔 수 없었지만 </a:t>
-            </a:r>
-            <a:r>
-              <a:rPr lang="en-US" altLang="ko-KR" sz="1600" dirty="0">
-                <a:ln>
-                  <a:solidFill>
-                    <a:schemeClr val="tx1">
-                      <a:lumMod val="75000"/>
-                      <a:lumOff val="25000"/>
-                      <a:alpha val="20000"/>
-                    </a:schemeClr>
-                  </a:solidFill>
-                </a:ln>
-                <a:solidFill>
-                  <a:schemeClr val="tx1">
-                    <a:lumMod val="75000"/>
-                    <a:lumOff val="25000"/>
-                  </a:schemeClr>
-                </a:solidFill>
-                <a:latin typeface="배달의민족 주아" panose="02020603020101020101" pitchFamily="18" charset="-127"/>
-                <a:ea typeface="배달의민족 주아" panose="02020603020101020101" pitchFamily="18" charset="-127"/>
-              </a:rPr>
-              <a:t>8</a:t>
-            </a:r>
-            <a:r>
-              <a:rPr lang="ko-KR" altLang="en-US" sz="1600" dirty="0">
-                <a:ln>
-                  <a:solidFill>
-                    <a:schemeClr val="tx1">
-                      <a:lumMod val="75000"/>
-                      <a:lumOff val="25000"/>
-                      <a:alpha val="20000"/>
-                    </a:schemeClr>
-                  </a:solidFill>
-                </a:ln>
-                <a:solidFill>
-                  <a:schemeClr val="tx1">
-                    <a:lumMod val="75000"/>
-                    <a:lumOff val="25000"/>
-                  </a:schemeClr>
-                </a:solidFill>
-                <a:latin typeface="배달의민족 주아" panose="02020603020101020101" pitchFamily="18" charset="-127"/>
-                <a:ea typeface="배달의민족 주아" panose="02020603020101020101" pitchFamily="18" charset="-127"/>
-              </a:rPr>
-              <a:t>월에는 확실한 일본 여행객 감소가 예상된다는 뉴스가 나오고 있습니다</a:t>
-            </a:r>
-            <a:r>
-              <a:rPr lang="en-US" altLang="ko-KR" sz="1600" dirty="0">
-                <a:ln>
-                  <a:solidFill>
-                    <a:schemeClr val="tx1">
-                      <a:lumMod val="75000"/>
-                      <a:lumOff val="25000"/>
-                      <a:alpha val="20000"/>
-                    </a:schemeClr>
-                  </a:solidFill>
-                </a:ln>
-                <a:solidFill>
-                  <a:schemeClr val="tx1">
-                    <a:lumMod val="75000"/>
-                    <a:lumOff val="25000"/>
-                  </a:schemeClr>
-                </a:solidFill>
-                <a:latin typeface="배달의민족 주아" panose="02020603020101020101" pitchFamily="18" charset="-127"/>
-                <a:ea typeface="배달의민족 주아" panose="02020603020101020101" pitchFamily="18" charset="-127"/>
-              </a:rPr>
-              <a:t>.</a:t>
-            </a:r>
-          </a:p>
-          <a:p>
-            <a:pPr algn="just"/>
-            <a:r>
-              <a:rPr lang="en-US" altLang="ko-KR" sz="1600" dirty="0">
-                <a:ln>
-                  <a:solidFill>
-                    <a:schemeClr val="tx1">
-                      <a:lumMod val="75000"/>
-                      <a:lumOff val="25000"/>
-                      <a:alpha val="20000"/>
-                    </a:schemeClr>
-                  </a:solidFill>
-                </a:ln>
-                <a:solidFill>
-                  <a:schemeClr val="tx1">
-                    <a:lumMod val="75000"/>
-                    <a:lumOff val="25000"/>
-                  </a:schemeClr>
-                </a:solidFill>
-                <a:latin typeface="배달의민족 주아" panose="02020603020101020101" pitchFamily="18" charset="-127"/>
-                <a:ea typeface="배달의민족 주아" panose="02020603020101020101" pitchFamily="18" charset="-127"/>
-              </a:rPr>
-              <a:t> </a:t>
-            </a:r>
-          </a:p>
-          <a:p>
-            <a:pPr algn="just"/>
-            <a:r>
-              <a:rPr lang="en-US" altLang="ko-KR" sz="1600" dirty="0">
-                <a:ln>
-                  <a:solidFill>
-                    <a:schemeClr val="tx1">
-                      <a:lumMod val="75000"/>
-                      <a:lumOff val="25000"/>
-                      <a:alpha val="20000"/>
-                    </a:schemeClr>
-                  </a:solidFill>
-                </a:ln>
-                <a:solidFill>
-                  <a:schemeClr val="tx1">
-                    <a:lumMod val="75000"/>
-                    <a:lumOff val="25000"/>
-                  </a:schemeClr>
-                </a:solidFill>
-                <a:latin typeface="배달의민족 주아" panose="02020603020101020101" pitchFamily="18" charset="-127"/>
-                <a:ea typeface="배달의민족 주아" panose="02020603020101020101" pitchFamily="18" charset="-127"/>
-              </a:rPr>
-              <a:t>KOSIS </a:t>
-            </a:r>
-            <a:r>
-              <a:rPr lang="ko-KR" altLang="en-US" sz="1600" dirty="0">
-                <a:ln>
-                  <a:solidFill>
-                    <a:schemeClr val="tx1">
-                      <a:lumMod val="75000"/>
-                      <a:lumOff val="25000"/>
-                      <a:alpha val="20000"/>
-                    </a:schemeClr>
-                  </a:solidFill>
-                </a:ln>
-                <a:solidFill>
-                  <a:schemeClr val="tx1">
-                    <a:lumMod val="75000"/>
-                    <a:lumOff val="25000"/>
-                  </a:schemeClr>
-                </a:solidFill>
-                <a:latin typeface="배달의민족 주아" panose="02020603020101020101" pitchFamily="18" charset="-127"/>
-                <a:ea typeface="배달의민족 주아" panose="02020603020101020101" pitchFamily="18" charset="-127"/>
-              </a:rPr>
-              <a:t>국가통계포털에서 제공한 </a:t>
-            </a:r>
-            <a:r>
-              <a:rPr lang="en-US" altLang="ko-KR" sz="1600" dirty="0">
-                <a:ln>
-                  <a:solidFill>
-                    <a:schemeClr val="tx1">
-                      <a:lumMod val="75000"/>
-                      <a:lumOff val="25000"/>
-                      <a:alpha val="20000"/>
-                    </a:schemeClr>
-                  </a:solidFill>
-                </a:ln>
-                <a:solidFill>
-                  <a:schemeClr val="tx1">
-                    <a:lumMod val="75000"/>
-                    <a:lumOff val="25000"/>
-                  </a:schemeClr>
-                </a:solidFill>
-                <a:latin typeface="배달의민족 주아" panose="02020603020101020101" pitchFamily="18" charset="-127"/>
-                <a:ea typeface="배달의민족 주아" panose="02020603020101020101" pitchFamily="18" charset="-127"/>
-              </a:rPr>
-              <a:t>2014-2017</a:t>
-            </a:r>
-            <a:r>
-              <a:rPr lang="ko-KR" altLang="en-US" sz="1600" dirty="0">
-                <a:ln>
-                  <a:solidFill>
-                    <a:schemeClr val="tx1">
-                      <a:lumMod val="75000"/>
-                      <a:lumOff val="25000"/>
-                      <a:alpha val="20000"/>
-                    </a:schemeClr>
-                  </a:solidFill>
-                </a:ln>
-                <a:solidFill>
-                  <a:schemeClr val="tx1">
-                    <a:lumMod val="75000"/>
-                    <a:lumOff val="25000"/>
-                  </a:schemeClr>
-                </a:solidFill>
-                <a:latin typeface="배달의민족 주아" panose="02020603020101020101" pitchFamily="18" charset="-127"/>
-                <a:ea typeface="배달의민족 주아" panose="02020603020101020101" pitchFamily="18" charset="-127"/>
-              </a:rPr>
-              <a:t>년까지의 여행관련 만족도</a:t>
-            </a:r>
-            <a:r>
-              <a:rPr lang="en-US" altLang="ko-KR" sz="1600" dirty="0">
-                <a:ln>
-                  <a:solidFill>
-                    <a:schemeClr val="tx1">
-                      <a:lumMod val="75000"/>
-                      <a:lumOff val="25000"/>
-                      <a:alpha val="20000"/>
-                    </a:schemeClr>
-                  </a:solidFill>
-                </a:ln>
-                <a:solidFill>
-                  <a:schemeClr val="tx1">
-                    <a:lumMod val="75000"/>
-                    <a:lumOff val="25000"/>
-                  </a:schemeClr>
-                </a:solidFill>
-                <a:latin typeface="배달의민족 주아" panose="02020603020101020101" pitchFamily="18" charset="-127"/>
-                <a:ea typeface="배달의민족 주아" panose="02020603020101020101" pitchFamily="18" charset="-127"/>
-              </a:rPr>
-              <a:t>, </a:t>
-            </a:r>
-            <a:r>
-              <a:rPr lang="ko-KR" altLang="en-US" sz="1600" dirty="0">
-                <a:ln>
-                  <a:solidFill>
-                    <a:schemeClr val="tx1">
-                      <a:lumMod val="75000"/>
-                      <a:lumOff val="25000"/>
-                      <a:alpha val="20000"/>
-                    </a:schemeClr>
-                  </a:solidFill>
-                </a:ln>
-                <a:solidFill>
-                  <a:schemeClr val="tx1">
-                    <a:lumMod val="75000"/>
-                    <a:lumOff val="25000"/>
-                  </a:schemeClr>
-                </a:solidFill>
-                <a:latin typeface="배달의민족 주아" panose="02020603020101020101" pitchFamily="18" charset="-127"/>
-                <a:ea typeface="배달의민족 주아" panose="02020603020101020101" pitchFamily="18" charset="-127"/>
-              </a:rPr>
-              <a:t>관광객 수 누적데이터를 분석하여 국내 여행객들을 위한 </a:t>
-            </a:r>
-            <a:r>
-              <a:rPr lang="ko-KR" altLang="en-US" sz="1600" dirty="0" err="1">
-                <a:ln>
-                  <a:solidFill>
-                    <a:schemeClr val="tx1">
-                      <a:lumMod val="75000"/>
-                      <a:lumOff val="25000"/>
-                      <a:alpha val="20000"/>
-                    </a:schemeClr>
-                  </a:solidFill>
-                </a:ln>
-                <a:solidFill>
-                  <a:schemeClr val="tx1">
-                    <a:lumMod val="75000"/>
-                    <a:lumOff val="25000"/>
-                  </a:schemeClr>
-                </a:solidFill>
-                <a:latin typeface="배달의민족 주아" panose="02020603020101020101" pitchFamily="18" charset="-127"/>
-                <a:ea typeface="배달의민족 주아" panose="02020603020101020101" pitchFamily="18" charset="-127"/>
-              </a:rPr>
-              <a:t>추천지를</a:t>
-            </a:r>
-            <a:r>
-              <a:rPr lang="ko-KR" altLang="en-US" sz="1600" dirty="0">
-                <a:ln>
-                  <a:solidFill>
-                    <a:schemeClr val="tx1">
-                      <a:lumMod val="75000"/>
-                      <a:lumOff val="25000"/>
-                      <a:alpha val="20000"/>
-                    </a:schemeClr>
-                  </a:solidFill>
-                </a:ln>
-                <a:solidFill>
-                  <a:schemeClr val="tx1">
-                    <a:lumMod val="75000"/>
-                    <a:lumOff val="25000"/>
-                  </a:schemeClr>
-                </a:solidFill>
-                <a:latin typeface="배달의민족 주아" panose="02020603020101020101" pitchFamily="18" charset="-127"/>
-                <a:ea typeface="배달의민족 주아" panose="02020603020101020101" pitchFamily="18" charset="-127"/>
-              </a:rPr>
-              <a:t> 제공하고자 합니다</a:t>
-            </a:r>
-            <a:r>
-              <a:rPr lang="en-US" altLang="ko-KR" sz="1600" dirty="0">
-                <a:ln>
-                  <a:solidFill>
-                    <a:schemeClr val="tx1">
-                      <a:lumMod val="75000"/>
-                      <a:lumOff val="25000"/>
-                      <a:alpha val="20000"/>
-                    </a:schemeClr>
-                  </a:solidFill>
-                </a:ln>
-                <a:solidFill>
-                  <a:schemeClr val="tx1">
-                    <a:lumMod val="75000"/>
-                    <a:lumOff val="25000"/>
-                  </a:schemeClr>
-                </a:solidFill>
-                <a:latin typeface="배달의민족 주아" panose="02020603020101020101" pitchFamily="18" charset="-127"/>
-                <a:ea typeface="배달의민족 주아" panose="02020603020101020101" pitchFamily="18" charset="-127"/>
-              </a:rPr>
-              <a:t>. </a:t>
-            </a:r>
-            <a:r>
-              <a:rPr lang="ko-KR" altLang="en-US" sz="1600" dirty="0">
-                <a:ln>
-                  <a:solidFill>
-                    <a:schemeClr val="tx1">
-                      <a:lumMod val="75000"/>
-                      <a:lumOff val="25000"/>
-                      <a:alpha val="20000"/>
-                    </a:schemeClr>
-                  </a:solidFill>
-                </a:ln>
-                <a:solidFill>
-                  <a:schemeClr val="tx1">
-                    <a:lumMod val="75000"/>
-                    <a:lumOff val="25000"/>
-                  </a:schemeClr>
-                </a:solidFill>
-                <a:latin typeface="배달의민족 주아" panose="02020603020101020101" pitchFamily="18" charset="-127"/>
-                <a:ea typeface="배달의민족 주아" panose="02020603020101020101" pitchFamily="18" charset="-127"/>
-              </a:rPr>
-              <a:t> </a:t>
-            </a:r>
-            <a:endParaRPr lang="en-US" altLang="ko-KR" sz="1600" dirty="0">
-              <a:ln>
-                <a:solidFill>
-                  <a:schemeClr val="tx1">
-                    <a:lumMod val="75000"/>
-                    <a:lumOff val="25000"/>
-                    <a:alpha val="20000"/>
-                  </a:schemeClr>
-                </a:solidFill>
-              </a:ln>
-              <a:solidFill>
-                <a:schemeClr val="tx1">
-                  <a:lumMod val="75000"/>
-                  <a:lumOff val="25000"/>
-                </a:schemeClr>
-              </a:solidFill>
-              <a:latin typeface="배달의민족 주아" panose="02020603020101020101" pitchFamily="18" charset="-127"/>
-              <a:ea typeface="배달의민족 주아" panose="02020603020101020101" pitchFamily="18" charset="-127"/>
-            </a:endParaRPr>
-          </a:p>
-          <a:p>
-            <a:pPr algn="just"/>
-            <a:endParaRPr lang="en-US" altLang="ko-KR" sz="1600" dirty="0">
-              <a:ln>
-                <a:solidFill>
-                  <a:schemeClr val="tx1">
-                    <a:lumMod val="75000"/>
-                    <a:lumOff val="25000"/>
-                    <a:alpha val="20000"/>
-                  </a:schemeClr>
-                </a:solidFill>
-              </a:ln>
-              <a:solidFill>
-                <a:schemeClr val="tx1">
-                  <a:lumMod val="75000"/>
-                  <a:lumOff val="25000"/>
-                </a:schemeClr>
-              </a:solidFill>
-              <a:latin typeface="나눔고딕" panose="020D0604000000000000" pitchFamily="50" charset="-127"/>
-              <a:ea typeface="나눔고딕" panose="020D0604000000000000" pitchFamily="50" charset="-127"/>
-            </a:endParaRPr>
-          </a:p>
-        </p:txBody>
-      </p:sp>
-      <p:pic>
-        <p:nvPicPr>
-          <p:cNvPr id="3" name="그림 2"/>
-          <p:cNvPicPr>
-            <a:picLocks noChangeAspect="1"/>
-          </p:cNvPicPr>
-          <p:nvPr/>
-        </p:nvPicPr>
-        <p:blipFill>
-          <a:blip r:embed="rId3"/>
-          <a:stretch>
-            <a:fillRect/>
-          </a:stretch>
-        </p:blipFill>
-        <p:spPr>
-          <a:xfrm>
-            <a:off x="401005" y="3009596"/>
-            <a:ext cx="5514975" cy="1152525"/>
-          </a:xfrm>
-          <a:prstGeom prst="rect">
-            <a:avLst/>
-          </a:prstGeom>
-        </p:spPr>
-      </p:pic>
-      <p:pic>
-        <p:nvPicPr>
-          <p:cNvPr id="5" name="그림 4"/>
-          <p:cNvPicPr>
-            <a:picLocks noChangeAspect="1"/>
-          </p:cNvPicPr>
-          <p:nvPr/>
-        </p:nvPicPr>
-        <p:blipFill>
-          <a:blip r:embed="rId4"/>
-          <a:stretch>
-            <a:fillRect/>
-          </a:stretch>
-        </p:blipFill>
-        <p:spPr>
-          <a:xfrm>
-            <a:off x="401005" y="4210647"/>
-            <a:ext cx="5256584" cy="1171575"/>
-          </a:xfrm>
-          <a:prstGeom prst="rect">
-            <a:avLst/>
-          </a:prstGeom>
-        </p:spPr>
-      </p:pic>
-      <p:pic>
-        <p:nvPicPr>
-          <p:cNvPr id="15" name="그림 14"/>
-          <p:cNvPicPr>
-            <a:picLocks noChangeAspect="1"/>
-          </p:cNvPicPr>
-          <p:nvPr/>
-        </p:nvPicPr>
-        <p:blipFill>
-          <a:blip r:embed="rId5"/>
-          <a:stretch>
-            <a:fillRect/>
-          </a:stretch>
-        </p:blipFill>
-        <p:spPr>
-          <a:xfrm>
-            <a:off x="335360" y="5430748"/>
-            <a:ext cx="5112568" cy="1143000"/>
-          </a:xfrm>
-          <a:prstGeom prst="rect">
-            <a:avLst/>
-          </a:prstGeom>
-        </p:spPr>
-      </p:pic>
-      <p:sp>
-        <p:nvSpPr>
           <p:cNvPr id="2" name="슬라이드 번호 개체 틀 1">
             <a:extLst>
               <a:ext uri="{FF2B5EF4-FFF2-40B4-BE49-F238E27FC236}">
-                <a16:creationId xmlns:a16="http://schemas.microsoft.com/office/drawing/2014/main" id="{9E659DE9-1F9D-4BE5-9256-E91E62CC88EB}"/>
+                <a16:creationId xmlns:a16="http://schemas.microsoft.com/office/drawing/2014/main" id="{115F550A-2A17-4F6D-BBB4-E12BA2B0CEE6}"/>
               </a:ext>
             </a:extLst>
           </p:cNvPr>
@@ -18612,7 +18320,7 @@
     </p:spTree>
     <p:extLst>
       <p:ext uri="{BB962C8B-B14F-4D97-AF65-F5344CB8AC3E}">
-        <p14:creationId xmlns:p14="http://schemas.microsoft.com/office/powerpoint/2010/main" val="792662195"/>
+        <p14:creationId xmlns:p14="http://schemas.microsoft.com/office/powerpoint/2010/main" val="3308363908"/>
       </p:ext>
     </p:extLst>
   </p:cSld>
@@ -20975,725 +20683,106 @@
           <a:chExt cx="0" cy="0"/>
         </a:xfrm>
       </p:grpSpPr>
+      <p:sp>
+        <p:nvSpPr>
+          <p:cNvPr id="6" name="직사각형 5"/>
+          <p:cNvSpPr/>
+          <p:nvPr/>
+        </p:nvSpPr>
+        <p:spPr>
+          <a:xfrm>
+            <a:off x="0" y="0"/>
+            <a:ext cx="12192000" cy="1268760"/>
+          </a:xfrm>
+          <a:prstGeom prst="rect">
+            <a:avLst/>
+          </a:prstGeom>
+          <a:solidFill>
+            <a:srgbClr val="00547A"/>
+          </a:solidFill>
+          <a:ln>
+            <a:noFill/>
+          </a:ln>
+        </p:spPr>
+        <p:style>
+          <a:lnRef idx="2">
+            <a:schemeClr val="accent1">
+              <a:shade val="50000"/>
+            </a:schemeClr>
+          </a:lnRef>
+          <a:fillRef idx="1">
+            <a:schemeClr val="accent1"/>
+          </a:fillRef>
+          <a:effectRef idx="0">
+            <a:schemeClr val="accent1"/>
+          </a:effectRef>
+          <a:fontRef idx="minor">
+            <a:schemeClr val="lt1"/>
+          </a:fontRef>
+        </p:style>
+        <p:txBody>
+          <a:bodyPr rtlCol="0" anchor="ctr"/>
+          <a:lstStyle/>
+          <a:p>
+            <a:pPr algn="ctr"/>
+            <a:endParaRPr lang="ko-KR" altLang="en-US"/>
+          </a:p>
+        </p:txBody>
+      </p:sp>
+      <p:pic>
+        <p:nvPicPr>
+          <p:cNvPr id="7" name="그림 6"/>
+          <p:cNvPicPr>
+            <a:picLocks noChangeAspect="1"/>
+          </p:cNvPicPr>
+          <p:nvPr/>
+        </p:nvPicPr>
+        <p:blipFill>
+          <a:blip r:embed="rId2" cstate="print">
+            <a:extLst>
+              <a:ext uri="{28A0092B-C50C-407E-A947-70E740481C1C}">
+                <a14:useLocalDpi xmlns:a14="http://schemas.microsoft.com/office/drawing/2010/main" val="0"/>
+              </a:ext>
+            </a:extLst>
+          </a:blip>
+          <a:stretch>
+            <a:fillRect/>
+          </a:stretch>
+        </p:blipFill>
+        <p:spPr>
+          <a:xfrm>
+            <a:off x="10366299" y="201623"/>
+            <a:ext cx="893661" cy="865515"/>
+          </a:xfrm>
+          <a:prstGeom prst="rect">
+            <a:avLst/>
+          </a:prstGeom>
+        </p:spPr>
+      </p:pic>
       <p:grpSp>
         <p:nvGrpSpPr>
-          <p:cNvPr id="4" name="그룹 3"/>
+          <p:cNvPr id="10" name="그룹 9"/>
           <p:cNvGrpSpPr/>
           <p:nvPr/>
         </p:nvGrpSpPr>
         <p:grpSpPr>
           <a:xfrm>
-            <a:off x="0" y="0"/>
-            <a:ext cx="9816615" cy="6858000"/>
-            <a:chOff x="0" y="0"/>
-            <a:chExt cx="9816615" cy="6858000"/>
+            <a:off x="709468" y="346724"/>
+            <a:ext cx="1639103" cy="622971"/>
+            <a:chOff x="709468" y="346724"/>
+            <a:chExt cx="1639103" cy="622971"/>
           </a:xfrm>
         </p:grpSpPr>
-        <p:grpSp>
-          <p:nvGrpSpPr>
-            <p:cNvPr id="36" name="그룹 35"/>
-            <p:cNvGrpSpPr/>
-            <p:nvPr/>
-          </p:nvGrpSpPr>
-          <p:grpSpPr>
-            <a:xfrm>
-              <a:off x="0" y="0"/>
-              <a:ext cx="6096000" cy="6858000"/>
-              <a:chOff x="0" y="0"/>
-              <a:chExt cx="6096000" cy="6858000"/>
-            </a:xfrm>
-          </p:grpSpPr>
-          <p:sp>
-            <p:nvSpPr>
-              <p:cNvPr id="20" name="직사각형 19"/>
-              <p:cNvSpPr/>
-              <p:nvPr/>
-            </p:nvSpPr>
-            <p:spPr>
-              <a:xfrm>
-                <a:off x="0" y="0"/>
-                <a:ext cx="6096000" cy="6858000"/>
-              </a:xfrm>
-              <a:prstGeom prst="rect">
-                <a:avLst/>
-              </a:prstGeom>
-              <a:solidFill>
-                <a:srgbClr val="B0D2D3"/>
-              </a:solidFill>
-              <a:ln>
-                <a:noFill/>
-              </a:ln>
-            </p:spPr>
-            <p:style>
-              <a:lnRef idx="2">
-                <a:schemeClr val="accent1">
-                  <a:shade val="50000"/>
-                </a:schemeClr>
-              </a:lnRef>
-              <a:fillRef idx="1">
-                <a:schemeClr val="accent1"/>
-              </a:fillRef>
-              <a:effectRef idx="0">
-                <a:schemeClr val="accent1"/>
-              </a:effectRef>
-              <a:fontRef idx="minor">
-                <a:schemeClr val="lt1"/>
-              </a:fontRef>
-            </p:style>
-            <p:txBody>
-              <a:bodyPr rtlCol="0" anchor="ctr"/>
-              <a:lstStyle/>
-              <a:p>
-                <a:pPr algn="ctr"/>
-                <a:endParaRPr lang="ko-KR" altLang="en-US"/>
-              </a:p>
-            </p:txBody>
-          </p:sp>
-          <p:pic>
-            <p:nvPicPr>
-              <p:cNvPr id="21" name="그림 20"/>
-              <p:cNvPicPr>
-                <a:picLocks noChangeAspect="1"/>
-              </p:cNvPicPr>
-              <p:nvPr/>
-            </p:nvPicPr>
-            <p:blipFill>
-              <a:blip r:embed="rId2" cstate="print">
-                <a:extLst>
-                  <a:ext uri="{28A0092B-C50C-407E-A947-70E740481C1C}">
-                    <a14:useLocalDpi xmlns:a14="http://schemas.microsoft.com/office/drawing/2010/main" val="0"/>
-                  </a:ext>
-                </a:extLst>
-              </a:blip>
-              <a:stretch>
-                <a:fillRect/>
-              </a:stretch>
-            </p:blipFill>
-            <p:spPr>
-              <a:xfrm>
-                <a:off x="1741267" y="2475084"/>
-                <a:ext cx="2613467" cy="1907832"/>
-              </a:xfrm>
-              <a:prstGeom prst="rect">
-                <a:avLst/>
-              </a:prstGeom>
-            </p:spPr>
-          </p:pic>
-        </p:grpSp>
-        <p:grpSp>
-          <p:nvGrpSpPr>
-            <p:cNvPr id="3" name="그룹 2"/>
-            <p:cNvGrpSpPr/>
-            <p:nvPr/>
-          </p:nvGrpSpPr>
-          <p:grpSpPr>
-            <a:xfrm>
-              <a:off x="6816080" y="1605246"/>
-              <a:ext cx="2925801" cy="3859723"/>
-              <a:chOff x="6816080" y="1605246"/>
-              <a:chExt cx="2925801" cy="3859723"/>
-            </a:xfrm>
-          </p:grpSpPr>
-          <p:sp>
-            <p:nvSpPr>
-              <p:cNvPr id="23" name="TextBox 22"/>
-              <p:cNvSpPr txBox="1"/>
-              <p:nvPr/>
-            </p:nvSpPr>
-            <p:spPr>
-              <a:xfrm>
-                <a:off x="6816080" y="1605246"/>
-                <a:ext cx="1935466" cy="830997"/>
-              </a:xfrm>
-              <a:prstGeom prst="rect">
-                <a:avLst/>
-              </a:prstGeom>
-              <a:noFill/>
-            </p:spPr>
-            <p:txBody>
-              <a:bodyPr wrap="none" rtlCol="0">
-                <a:spAutoFit/>
-              </a:bodyPr>
-              <a:lstStyle/>
-              <a:p>
-                <a:r>
-                  <a:rPr lang="en-US" altLang="ko-KR" sz="2400" dirty="0">
-                    <a:ln>
-                      <a:solidFill>
-                        <a:srgbClr val="B0D2D3">
-                          <a:alpha val="20000"/>
-                        </a:srgbClr>
-                      </a:solidFill>
-                    </a:ln>
-                    <a:solidFill>
-                      <a:srgbClr val="B0D2D3"/>
-                    </a:solidFill>
-                    <a:latin typeface="타이포_쌍문동 B" panose="02020803020101020101" pitchFamily="18" charset="-127"/>
-                    <a:ea typeface="타이포_쌍문동 B" panose="02020803020101020101" pitchFamily="18" charset="-127"/>
-                  </a:rPr>
-                  <a:t>Trip Inside</a:t>
-                </a:r>
-              </a:p>
-              <a:p>
-                <a:endParaRPr lang="ko-KR" altLang="en-US" sz="2400" dirty="0">
-                  <a:ln>
-                    <a:solidFill>
-                      <a:srgbClr val="B0D2D3">
-                        <a:alpha val="20000"/>
-                      </a:srgbClr>
-                    </a:solidFill>
-                  </a:ln>
-                  <a:solidFill>
-                    <a:srgbClr val="B0D2D3"/>
-                  </a:solidFill>
-                  <a:latin typeface="타이포_쌍문동 B" panose="02020803020101020101" pitchFamily="18" charset="-127"/>
-                  <a:ea typeface="타이포_쌍문동 B" panose="02020803020101020101" pitchFamily="18" charset="-127"/>
-                </a:endParaRPr>
-              </a:p>
-            </p:txBody>
-          </p:sp>
-          <p:sp>
-            <p:nvSpPr>
-              <p:cNvPr id="24" name="TextBox 23"/>
-              <p:cNvSpPr txBox="1"/>
-              <p:nvPr/>
-            </p:nvSpPr>
-            <p:spPr>
-              <a:xfrm>
-                <a:off x="6859810" y="2148214"/>
-                <a:ext cx="1334020" cy="738664"/>
-              </a:xfrm>
-              <a:prstGeom prst="rect">
-                <a:avLst/>
-              </a:prstGeom>
-              <a:noFill/>
-            </p:spPr>
-            <p:txBody>
-              <a:bodyPr wrap="none" rtlCol="0">
-                <a:spAutoFit/>
-              </a:bodyPr>
-              <a:lstStyle/>
-              <a:p>
-                <a:r>
-                  <a:rPr lang="ko-KR" altLang="en-US" sz="1400" dirty="0">
-                    <a:ln>
-                      <a:solidFill>
-                        <a:schemeClr val="tx1">
-                          <a:lumMod val="75000"/>
-                          <a:lumOff val="25000"/>
-                          <a:alpha val="20000"/>
-                        </a:schemeClr>
-                      </a:solidFill>
-                    </a:ln>
-                    <a:solidFill>
-                      <a:srgbClr val="174F78"/>
-                    </a:solidFill>
-                    <a:latin typeface="배달의민족 주아" panose="02020603020101020101" pitchFamily="18" charset="-127"/>
-                    <a:ea typeface="배달의민족 주아" panose="02020603020101020101" pitchFamily="18" charset="-127"/>
-                  </a:rPr>
-                  <a:t>주제 선정 배경 </a:t>
-                </a:r>
-                <a:endParaRPr lang="en-US" altLang="ko-KR" sz="1400" dirty="0">
-                  <a:ln>
-                    <a:solidFill>
-                      <a:schemeClr val="tx1">
-                        <a:lumMod val="75000"/>
-                        <a:lumOff val="25000"/>
-                        <a:alpha val="20000"/>
-                      </a:schemeClr>
-                    </a:solidFill>
-                  </a:ln>
-                  <a:solidFill>
-                    <a:srgbClr val="174F78"/>
-                  </a:solidFill>
-                  <a:latin typeface="배달의민족 주아" panose="02020603020101020101" pitchFamily="18" charset="-127"/>
-                  <a:ea typeface="배달의민족 주아" panose="02020603020101020101" pitchFamily="18" charset="-127"/>
-                </a:endParaRPr>
-              </a:p>
-              <a:p>
-                <a:r>
-                  <a:rPr lang="ko-KR" altLang="en-US" sz="1400" dirty="0">
-                    <a:ln>
-                      <a:solidFill>
-                        <a:schemeClr val="tx1">
-                          <a:lumMod val="75000"/>
-                          <a:lumOff val="25000"/>
-                          <a:alpha val="20000"/>
-                        </a:schemeClr>
-                      </a:solidFill>
-                    </a:ln>
-                    <a:solidFill>
-                      <a:srgbClr val="174F78"/>
-                    </a:solidFill>
-                    <a:latin typeface="배달의민족 주아" panose="02020603020101020101" pitchFamily="18" charset="-127"/>
-                    <a:ea typeface="배달의민족 주아" panose="02020603020101020101" pitchFamily="18" charset="-127"/>
-                  </a:rPr>
-                  <a:t>데이터 선정 배경 </a:t>
-                </a:r>
-                <a:endParaRPr lang="en-US" altLang="ko-KR" sz="1400" dirty="0">
-                  <a:ln>
-                    <a:solidFill>
-                      <a:schemeClr val="tx1">
-                        <a:lumMod val="75000"/>
-                        <a:lumOff val="25000"/>
-                        <a:alpha val="20000"/>
-                      </a:schemeClr>
-                    </a:solidFill>
-                  </a:ln>
-                  <a:solidFill>
-                    <a:srgbClr val="174F78"/>
-                  </a:solidFill>
-                  <a:latin typeface="배달의민족 주아" panose="02020603020101020101" pitchFamily="18" charset="-127"/>
-                  <a:ea typeface="배달의민족 주아" panose="02020603020101020101" pitchFamily="18" charset="-127"/>
-                </a:endParaRPr>
-              </a:p>
-              <a:p>
-                <a:r>
-                  <a:rPr lang="ko-KR" altLang="en-US" sz="1400" dirty="0">
-                    <a:ln>
-                      <a:solidFill>
-                        <a:schemeClr val="tx1">
-                          <a:lumMod val="75000"/>
-                          <a:lumOff val="25000"/>
-                          <a:alpha val="20000"/>
-                        </a:schemeClr>
-                      </a:solidFill>
-                    </a:ln>
-                    <a:solidFill>
-                      <a:srgbClr val="174F78"/>
-                    </a:solidFill>
-                    <a:latin typeface="배달의민족 주아" panose="02020603020101020101" pitchFamily="18" charset="-127"/>
-                    <a:ea typeface="배달의민족 주아" panose="02020603020101020101" pitchFamily="18" charset="-127"/>
-                  </a:rPr>
-                  <a:t>데이터 분석 계획 </a:t>
-                </a:r>
-                <a:endParaRPr lang="en-US" altLang="ko-KR" sz="1400" dirty="0">
-                  <a:ln>
-                    <a:solidFill>
-                      <a:schemeClr val="tx1">
-                        <a:lumMod val="75000"/>
-                        <a:lumOff val="25000"/>
-                        <a:alpha val="20000"/>
-                      </a:schemeClr>
-                    </a:solidFill>
-                  </a:ln>
-                  <a:solidFill>
-                    <a:srgbClr val="174F78"/>
-                  </a:solidFill>
-                  <a:latin typeface="배달의민족 주아" panose="02020603020101020101" pitchFamily="18" charset="-127"/>
-                  <a:ea typeface="배달의민족 주아" panose="02020603020101020101" pitchFamily="18" charset="-127"/>
-                </a:endParaRPr>
-              </a:p>
-            </p:txBody>
-          </p:sp>
-          <p:sp>
-            <p:nvSpPr>
-              <p:cNvPr id="30" name="TextBox 29"/>
-              <p:cNvSpPr txBox="1"/>
-              <p:nvPr/>
-            </p:nvSpPr>
-            <p:spPr>
-              <a:xfrm>
-                <a:off x="6859810" y="4663362"/>
-                <a:ext cx="1293944" cy="461665"/>
-              </a:xfrm>
-              <a:prstGeom prst="rect">
-                <a:avLst/>
-              </a:prstGeom>
-              <a:noFill/>
-            </p:spPr>
-            <p:txBody>
-              <a:bodyPr wrap="none" rtlCol="0">
-                <a:spAutoFit/>
-              </a:bodyPr>
-              <a:lstStyle/>
-              <a:p>
-                <a:r>
-                  <a:rPr lang="ko-KR" altLang="en-US" sz="2400" dirty="0">
-                    <a:ln>
-                      <a:solidFill>
-                        <a:srgbClr val="B0D2D3">
-                          <a:alpha val="20000"/>
-                        </a:srgbClr>
-                      </a:solidFill>
-                    </a:ln>
-                    <a:solidFill>
-                      <a:srgbClr val="B0D2D3"/>
-                    </a:solidFill>
-                    <a:latin typeface="타이포_쌍문동 B" panose="02020803020101020101" pitchFamily="18" charset="-127"/>
-                    <a:ea typeface="타이포_쌍문동 B" panose="02020803020101020101" pitchFamily="18" charset="-127"/>
-                  </a:rPr>
-                  <a:t>웹 구현 </a:t>
-                </a:r>
-              </a:p>
-            </p:txBody>
-          </p:sp>
-          <p:sp>
-            <p:nvSpPr>
-              <p:cNvPr id="31" name="TextBox 30"/>
-              <p:cNvSpPr txBox="1"/>
-              <p:nvPr/>
-            </p:nvSpPr>
-            <p:spPr>
-              <a:xfrm>
-                <a:off x="6888088" y="5157192"/>
-                <a:ext cx="655949" cy="307777"/>
-              </a:xfrm>
-              <a:prstGeom prst="rect">
-                <a:avLst/>
-              </a:prstGeom>
-              <a:noFill/>
-            </p:spPr>
-            <p:txBody>
-              <a:bodyPr wrap="none" rtlCol="0">
-                <a:spAutoFit/>
-              </a:bodyPr>
-              <a:lstStyle/>
-              <a:p>
-                <a:r>
-                  <a:rPr lang="ko-KR" altLang="en-US" sz="1400" dirty="0">
-                    <a:ln>
-                      <a:solidFill>
-                        <a:schemeClr val="tx1">
-                          <a:lumMod val="75000"/>
-                          <a:lumOff val="25000"/>
-                          <a:alpha val="20000"/>
-                        </a:schemeClr>
-                      </a:solidFill>
-                    </a:ln>
-                    <a:solidFill>
-                      <a:srgbClr val="174F78"/>
-                    </a:solidFill>
-                    <a:latin typeface="배달의민족 주아" panose="02020603020101020101" pitchFamily="18" charset="-127"/>
-                    <a:ea typeface="배달의민족 주아" panose="02020603020101020101" pitchFamily="18" charset="-127"/>
-                  </a:rPr>
-                  <a:t>웹 구성</a:t>
-                </a:r>
-              </a:p>
-            </p:txBody>
-          </p:sp>
-          <p:sp>
-            <p:nvSpPr>
-              <p:cNvPr id="34" name="TextBox 33"/>
-              <p:cNvSpPr txBox="1"/>
-              <p:nvPr/>
-            </p:nvSpPr>
-            <p:spPr>
-              <a:xfrm>
-                <a:off x="6816080" y="3014661"/>
-                <a:ext cx="2925801" cy="461665"/>
-              </a:xfrm>
-              <a:prstGeom prst="rect">
-                <a:avLst/>
-              </a:prstGeom>
-              <a:noFill/>
-            </p:spPr>
-            <p:txBody>
-              <a:bodyPr wrap="none" rtlCol="0">
-                <a:spAutoFit/>
-              </a:bodyPr>
-              <a:lstStyle/>
-              <a:p>
-                <a:r>
-                  <a:rPr lang="ko-KR" altLang="en-US" sz="2400" dirty="0">
-                    <a:ln>
-                      <a:solidFill>
-                        <a:srgbClr val="B0D2D3">
-                          <a:alpha val="20000"/>
-                        </a:srgbClr>
-                      </a:solidFill>
-                    </a:ln>
-                    <a:solidFill>
-                      <a:srgbClr val="B0D2D3"/>
-                    </a:solidFill>
-                    <a:latin typeface="타이포_쌍문동 B" panose="02020803020101020101" pitchFamily="18" charset="-127"/>
-                    <a:ea typeface="타이포_쌍문동 B" panose="02020803020101020101" pitchFamily="18" charset="-127"/>
-                  </a:rPr>
-                  <a:t>여행지 선호도 분석 </a:t>
-                </a:r>
-              </a:p>
-            </p:txBody>
-          </p:sp>
-          <p:sp>
-            <p:nvSpPr>
-              <p:cNvPr id="35" name="TextBox 34"/>
-              <p:cNvSpPr txBox="1"/>
-              <p:nvPr/>
-            </p:nvSpPr>
-            <p:spPr>
-              <a:xfrm>
-                <a:off x="6863565" y="3569093"/>
-                <a:ext cx="2284600" cy="954107"/>
-              </a:xfrm>
-              <a:prstGeom prst="rect">
-                <a:avLst/>
-              </a:prstGeom>
-              <a:noFill/>
-            </p:spPr>
-            <p:txBody>
-              <a:bodyPr wrap="none" rtlCol="0">
-                <a:spAutoFit/>
-              </a:bodyPr>
-              <a:lstStyle/>
-              <a:p>
-                <a:r>
-                  <a:rPr lang="ko-KR" altLang="en-US" sz="1400" dirty="0">
-                    <a:ln>
-                      <a:solidFill>
-                        <a:schemeClr val="tx1">
-                          <a:lumMod val="75000"/>
-                          <a:lumOff val="25000"/>
-                          <a:alpha val="20000"/>
-                        </a:schemeClr>
-                      </a:solidFill>
-                    </a:ln>
-                    <a:solidFill>
-                      <a:srgbClr val="174F78"/>
-                    </a:solidFill>
-                    <a:latin typeface="배달의민족 주아" panose="02020603020101020101" pitchFamily="18" charset="-127"/>
-                    <a:ea typeface="배달의민족 주아" panose="02020603020101020101" pitchFamily="18" charset="-127"/>
-                  </a:rPr>
-                  <a:t>여행지 만족도 분석 </a:t>
-                </a:r>
-                <a:r>
-                  <a:rPr lang="en-US" altLang="ko-KR" sz="1400" dirty="0">
-                    <a:ln>
-                      <a:solidFill>
-                        <a:schemeClr val="tx1">
-                          <a:lumMod val="75000"/>
-                          <a:lumOff val="25000"/>
-                          <a:alpha val="20000"/>
-                        </a:schemeClr>
-                      </a:solidFill>
-                    </a:ln>
-                    <a:solidFill>
-                      <a:srgbClr val="174F78"/>
-                    </a:solidFill>
-                    <a:latin typeface="배달의민족 주아" panose="02020603020101020101" pitchFamily="18" charset="-127"/>
-                    <a:ea typeface="배달의민족 주아" panose="02020603020101020101" pitchFamily="18" charset="-127"/>
-                  </a:rPr>
-                  <a:t>(</a:t>
-                </a:r>
-                <a:r>
-                  <a:rPr lang="ko-KR" altLang="en-US" sz="1400" dirty="0">
-                    <a:ln>
-                      <a:solidFill>
-                        <a:schemeClr val="tx1">
-                          <a:lumMod val="75000"/>
-                          <a:lumOff val="25000"/>
-                          <a:alpha val="20000"/>
-                        </a:schemeClr>
-                      </a:solidFill>
-                    </a:ln>
-                    <a:solidFill>
-                      <a:srgbClr val="174F78"/>
-                    </a:solidFill>
-                    <a:latin typeface="배달의민족 주아" panose="02020603020101020101" pitchFamily="18" charset="-127"/>
-                    <a:ea typeface="배달의민족 주아" panose="02020603020101020101" pitchFamily="18" charset="-127"/>
-                  </a:rPr>
-                  <a:t>개인</a:t>
-                </a:r>
-                <a:r>
-                  <a:rPr lang="en-US" altLang="ko-KR" sz="1400" dirty="0">
-                    <a:ln>
-                      <a:solidFill>
-                        <a:schemeClr val="tx1">
-                          <a:lumMod val="75000"/>
-                          <a:lumOff val="25000"/>
-                          <a:alpha val="20000"/>
-                        </a:schemeClr>
-                      </a:solidFill>
-                    </a:ln>
-                    <a:solidFill>
-                      <a:srgbClr val="174F78"/>
-                    </a:solidFill>
-                    <a:latin typeface="배달의민족 주아" panose="02020603020101020101" pitchFamily="18" charset="-127"/>
-                    <a:ea typeface="배달의민족 주아" panose="02020603020101020101" pitchFamily="18" charset="-127"/>
-                  </a:rPr>
-                  <a:t>/</a:t>
-                </a:r>
-                <a:r>
-                  <a:rPr lang="ko-KR" altLang="en-US" sz="1400" dirty="0">
-                    <a:ln>
-                      <a:solidFill>
-                        <a:schemeClr val="tx1">
-                          <a:lumMod val="75000"/>
-                          <a:lumOff val="25000"/>
-                          <a:alpha val="20000"/>
-                        </a:schemeClr>
-                      </a:solidFill>
-                    </a:ln>
-                    <a:solidFill>
-                      <a:srgbClr val="174F78"/>
-                    </a:solidFill>
-                    <a:latin typeface="배달의민족 주아" panose="02020603020101020101" pitchFamily="18" charset="-127"/>
-                    <a:ea typeface="배달의민족 주아" panose="02020603020101020101" pitchFamily="18" charset="-127"/>
-                  </a:rPr>
-                  <a:t>단체</a:t>
-                </a:r>
-                <a:r>
-                  <a:rPr lang="en-US" altLang="ko-KR" sz="1400" dirty="0">
-                    <a:ln>
-                      <a:solidFill>
-                        <a:schemeClr val="tx1">
-                          <a:lumMod val="75000"/>
-                          <a:lumOff val="25000"/>
-                          <a:alpha val="20000"/>
-                        </a:schemeClr>
-                      </a:solidFill>
-                    </a:ln>
-                    <a:solidFill>
-                      <a:srgbClr val="174F78"/>
-                    </a:solidFill>
-                    <a:latin typeface="배달의민족 주아" panose="02020603020101020101" pitchFamily="18" charset="-127"/>
-                    <a:ea typeface="배달의민족 주아" panose="02020603020101020101" pitchFamily="18" charset="-127"/>
-                  </a:rPr>
-                  <a:t>)</a:t>
-                </a:r>
-              </a:p>
-              <a:p>
-                <a:r>
-                  <a:rPr lang="ko-KR" altLang="en-US" sz="1400" dirty="0">
-                    <a:ln>
-                      <a:solidFill>
-                        <a:schemeClr val="tx1">
-                          <a:lumMod val="75000"/>
-                          <a:lumOff val="25000"/>
-                          <a:alpha val="20000"/>
-                        </a:schemeClr>
-                      </a:solidFill>
-                    </a:ln>
-                    <a:solidFill>
-                      <a:srgbClr val="174F78"/>
-                    </a:solidFill>
-                    <a:latin typeface="배달의민족 주아" panose="02020603020101020101" pitchFamily="18" charset="-127"/>
-                    <a:ea typeface="배달의민족 주아" panose="02020603020101020101" pitchFamily="18" charset="-127"/>
-                  </a:rPr>
-                  <a:t>여행지 방문객 수 분석 </a:t>
-                </a:r>
-                <a:endParaRPr lang="en-US" altLang="ko-KR" sz="1400" dirty="0">
-                  <a:ln>
-                    <a:solidFill>
-                      <a:schemeClr val="tx1">
-                        <a:lumMod val="75000"/>
-                        <a:lumOff val="25000"/>
-                        <a:alpha val="20000"/>
-                      </a:schemeClr>
-                    </a:solidFill>
-                  </a:ln>
-                  <a:solidFill>
-                    <a:srgbClr val="174F78"/>
-                  </a:solidFill>
-                  <a:latin typeface="배달의민족 주아" panose="02020603020101020101" pitchFamily="18" charset="-127"/>
-                  <a:ea typeface="배달의민족 주아" panose="02020603020101020101" pitchFamily="18" charset="-127"/>
-                </a:endParaRPr>
-              </a:p>
-              <a:p>
-                <a:r>
-                  <a:rPr lang="ko-KR" altLang="en-US" sz="1400" dirty="0">
-                    <a:ln>
-                      <a:solidFill>
-                        <a:schemeClr val="tx1">
-                          <a:lumMod val="75000"/>
-                          <a:lumOff val="25000"/>
-                          <a:alpha val="20000"/>
-                        </a:schemeClr>
-                      </a:solidFill>
-                    </a:ln>
-                    <a:solidFill>
-                      <a:srgbClr val="174F78"/>
-                    </a:solidFill>
-                    <a:latin typeface="배달의민족 주아" panose="02020603020101020101" pitchFamily="18" charset="-127"/>
-                    <a:ea typeface="배달의민족 주아" panose="02020603020101020101" pitchFamily="18" charset="-127"/>
-                  </a:rPr>
-                  <a:t>여행지 선호도 분석 </a:t>
-                </a:r>
-                <a:endParaRPr lang="en-US" altLang="ko-KR" sz="1400" dirty="0">
-                  <a:ln>
-                    <a:solidFill>
-                      <a:schemeClr val="tx1">
-                        <a:lumMod val="75000"/>
-                        <a:lumOff val="25000"/>
-                        <a:alpha val="20000"/>
-                      </a:schemeClr>
-                    </a:solidFill>
-                  </a:ln>
-                  <a:solidFill>
-                    <a:srgbClr val="174F78"/>
-                  </a:solidFill>
-                  <a:latin typeface="배달의민족 주아" panose="02020603020101020101" pitchFamily="18" charset="-127"/>
-                  <a:ea typeface="배달의민족 주아" panose="02020603020101020101" pitchFamily="18" charset="-127"/>
-                </a:endParaRPr>
-              </a:p>
-              <a:p>
-                <a:r>
-                  <a:rPr lang="ko-KR" altLang="en-US" sz="1400" dirty="0">
-                    <a:ln>
-                      <a:solidFill>
-                        <a:schemeClr val="tx1">
-                          <a:lumMod val="75000"/>
-                          <a:lumOff val="25000"/>
-                          <a:alpha val="20000"/>
-                        </a:schemeClr>
-                      </a:solidFill>
-                    </a:ln>
-                    <a:solidFill>
-                      <a:srgbClr val="174F78"/>
-                    </a:solidFill>
-                    <a:latin typeface="배달의민족 주아" panose="02020603020101020101" pitchFamily="18" charset="-127"/>
-                    <a:ea typeface="배달의민족 주아" panose="02020603020101020101" pitchFamily="18" charset="-127"/>
-                  </a:rPr>
-                  <a:t>분석결과와 실제 비교 </a:t>
-                </a:r>
-              </a:p>
-            </p:txBody>
-          </p:sp>
-        </p:grpSp>
-        <p:cxnSp>
-          <p:nvCxnSpPr>
-            <p:cNvPr id="41" name="직선 연결선 40"/>
-            <p:cNvCxnSpPr/>
-            <p:nvPr/>
-          </p:nvCxnSpPr>
-          <p:spPr>
-            <a:xfrm>
-              <a:off x="6816080" y="1268760"/>
-              <a:ext cx="2880000" cy="0"/>
-            </a:xfrm>
-            <a:prstGeom prst="line">
-              <a:avLst/>
-            </a:prstGeom>
-            <a:ln w="12700">
-              <a:solidFill>
-                <a:srgbClr val="B0D2D3"/>
-              </a:solidFill>
-            </a:ln>
-          </p:spPr>
-          <p:style>
-            <a:lnRef idx="1">
-              <a:schemeClr val="accent1"/>
-            </a:lnRef>
-            <a:fillRef idx="0">
-              <a:schemeClr val="accent1"/>
-            </a:fillRef>
-            <a:effectRef idx="0">
-              <a:schemeClr val="accent1"/>
-            </a:effectRef>
-            <a:fontRef idx="minor">
-              <a:schemeClr val="tx1"/>
-            </a:fontRef>
-          </p:style>
-        </p:cxnSp>
         <p:sp>
           <p:nvSpPr>
-            <p:cNvPr id="42" name="TextBox 41"/>
+            <p:cNvPr id="8" name="TextBox 7"/>
             <p:cNvSpPr txBox="1"/>
             <p:nvPr/>
           </p:nvSpPr>
           <p:spPr>
             <a:xfrm>
-              <a:off x="8157185" y="991761"/>
-              <a:ext cx="1659430" cy="276999"/>
+              <a:off x="709468" y="346724"/>
+              <a:ext cx="1639103" cy="400110"/>
             </a:xfrm>
             <a:prstGeom prst="rect">
               <a:avLst/>
@@ -21706,23 +20795,78 @@
             </a:bodyPr>
             <a:lstStyle/>
             <a:p>
-              <a:pPr algn="r"/>
-              <a:r>
-                <a:rPr lang="ko-KR" altLang="en-US" sz="1200" dirty="0">
-                  <a:ln>
-                    <a:solidFill>
-                      <a:srgbClr val="B0D2D3">
-                        <a:alpha val="20000"/>
-                      </a:srgbClr>
-                    </a:solidFill>
-                  </a:ln>
-                  <a:solidFill>
-                    <a:srgbClr val="B0D2D3"/>
-                  </a:solidFill>
-                  <a:latin typeface="배달의민족 주아" panose="02020603020101020101" pitchFamily="18" charset="-127"/>
-                  <a:ea typeface="배달의민족 주아" panose="02020603020101020101" pitchFamily="18" charset="-127"/>
-                </a:rPr>
-                <a:t>멀티캠퍼스 교육 프로그램 </a:t>
+              <a:r>
+                <a:rPr lang="en-US" altLang="ko-KR" sz="2000" dirty="0">
+                  <a:ln>
+                    <a:solidFill>
+                      <a:schemeClr val="bg1">
+                        <a:alpha val="20000"/>
+                      </a:schemeClr>
+                    </a:solidFill>
+                  </a:ln>
+                  <a:solidFill>
+                    <a:schemeClr val="bg1"/>
+                  </a:solidFill>
+                  <a:latin typeface="타이포_쌍문동 B" panose="02020803020101020101" pitchFamily="18" charset="-127"/>
+                  <a:ea typeface="타이포_쌍문동 B" panose="02020803020101020101" pitchFamily="18" charset="-127"/>
+                </a:rPr>
+                <a:t>Trip Inside</a:t>
+              </a:r>
+              <a:endParaRPr lang="ko-KR" altLang="en-US" sz="2000" dirty="0">
+                <a:ln>
+                  <a:solidFill>
+                    <a:schemeClr val="bg1">
+                      <a:alpha val="20000"/>
+                    </a:schemeClr>
+                  </a:solidFill>
+                </a:ln>
+                <a:solidFill>
+                  <a:schemeClr val="bg1"/>
+                </a:solidFill>
+                <a:latin typeface="타이포_쌍문동 B" panose="02020803020101020101" pitchFamily="18" charset="-127"/>
+                <a:ea typeface="타이포_쌍문동 B" panose="02020803020101020101" pitchFamily="18" charset="-127"/>
+              </a:endParaRPr>
+            </a:p>
+          </p:txBody>
+        </p:sp>
+        <p:sp>
+          <p:nvSpPr>
+            <p:cNvPr id="9" name="TextBox 8"/>
+            <p:cNvSpPr txBox="1"/>
+            <p:nvPr/>
+          </p:nvSpPr>
+          <p:spPr>
+            <a:xfrm>
+              <a:off x="709468" y="692696"/>
+              <a:ext cx="1247457" cy="276999"/>
+            </a:xfrm>
+            <a:prstGeom prst="rect">
+              <a:avLst/>
+            </a:prstGeom>
+            <a:noFill/>
+          </p:spPr>
+          <p:txBody>
+            <a:bodyPr wrap="none" rtlCol="0">
+              <a:spAutoFit/>
+            </a:bodyPr>
+            <a:lstStyle/>
+            <a:p>
+              <a:r>
+                <a:rPr lang="ko-KR" altLang="en-US" sz="1200" b="1" dirty="0">
+                  <a:ln>
+                    <a:solidFill>
+                      <a:schemeClr val="bg1">
+                        <a:alpha val="20000"/>
+                      </a:schemeClr>
+                    </a:solidFill>
+                  </a:ln>
+                  <a:solidFill>
+                    <a:schemeClr val="bg1"/>
+                  </a:solidFill>
+                  <a:latin typeface="타이포_쌍문동 B" panose="02020803020101020101" pitchFamily="18" charset="-127"/>
+                  <a:ea typeface="타이포_쌍문동 B" panose="02020803020101020101" pitchFamily="18" charset="-127"/>
+                </a:rPr>
+                <a:t>주제 선정 배경 </a:t>
               </a:r>
             </a:p>
           </p:txBody>
@@ -21730,10 +20874,866 @@
       </p:grpSp>
       <p:sp>
         <p:nvSpPr>
+          <p:cNvPr id="20" name="TextBox 19"/>
+          <p:cNvSpPr txBox="1"/>
+          <p:nvPr/>
+        </p:nvSpPr>
+        <p:spPr>
+          <a:xfrm>
+            <a:off x="2541180" y="1412776"/>
+            <a:ext cx="7109639" cy="1138773"/>
+          </a:xfrm>
+          <a:prstGeom prst="rect">
+            <a:avLst/>
+          </a:prstGeom>
+          <a:noFill/>
+        </p:spPr>
+        <p:txBody>
+          <a:bodyPr wrap="none" rtlCol="0">
+            <a:spAutoFit/>
+          </a:bodyPr>
+          <a:lstStyle/>
+          <a:p>
+            <a:pPr algn="ctr"/>
+            <a:r>
+              <a:rPr lang="ko-KR" altLang="en-US" sz="2400" dirty="0">
+                <a:ln>
+                  <a:solidFill>
+                    <a:srgbClr val="00547A">
+                      <a:alpha val="20000"/>
+                    </a:srgbClr>
+                  </a:solidFill>
+                </a:ln>
+                <a:solidFill>
+                  <a:srgbClr val="00547A"/>
+                </a:solidFill>
+                <a:latin typeface="타이포_쌍문동 B" panose="02020803020101020101" pitchFamily="18" charset="-127"/>
+                <a:ea typeface="타이포_쌍문동 B" panose="02020803020101020101" pitchFamily="18" charset="-127"/>
+              </a:rPr>
+              <a:t>주제 선정 배경 </a:t>
+            </a:r>
+            <a:endParaRPr lang="en-US" altLang="ko-KR" sz="2400" dirty="0">
+              <a:ln>
+                <a:solidFill>
+                  <a:srgbClr val="00547A">
+                    <a:alpha val="20000"/>
+                  </a:srgbClr>
+                </a:solidFill>
+              </a:ln>
+              <a:solidFill>
+                <a:srgbClr val="00547A"/>
+              </a:solidFill>
+              <a:latin typeface="타이포_쌍문동 B" panose="02020803020101020101" pitchFamily="18" charset="-127"/>
+              <a:ea typeface="타이포_쌍문동 B" panose="02020803020101020101" pitchFamily="18" charset="-127"/>
+            </a:endParaRPr>
+          </a:p>
+          <a:p>
+            <a:pPr algn="ctr"/>
+            <a:endParaRPr lang="en-US" altLang="ko-KR" sz="2400" dirty="0">
+              <a:ln>
+                <a:solidFill>
+                  <a:srgbClr val="00547A">
+                    <a:alpha val="20000"/>
+                  </a:srgbClr>
+                </a:solidFill>
+              </a:ln>
+              <a:solidFill>
+                <a:srgbClr val="00547A"/>
+              </a:solidFill>
+              <a:latin typeface="타이포_쌍문동 B" panose="02020803020101020101" pitchFamily="18" charset="-127"/>
+              <a:ea typeface="타이포_쌍문동 B" panose="02020803020101020101" pitchFamily="18" charset="-127"/>
+            </a:endParaRPr>
+          </a:p>
+          <a:p>
+            <a:pPr algn="ctr"/>
+            <a:r>
+              <a:rPr lang="en-US" altLang="ko-KR" sz="2000" dirty="0">
+                <a:ln>
+                  <a:solidFill>
+                    <a:srgbClr val="00547A">
+                      <a:alpha val="20000"/>
+                    </a:srgbClr>
+                  </a:solidFill>
+                </a:ln>
+                <a:solidFill>
+                  <a:srgbClr val="00547A"/>
+                </a:solidFill>
+                <a:latin typeface="타이포_쌍문동 B" panose="02020803020101020101" pitchFamily="18" charset="-127"/>
+                <a:ea typeface="타이포_쌍문동 B" panose="02020803020101020101" pitchFamily="18" charset="-127"/>
+              </a:rPr>
+              <a:t> </a:t>
+            </a:r>
+            <a:r>
+              <a:rPr lang="ko-KR" altLang="en-US" sz="2000" dirty="0">
+                <a:ln>
+                  <a:solidFill>
+                    <a:srgbClr val="00547A">
+                      <a:alpha val="20000"/>
+                    </a:srgbClr>
+                  </a:solidFill>
+                </a:ln>
+                <a:solidFill>
+                  <a:srgbClr val="00547A"/>
+                </a:solidFill>
+                <a:latin typeface="타이포_쌍문동 B" panose="02020803020101020101" pitchFamily="18" charset="-127"/>
+                <a:ea typeface="타이포_쌍문동 B" panose="02020803020101020101" pitchFamily="18" charset="-127"/>
+              </a:rPr>
+              <a:t>일본 불매 운동의 여파로 여행객들을 위한 국내 여행지 추천 </a:t>
+            </a:r>
+          </a:p>
+        </p:txBody>
+      </p:sp>
+      <p:sp>
+        <p:nvSpPr>
+          <p:cNvPr id="21" name="TextBox 20"/>
+          <p:cNvSpPr txBox="1"/>
+          <p:nvPr/>
+        </p:nvSpPr>
+        <p:spPr>
+          <a:xfrm>
+            <a:off x="6078217" y="3125552"/>
+            <a:ext cx="5472608" cy="3046988"/>
+          </a:xfrm>
+          <a:prstGeom prst="rect">
+            <a:avLst/>
+          </a:prstGeom>
+          <a:noFill/>
+        </p:spPr>
+        <p:txBody>
+          <a:bodyPr wrap="square" rtlCol="0">
+            <a:spAutoFit/>
+          </a:bodyPr>
+          <a:lstStyle/>
+          <a:p>
+            <a:pPr algn="just"/>
+            <a:r>
+              <a:rPr lang="en-US" altLang="ko-KR" sz="1600" dirty="0">
+                <a:ln>
+                  <a:solidFill>
+                    <a:schemeClr val="tx1">
+                      <a:lumMod val="75000"/>
+                      <a:lumOff val="25000"/>
+                      <a:alpha val="20000"/>
+                    </a:schemeClr>
+                  </a:solidFill>
+                </a:ln>
+                <a:solidFill>
+                  <a:schemeClr val="tx1">
+                    <a:lumMod val="75000"/>
+                    <a:lumOff val="25000"/>
+                  </a:schemeClr>
+                </a:solidFill>
+                <a:latin typeface="배달의민족 주아" panose="02020603020101020101" pitchFamily="18" charset="-127"/>
+                <a:ea typeface="배달의민족 주아" panose="02020603020101020101" pitchFamily="18" charset="-127"/>
+              </a:rPr>
+              <a:t>2019</a:t>
+            </a:r>
+            <a:r>
+              <a:rPr lang="ko-KR" altLang="en-US" sz="1600" dirty="0">
+                <a:ln>
+                  <a:solidFill>
+                    <a:schemeClr val="tx1">
+                      <a:lumMod val="75000"/>
+                      <a:lumOff val="25000"/>
+                      <a:alpha val="20000"/>
+                    </a:schemeClr>
+                  </a:solidFill>
+                </a:ln>
+                <a:solidFill>
+                  <a:schemeClr val="tx1">
+                    <a:lumMod val="75000"/>
+                    <a:lumOff val="25000"/>
+                  </a:schemeClr>
+                </a:solidFill>
+                <a:latin typeface="배달의민족 주아" panose="02020603020101020101" pitchFamily="18" charset="-127"/>
+                <a:ea typeface="배달의민족 주아" panose="02020603020101020101" pitchFamily="18" charset="-127"/>
+              </a:rPr>
+              <a:t>년 </a:t>
+            </a:r>
+            <a:r>
+              <a:rPr lang="en-US" altLang="ko-KR" sz="1600" dirty="0">
+                <a:ln>
+                  <a:solidFill>
+                    <a:schemeClr val="tx1">
+                      <a:lumMod val="75000"/>
+                      <a:lumOff val="25000"/>
+                      <a:alpha val="20000"/>
+                    </a:schemeClr>
+                  </a:solidFill>
+                </a:ln>
+                <a:solidFill>
+                  <a:schemeClr val="tx1">
+                    <a:lumMod val="75000"/>
+                    <a:lumOff val="25000"/>
+                  </a:schemeClr>
+                </a:solidFill>
+                <a:latin typeface="배달의민족 주아" panose="02020603020101020101" pitchFamily="18" charset="-127"/>
+                <a:ea typeface="배달의민족 주아" panose="02020603020101020101" pitchFamily="18" charset="-127"/>
+              </a:rPr>
+              <a:t>7</a:t>
+            </a:r>
+            <a:r>
+              <a:rPr lang="ko-KR" altLang="en-US" sz="1600" dirty="0">
+                <a:ln>
+                  <a:solidFill>
+                    <a:schemeClr val="tx1">
+                      <a:lumMod val="75000"/>
+                      <a:lumOff val="25000"/>
+                      <a:alpha val="20000"/>
+                    </a:schemeClr>
+                  </a:solidFill>
+                </a:ln>
+                <a:solidFill>
+                  <a:schemeClr val="tx1">
+                    <a:lumMod val="75000"/>
+                    <a:lumOff val="25000"/>
+                  </a:schemeClr>
+                </a:solidFill>
+                <a:latin typeface="배달의민족 주아" panose="02020603020101020101" pitchFamily="18" charset="-127"/>
+                <a:ea typeface="배달의민족 주아" panose="02020603020101020101" pitchFamily="18" charset="-127"/>
+              </a:rPr>
+              <a:t>월</a:t>
+            </a:r>
+            <a:r>
+              <a:rPr lang="en-US" altLang="ko-KR" sz="1600" dirty="0">
+                <a:ln>
+                  <a:solidFill>
+                    <a:schemeClr val="tx1">
+                      <a:lumMod val="75000"/>
+                      <a:lumOff val="25000"/>
+                      <a:alpha val="20000"/>
+                    </a:schemeClr>
+                  </a:solidFill>
+                </a:ln>
+                <a:solidFill>
+                  <a:schemeClr val="tx1">
+                    <a:lumMod val="75000"/>
+                    <a:lumOff val="25000"/>
+                  </a:schemeClr>
+                </a:solidFill>
+                <a:latin typeface="배달의민족 주아" panose="02020603020101020101" pitchFamily="18" charset="-127"/>
+                <a:ea typeface="배달의민족 주아" panose="02020603020101020101" pitchFamily="18" charset="-127"/>
+              </a:rPr>
+              <a:t>, </a:t>
+            </a:r>
+            <a:r>
+              <a:rPr lang="ko-KR" altLang="en-US" sz="1600" dirty="0">
+                <a:ln>
+                  <a:solidFill>
+                    <a:schemeClr val="tx1">
+                      <a:lumMod val="75000"/>
+                      <a:lumOff val="25000"/>
+                      <a:alpha val="20000"/>
+                    </a:schemeClr>
+                  </a:solidFill>
+                </a:ln>
+                <a:solidFill>
+                  <a:schemeClr val="tx1">
+                    <a:lumMod val="75000"/>
+                    <a:lumOff val="25000"/>
+                  </a:schemeClr>
+                </a:solidFill>
+                <a:latin typeface="배달의민족 주아" panose="02020603020101020101" pitchFamily="18" charset="-127"/>
+                <a:ea typeface="배달의민족 주아" panose="02020603020101020101" pitchFamily="18" charset="-127"/>
+              </a:rPr>
+              <a:t>일본이 반도체 수출 규제를 실시하였습니다</a:t>
+            </a:r>
+            <a:r>
+              <a:rPr lang="en-US" altLang="ko-KR" sz="1600" dirty="0">
+                <a:ln>
+                  <a:solidFill>
+                    <a:schemeClr val="tx1">
+                      <a:lumMod val="75000"/>
+                      <a:lumOff val="25000"/>
+                      <a:alpha val="20000"/>
+                    </a:schemeClr>
+                  </a:solidFill>
+                </a:ln>
+                <a:solidFill>
+                  <a:schemeClr val="tx1">
+                    <a:lumMod val="75000"/>
+                    <a:lumOff val="25000"/>
+                  </a:schemeClr>
+                </a:solidFill>
+                <a:latin typeface="배달의민족 주아" panose="02020603020101020101" pitchFamily="18" charset="-127"/>
+                <a:ea typeface="배달의민족 주아" panose="02020603020101020101" pitchFamily="18" charset="-127"/>
+              </a:rPr>
+              <a:t>. </a:t>
+            </a:r>
+          </a:p>
+          <a:p>
+            <a:pPr algn="just"/>
+            <a:endParaRPr lang="en-US" altLang="ko-KR" sz="1600" dirty="0">
+              <a:ln>
+                <a:solidFill>
+                  <a:schemeClr val="tx1">
+                    <a:lumMod val="75000"/>
+                    <a:lumOff val="25000"/>
+                    <a:alpha val="20000"/>
+                  </a:schemeClr>
+                </a:solidFill>
+              </a:ln>
+              <a:solidFill>
+                <a:schemeClr val="tx1">
+                  <a:lumMod val="75000"/>
+                  <a:lumOff val="25000"/>
+                </a:schemeClr>
+              </a:solidFill>
+              <a:latin typeface="배달의민족 주아" panose="02020603020101020101" pitchFamily="18" charset="-127"/>
+              <a:ea typeface="배달의민족 주아" panose="02020603020101020101" pitchFamily="18" charset="-127"/>
+            </a:endParaRPr>
+          </a:p>
+          <a:p>
+            <a:pPr algn="just"/>
+            <a:r>
+              <a:rPr lang="ko-KR" altLang="en-US" sz="1600" dirty="0">
+                <a:ln>
+                  <a:solidFill>
+                    <a:schemeClr val="tx1">
+                      <a:lumMod val="75000"/>
+                      <a:lumOff val="25000"/>
+                      <a:alpha val="20000"/>
+                    </a:schemeClr>
+                  </a:solidFill>
+                </a:ln>
+                <a:solidFill>
+                  <a:schemeClr val="tx1">
+                    <a:lumMod val="75000"/>
+                    <a:lumOff val="25000"/>
+                  </a:schemeClr>
+                </a:solidFill>
+                <a:latin typeface="배달의민족 주아" panose="02020603020101020101" pitchFamily="18" charset="-127"/>
+                <a:ea typeface="배달의민족 주아" panose="02020603020101020101" pitchFamily="18" charset="-127"/>
+              </a:rPr>
+              <a:t>이에 반발하여 일본 대신 국내 여행으로 지역경제에 힘을 보태고자하는 여론이 형성되었습니다</a:t>
+            </a:r>
+            <a:r>
+              <a:rPr lang="en-US" altLang="ko-KR" sz="1600" dirty="0">
+                <a:ln>
+                  <a:solidFill>
+                    <a:schemeClr val="tx1">
+                      <a:lumMod val="75000"/>
+                      <a:lumOff val="25000"/>
+                      <a:alpha val="20000"/>
+                    </a:schemeClr>
+                  </a:solidFill>
+                </a:ln>
+                <a:solidFill>
+                  <a:schemeClr val="tx1">
+                    <a:lumMod val="75000"/>
+                    <a:lumOff val="25000"/>
+                  </a:schemeClr>
+                </a:solidFill>
+                <a:latin typeface="배달의민족 주아" panose="02020603020101020101" pitchFamily="18" charset="-127"/>
+                <a:ea typeface="배달의민족 주아" panose="02020603020101020101" pitchFamily="18" charset="-127"/>
+              </a:rPr>
+              <a:t>.</a:t>
+            </a:r>
+          </a:p>
+          <a:p>
+            <a:pPr algn="just"/>
+            <a:endParaRPr lang="en-US" altLang="ko-KR" sz="1600" dirty="0">
+              <a:ln>
+                <a:solidFill>
+                  <a:schemeClr val="tx1">
+                    <a:lumMod val="75000"/>
+                    <a:lumOff val="25000"/>
+                    <a:alpha val="20000"/>
+                  </a:schemeClr>
+                </a:solidFill>
+              </a:ln>
+              <a:solidFill>
+                <a:schemeClr val="tx1">
+                  <a:lumMod val="75000"/>
+                  <a:lumOff val="25000"/>
+                </a:schemeClr>
+              </a:solidFill>
+              <a:latin typeface="배달의민족 주아" panose="02020603020101020101" pitchFamily="18" charset="-127"/>
+              <a:ea typeface="배달의민족 주아" panose="02020603020101020101" pitchFamily="18" charset="-127"/>
+            </a:endParaRPr>
+          </a:p>
+          <a:p>
+            <a:pPr algn="just"/>
+            <a:r>
+              <a:rPr lang="en-US" altLang="ko-KR" sz="1600" dirty="0">
+                <a:ln>
+                  <a:solidFill>
+                    <a:schemeClr val="tx1">
+                      <a:lumMod val="75000"/>
+                      <a:lumOff val="25000"/>
+                      <a:alpha val="20000"/>
+                    </a:schemeClr>
+                  </a:solidFill>
+                </a:ln>
+                <a:solidFill>
+                  <a:schemeClr val="tx1">
+                    <a:lumMod val="75000"/>
+                    <a:lumOff val="25000"/>
+                  </a:schemeClr>
+                </a:solidFill>
+                <a:latin typeface="배달의민족 주아" panose="02020603020101020101" pitchFamily="18" charset="-127"/>
+                <a:ea typeface="배달의민족 주아" panose="02020603020101020101" pitchFamily="18" charset="-127"/>
+              </a:rPr>
+              <a:t>7</a:t>
+            </a:r>
+            <a:r>
+              <a:rPr lang="ko-KR" altLang="en-US" sz="1600" dirty="0">
+                <a:ln>
+                  <a:solidFill>
+                    <a:schemeClr val="tx1">
+                      <a:lumMod val="75000"/>
+                      <a:lumOff val="25000"/>
+                      <a:alpha val="20000"/>
+                    </a:schemeClr>
+                  </a:solidFill>
+                </a:ln>
+                <a:solidFill>
+                  <a:schemeClr val="tx1">
+                    <a:lumMod val="75000"/>
+                    <a:lumOff val="25000"/>
+                  </a:schemeClr>
+                </a:solidFill>
+                <a:latin typeface="배달의민족 주아" panose="02020603020101020101" pitchFamily="18" charset="-127"/>
+                <a:ea typeface="배달의민족 주아" panose="02020603020101020101" pitchFamily="18" charset="-127"/>
+              </a:rPr>
+              <a:t>월에는 미리 일본 여행을 예약했던 사람들이 어쩔 수 없었지만 </a:t>
+            </a:r>
+            <a:r>
+              <a:rPr lang="en-US" altLang="ko-KR" sz="1600" dirty="0">
+                <a:ln>
+                  <a:solidFill>
+                    <a:schemeClr val="tx1">
+                      <a:lumMod val="75000"/>
+                      <a:lumOff val="25000"/>
+                      <a:alpha val="20000"/>
+                    </a:schemeClr>
+                  </a:solidFill>
+                </a:ln>
+                <a:solidFill>
+                  <a:schemeClr val="tx1">
+                    <a:lumMod val="75000"/>
+                    <a:lumOff val="25000"/>
+                  </a:schemeClr>
+                </a:solidFill>
+                <a:latin typeface="배달의민족 주아" panose="02020603020101020101" pitchFamily="18" charset="-127"/>
+                <a:ea typeface="배달의민족 주아" panose="02020603020101020101" pitchFamily="18" charset="-127"/>
+              </a:rPr>
+              <a:t>8</a:t>
+            </a:r>
+            <a:r>
+              <a:rPr lang="ko-KR" altLang="en-US" sz="1600" dirty="0">
+                <a:ln>
+                  <a:solidFill>
+                    <a:schemeClr val="tx1">
+                      <a:lumMod val="75000"/>
+                      <a:lumOff val="25000"/>
+                      <a:alpha val="20000"/>
+                    </a:schemeClr>
+                  </a:solidFill>
+                </a:ln>
+                <a:solidFill>
+                  <a:schemeClr val="tx1">
+                    <a:lumMod val="75000"/>
+                    <a:lumOff val="25000"/>
+                  </a:schemeClr>
+                </a:solidFill>
+                <a:latin typeface="배달의민족 주아" panose="02020603020101020101" pitchFamily="18" charset="-127"/>
+                <a:ea typeface="배달의민족 주아" panose="02020603020101020101" pitchFamily="18" charset="-127"/>
+              </a:rPr>
+              <a:t>월에는 확실한 일본 여행객 감소가 예상된다는 뉴스가 나오고 있습니다</a:t>
+            </a:r>
+            <a:r>
+              <a:rPr lang="en-US" altLang="ko-KR" sz="1600" dirty="0">
+                <a:ln>
+                  <a:solidFill>
+                    <a:schemeClr val="tx1">
+                      <a:lumMod val="75000"/>
+                      <a:lumOff val="25000"/>
+                      <a:alpha val="20000"/>
+                    </a:schemeClr>
+                  </a:solidFill>
+                </a:ln>
+                <a:solidFill>
+                  <a:schemeClr val="tx1">
+                    <a:lumMod val="75000"/>
+                    <a:lumOff val="25000"/>
+                  </a:schemeClr>
+                </a:solidFill>
+                <a:latin typeface="배달의민족 주아" panose="02020603020101020101" pitchFamily="18" charset="-127"/>
+                <a:ea typeface="배달의민족 주아" panose="02020603020101020101" pitchFamily="18" charset="-127"/>
+              </a:rPr>
+              <a:t>.</a:t>
+            </a:r>
+          </a:p>
+          <a:p>
+            <a:pPr algn="just"/>
+            <a:r>
+              <a:rPr lang="en-US" altLang="ko-KR" sz="1600" dirty="0">
+                <a:ln>
+                  <a:solidFill>
+                    <a:schemeClr val="tx1">
+                      <a:lumMod val="75000"/>
+                      <a:lumOff val="25000"/>
+                      <a:alpha val="20000"/>
+                    </a:schemeClr>
+                  </a:solidFill>
+                </a:ln>
+                <a:solidFill>
+                  <a:schemeClr val="tx1">
+                    <a:lumMod val="75000"/>
+                    <a:lumOff val="25000"/>
+                  </a:schemeClr>
+                </a:solidFill>
+                <a:latin typeface="배달의민족 주아" panose="02020603020101020101" pitchFamily="18" charset="-127"/>
+                <a:ea typeface="배달의민족 주아" panose="02020603020101020101" pitchFamily="18" charset="-127"/>
+              </a:rPr>
+              <a:t> </a:t>
+            </a:r>
+          </a:p>
+          <a:p>
+            <a:pPr algn="just"/>
+            <a:r>
+              <a:rPr lang="en-US" altLang="ko-KR" sz="1600" dirty="0">
+                <a:ln>
+                  <a:solidFill>
+                    <a:schemeClr val="tx1">
+                      <a:lumMod val="75000"/>
+                      <a:lumOff val="25000"/>
+                      <a:alpha val="20000"/>
+                    </a:schemeClr>
+                  </a:solidFill>
+                </a:ln>
+                <a:solidFill>
+                  <a:schemeClr val="tx1">
+                    <a:lumMod val="75000"/>
+                    <a:lumOff val="25000"/>
+                  </a:schemeClr>
+                </a:solidFill>
+                <a:latin typeface="배달의민족 주아" panose="02020603020101020101" pitchFamily="18" charset="-127"/>
+                <a:ea typeface="배달의민족 주아" panose="02020603020101020101" pitchFamily="18" charset="-127"/>
+              </a:rPr>
+              <a:t>KOSIS </a:t>
+            </a:r>
+            <a:r>
+              <a:rPr lang="ko-KR" altLang="en-US" sz="1600" dirty="0">
+                <a:ln>
+                  <a:solidFill>
+                    <a:schemeClr val="tx1">
+                      <a:lumMod val="75000"/>
+                      <a:lumOff val="25000"/>
+                      <a:alpha val="20000"/>
+                    </a:schemeClr>
+                  </a:solidFill>
+                </a:ln>
+                <a:solidFill>
+                  <a:schemeClr val="tx1">
+                    <a:lumMod val="75000"/>
+                    <a:lumOff val="25000"/>
+                  </a:schemeClr>
+                </a:solidFill>
+                <a:latin typeface="배달의민족 주아" panose="02020603020101020101" pitchFamily="18" charset="-127"/>
+                <a:ea typeface="배달의민족 주아" panose="02020603020101020101" pitchFamily="18" charset="-127"/>
+              </a:rPr>
+              <a:t>국가통계포털에서 제공한 </a:t>
+            </a:r>
+            <a:r>
+              <a:rPr lang="en-US" altLang="ko-KR" sz="1600" dirty="0">
+                <a:ln>
+                  <a:solidFill>
+                    <a:schemeClr val="tx1">
+                      <a:lumMod val="75000"/>
+                      <a:lumOff val="25000"/>
+                      <a:alpha val="20000"/>
+                    </a:schemeClr>
+                  </a:solidFill>
+                </a:ln>
+                <a:solidFill>
+                  <a:schemeClr val="tx1">
+                    <a:lumMod val="75000"/>
+                    <a:lumOff val="25000"/>
+                  </a:schemeClr>
+                </a:solidFill>
+                <a:latin typeface="배달의민족 주아" panose="02020603020101020101" pitchFamily="18" charset="-127"/>
+                <a:ea typeface="배달의민족 주아" panose="02020603020101020101" pitchFamily="18" charset="-127"/>
+              </a:rPr>
+              <a:t>2014-2017</a:t>
+            </a:r>
+            <a:r>
+              <a:rPr lang="ko-KR" altLang="en-US" sz="1600" dirty="0">
+                <a:ln>
+                  <a:solidFill>
+                    <a:schemeClr val="tx1">
+                      <a:lumMod val="75000"/>
+                      <a:lumOff val="25000"/>
+                      <a:alpha val="20000"/>
+                    </a:schemeClr>
+                  </a:solidFill>
+                </a:ln>
+                <a:solidFill>
+                  <a:schemeClr val="tx1">
+                    <a:lumMod val="75000"/>
+                    <a:lumOff val="25000"/>
+                  </a:schemeClr>
+                </a:solidFill>
+                <a:latin typeface="배달의민족 주아" panose="02020603020101020101" pitchFamily="18" charset="-127"/>
+                <a:ea typeface="배달의민족 주아" panose="02020603020101020101" pitchFamily="18" charset="-127"/>
+              </a:rPr>
+              <a:t>년까지의 여행관련 만족도</a:t>
+            </a:r>
+            <a:r>
+              <a:rPr lang="en-US" altLang="ko-KR" sz="1600" dirty="0">
+                <a:ln>
+                  <a:solidFill>
+                    <a:schemeClr val="tx1">
+                      <a:lumMod val="75000"/>
+                      <a:lumOff val="25000"/>
+                      <a:alpha val="20000"/>
+                    </a:schemeClr>
+                  </a:solidFill>
+                </a:ln>
+                <a:solidFill>
+                  <a:schemeClr val="tx1">
+                    <a:lumMod val="75000"/>
+                    <a:lumOff val="25000"/>
+                  </a:schemeClr>
+                </a:solidFill>
+                <a:latin typeface="배달의민족 주아" panose="02020603020101020101" pitchFamily="18" charset="-127"/>
+                <a:ea typeface="배달의민족 주아" panose="02020603020101020101" pitchFamily="18" charset="-127"/>
+              </a:rPr>
+              <a:t>, </a:t>
+            </a:r>
+            <a:r>
+              <a:rPr lang="ko-KR" altLang="en-US" sz="1600" dirty="0">
+                <a:ln>
+                  <a:solidFill>
+                    <a:schemeClr val="tx1">
+                      <a:lumMod val="75000"/>
+                      <a:lumOff val="25000"/>
+                      <a:alpha val="20000"/>
+                    </a:schemeClr>
+                  </a:solidFill>
+                </a:ln>
+                <a:solidFill>
+                  <a:schemeClr val="tx1">
+                    <a:lumMod val="75000"/>
+                    <a:lumOff val="25000"/>
+                  </a:schemeClr>
+                </a:solidFill>
+                <a:latin typeface="배달의민족 주아" panose="02020603020101020101" pitchFamily="18" charset="-127"/>
+                <a:ea typeface="배달의민족 주아" panose="02020603020101020101" pitchFamily="18" charset="-127"/>
+              </a:rPr>
+              <a:t>관광객 수 누적데이터를 분석하여 국내 여행객들을 위한 </a:t>
+            </a:r>
+            <a:r>
+              <a:rPr lang="ko-KR" altLang="en-US" sz="1600" dirty="0" err="1">
+                <a:ln>
+                  <a:solidFill>
+                    <a:schemeClr val="tx1">
+                      <a:lumMod val="75000"/>
+                      <a:lumOff val="25000"/>
+                      <a:alpha val="20000"/>
+                    </a:schemeClr>
+                  </a:solidFill>
+                </a:ln>
+                <a:solidFill>
+                  <a:schemeClr val="tx1">
+                    <a:lumMod val="75000"/>
+                    <a:lumOff val="25000"/>
+                  </a:schemeClr>
+                </a:solidFill>
+                <a:latin typeface="배달의민족 주아" panose="02020603020101020101" pitchFamily="18" charset="-127"/>
+                <a:ea typeface="배달의민족 주아" panose="02020603020101020101" pitchFamily="18" charset="-127"/>
+              </a:rPr>
+              <a:t>추천지를</a:t>
+            </a:r>
+            <a:r>
+              <a:rPr lang="ko-KR" altLang="en-US" sz="1600" dirty="0">
+                <a:ln>
+                  <a:solidFill>
+                    <a:schemeClr val="tx1">
+                      <a:lumMod val="75000"/>
+                      <a:lumOff val="25000"/>
+                      <a:alpha val="20000"/>
+                    </a:schemeClr>
+                  </a:solidFill>
+                </a:ln>
+                <a:solidFill>
+                  <a:schemeClr val="tx1">
+                    <a:lumMod val="75000"/>
+                    <a:lumOff val="25000"/>
+                  </a:schemeClr>
+                </a:solidFill>
+                <a:latin typeface="배달의민족 주아" panose="02020603020101020101" pitchFamily="18" charset="-127"/>
+                <a:ea typeface="배달의민족 주아" panose="02020603020101020101" pitchFamily="18" charset="-127"/>
+              </a:rPr>
+              <a:t> 제공하고자 합니다</a:t>
+            </a:r>
+            <a:r>
+              <a:rPr lang="en-US" altLang="ko-KR" sz="1600" dirty="0">
+                <a:ln>
+                  <a:solidFill>
+                    <a:schemeClr val="tx1">
+                      <a:lumMod val="75000"/>
+                      <a:lumOff val="25000"/>
+                      <a:alpha val="20000"/>
+                    </a:schemeClr>
+                  </a:solidFill>
+                </a:ln>
+                <a:solidFill>
+                  <a:schemeClr val="tx1">
+                    <a:lumMod val="75000"/>
+                    <a:lumOff val="25000"/>
+                  </a:schemeClr>
+                </a:solidFill>
+                <a:latin typeface="배달의민족 주아" panose="02020603020101020101" pitchFamily="18" charset="-127"/>
+                <a:ea typeface="배달의민족 주아" panose="02020603020101020101" pitchFamily="18" charset="-127"/>
+              </a:rPr>
+              <a:t>. </a:t>
+            </a:r>
+            <a:r>
+              <a:rPr lang="ko-KR" altLang="en-US" sz="1600" dirty="0">
+                <a:ln>
+                  <a:solidFill>
+                    <a:schemeClr val="tx1">
+                      <a:lumMod val="75000"/>
+                      <a:lumOff val="25000"/>
+                      <a:alpha val="20000"/>
+                    </a:schemeClr>
+                  </a:solidFill>
+                </a:ln>
+                <a:solidFill>
+                  <a:schemeClr val="tx1">
+                    <a:lumMod val="75000"/>
+                    <a:lumOff val="25000"/>
+                  </a:schemeClr>
+                </a:solidFill>
+                <a:latin typeface="배달의민족 주아" panose="02020603020101020101" pitchFamily="18" charset="-127"/>
+                <a:ea typeface="배달의민족 주아" panose="02020603020101020101" pitchFamily="18" charset="-127"/>
+              </a:rPr>
+              <a:t> </a:t>
+            </a:r>
+            <a:endParaRPr lang="en-US" altLang="ko-KR" sz="1600" dirty="0">
+              <a:ln>
+                <a:solidFill>
+                  <a:schemeClr val="tx1">
+                    <a:lumMod val="75000"/>
+                    <a:lumOff val="25000"/>
+                    <a:alpha val="20000"/>
+                  </a:schemeClr>
+                </a:solidFill>
+              </a:ln>
+              <a:solidFill>
+                <a:schemeClr val="tx1">
+                  <a:lumMod val="75000"/>
+                  <a:lumOff val="25000"/>
+                </a:schemeClr>
+              </a:solidFill>
+              <a:latin typeface="배달의민족 주아" panose="02020603020101020101" pitchFamily="18" charset="-127"/>
+              <a:ea typeface="배달의민족 주아" panose="02020603020101020101" pitchFamily="18" charset="-127"/>
+            </a:endParaRPr>
+          </a:p>
+          <a:p>
+            <a:pPr algn="just"/>
+            <a:endParaRPr lang="en-US" altLang="ko-KR" sz="1600" dirty="0">
+              <a:ln>
+                <a:solidFill>
+                  <a:schemeClr val="tx1">
+                    <a:lumMod val="75000"/>
+                    <a:lumOff val="25000"/>
+                    <a:alpha val="20000"/>
+                  </a:schemeClr>
+                </a:solidFill>
+              </a:ln>
+              <a:solidFill>
+                <a:schemeClr val="tx1">
+                  <a:lumMod val="75000"/>
+                  <a:lumOff val="25000"/>
+                </a:schemeClr>
+              </a:solidFill>
+              <a:latin typeface="나눔고딕" panose="020D0604000000000000" pitchFamily="50" charset="-127"/>
+              <a:ea typeface="나눔고딕" panose="020D0604000000000000" pitchFamily="50" charset="-127"/>
+            </a:endParaRPr>
+          </a:p>
+        </p:txBody>
+      </p:sp>
+      <p:pic>
+        <p:nvPicPr>
+          <p:cNvPr id="3" name="그림 2"/>
+          <p:cNvPicPr>
+            <a:picLocks noChangeAspect="1"/>
+          </p:cNvPicPr>
+          <p:nvPr/>
+        </p:nvPicPr>
+        <p:blipFill>
+          <a:blip r:embed="rId3"/>
+          <a:stretch>
+            <a:fillRect/>
+          </a:stretch>
+        </p:blipFill>
+        <p:spPr>
+          <a:xfrm>
+            <a:off x="401005" y="3009596"/>
+            <a:ext cx="5514975" cy="1152525"/>
+          </a:xfrm>
+          <a:prstGeom prst="rect">
+            <a:avLst/>
+          </a:prstGeom>
+        </p:spPr>
+      </p:pic>
+      <p:pic>
+        <p:nvPicPr>
+          <p:cNvPr id="5" name="그림 4"/>
+          <p:cNvPicPr>
+            <a:picLocks noChangeAspect="1"/>
+          </p:cNvPicPr>
+          <p:nvPr/>
+        </p:nvPicPr>
+        <p:blipFill>
+          <a:blip r:embed="rId4"/>
+          <a:stretch>
+            <a:fillRect/>
+          </a:stretch>
+        </p:blipFill>
+        <p:spPr>
+          <a:xfrm>
+            <a:off x="401005" y="4210647"/>
+            <a:ext cx="5256584" cy="1171575"/>
+          </a:xfrm>
+          <a:prstGeom prst="rect">
+            <a:avLst/>
+          </a:prstGeom>
+        </p:spPr>
+      </p:pic>
+      <p:pic>
+        <p:nvPicPr>
+          <p:cNvPr id="15" name="그림 14"/>
+          <p:cNvPicPr>
+            <a:picLocks noChangeAspect="1"/>
+          </p:cNvPicPr>
+          <p:nvPr/>
+        </p:nvPicPr>
+        <p:blipFill>
+          <a:blip r:embed="rId5"/>
+          <a:stretch>
+            <a:fillRect/>
+          </a:stretch>
+        </p:blipFill>
+        <p:spPr>
+          <a:xfrm>
+            <a:off x="335360" y="5430748"/>
+            <a:ext cx="5112568" cy="1143000"/>
+          </a:xfrm>
+          <a:prstGeom prst="rect">
+            <a:avLst/>
+          </a:prstGeom>
+        </p:spPr>
+      </p:pic>
+      <p:sp>
+        <p:nvSpPr>
           <p:cNvPr id="2" name="슬라이드 번호 개체 틀 1">
             <a:extLst>
               <a:ext uri="{FF2B5EF4-FFF2-40B4-BE49-F238E27FC236}">
-                <a16:creationId xmlns:a16="http://schemas.microsoft.com/office/drawing/2014/main" id="{115F550A-2A17-4F6D-BBB4-E12BA2B0CEE6}"/>
+                <a16:creationId xmlns:a16="http://schemas.microsoft.com/office/drawing/2014/main" id="{9E659DE9-1F9D-4BE5-9256-E91E62CC88EB}"/>
               </a:ext>
             </a:extLst>
           </p:cNvPr>
@@ -21760,7 +21760,7 @@
     </p:spTree>
     <p:extLst>
       <p:ext uri="{BB962C8B-B14F-4D97-AF65-F5344CB8AC3E}">
-        <p14:creationId xmlns:p14="http://schemas.microsoft.com/office/powerpoint/2010/main" val="3308363908"/>
+        <p14:creationId xmlns:p14="http://schemas.microsoft.com/office/powerpoint/2010/main" val="792662195"/>
       </p:ext>
     </p:extLst>
   </p:cSld>
@@ -29689,7 +29689,7 @@
                   <a:latin typeface="타이포_쌍문동 B" panose="02020803020101020101" pitchFamily="18" charset="-127"/>
                   <a:ea typeface="타이포_쌍문동 B" panose="02020803020101020101" pitchFamily="18" charset="-127"/>
                 </a:rPr>
-                <a:t>여행지 만족도 분석 </a:t>
+                <a:t>여행지 선호도 분석 </a:t>
               </a:r>
             </a:p>
           </p:txBody>
